--- a/documentation/БГ мама наръчник - НЛП.pptx
+++ b/documentation/БГ мама наръчник - НЛП.pptx
@@ -1,38 +1,45 @@
 
 <file path=ppt/presentation.xml><?xml version="1.0" encoding="utf-8"?>
-<p:presentation xmlns:a="http://schemas.openxmlformats.org/drawingml/2006/main" xmlns:r="http://schemas.openxmlformats.org/officeDocument/2006/relationships" xmlns:mc="http://schemas.openxmlformats.org/markup-compatibility/2006" xmlns:mv="urn:schemas-microsoft-com:mac:vml" xmlns:p="http://schemas.openxmlformats.org/presentationml/2006/main" xmlns:c="http://schemas.openxmlformats.org/drawingml/2006/chart" xmlns:dgm="http://schemas.openxmlformats.org/drawingml/2006/diagram" xmlns:o="urn:schemas-microsoft-com:office:office" xmlns:v="urn:schemas-microsoft-com:vml" xmlns:pvml="urn:schemas-microsoft-com:office:powerpoint" xmlns:com="http://schemas.openxmlformats.org/drawingml/2006/compatibility" xmlns:p14="http://schemas.microsoft.com/office/powerpoint/2010/main" autoCompressPictures="0" embedTrueTypeFonts="1" strictFirstAndLastChars="0" saveSubsetFonts="1">
+<p:presentation xmlns:a="http://schemas.openxmlformats.org/drawingml/2006/main" xmlns:r="http://schemas.openxmlformats.org/officeDocument/2006/relationships" xmlns:p="http://schemas.openxmlformats.org/presentationml/2006/main" strictFirstAndLastChars="0" embedTrueTypeFonts="1" saveSubsetFonts="1" autoCompressPictures="0">
   <p:sldMasterIdLst>
-    <p:sldMasterId id="2147483659" r:id="rId3"/>
+    <p:sldMasterId id="2147483659" r:id="rId1"/>
   </p:sldMasterIdLst>
   <p:notesMasterIdLst>
-    <p:notesMasterId r:id="rId4"/>
+    <p:notesMasterId r:id="rId10"/>
   </p:notesMasterIdLst>
   <p:sldIdLst>
-    <p:sldId id="256" r:id="rId5"/>
-    <p:sldId id="257" r:id="rId6"/>
-    <p:sldId id="258" r:id="rId7"/>
-    <p:sldId id="259" r:id="rId8"/>
-    <p:sldId id="260" r:id="rId9"/>
-    <p:sldId id="261" r:id="rId10"/>
-    <p:sldId id="262" r:id="rId11"/>
-    <p:sldId id="263" r:id="rId12"/>
+    <p:sldId id="256" r:id="rId2"/>
+    <p:sldId id="257" r:id="rId3"/>
+    <p:sldId id="258" r:id="rId4"/>
+    <p:sldId id="259" r:id="rId5"/>
+    <p:sldId id="260" r:id="rId6"/>
+    <p:sldId id="261" r:id="rId7"/>
+    <p:sldId id="262" r:id="rId8"/>
+    <p:sldId id="263" r:id="rId9"/>
   </p:sldIdLst>
-  <p:sldSz cy="5143500" cx="9144000"/>
+  <p:sldSz cx="9144000" cy="5143500" type="screen16x9"/>
   <p:notesSz cx="6858000" cy="9144000"/>
   <p:embeddedFontLst>
     <p:embeddedFont>
-      <p:font typeface="Source Code Pro"/>
+      <p:font typeface="Source Code Pro" panose="020B0604020202020204" charset="0"/>
+      <p:regular r:id="rId11"/>
+      <p:bold r:id="rId12"/>
+    </p:embeddedFont>
+    <p:embeddedFont>
+      <p:font typeface="Oswald" panose="020B0604020202020204" charset="0"/>
       <p:regular r:id="rId13"/>
       <p:bold r:id="rId14"/>
     </p:embeddedFont>
     <p:embeddedFont>
-      <p:font typeface="Oswald"/>
+      <p:font typeface="Calibri" panose="020F0502020204030204" pitchFamily="34" charset="0"/>
       <p:regular r:id="rId15"/>
       <p:bold r:id="rId16"/>
+      <p:italic r:id="rId17"/>
+      <p:boldItalic r:id="rId18"/>
     </p:embeddedFont>
   </p:embeddedFontLst>
   <p:defaultTextStyle>
-    <a:defPPr lvl="0" marR="0" rtl="0" algn="l">
+    <a:defPPr marR="0" lvl="0" algn="l" rtl="0">
       <a:lnSpc>
         <a:spcPct val="100000"/>
       </a:lnSpc>
@@ -43,7 +50,7 @@
         <a:spcPts val="0"/>
       </a:spcAft>
     </a:defPPr>
-    <a:lvl1pPr lvl="0" marR="0" rtl="0" algn="l">
+    <a:lvl1pPr marR="0" lvl="0" algn="l" rtl="0">
       <a:lnSpc>
         <a:spcPct val="100000"/>
       </a:lnSpc>
@@ -54,7 +61,7 @@
         <a:spcPts val="0"/>
       </a:spcAft>
       <a:buNone/>
-      <a:defRPr b="0" i="0" sz="1400" u="none" cap="none" strike="noStrike">
+      <a:defRPr sz="1400" b="0" i="0" u="none" strike="noStrike" cap="none">
         <a:solidFill>
           <a:srgbClr val="000000"/>
         </a:solidFill>
@@ -64,7 +71,7 @@
         <a:sym typeface="Arial"/>
       </a:defRPr>
     </a:lvl1pPr>
-    <a:lvl2pPr lvl="1" marR="0" rtl="0" algn="l">
+    <a:lvl2pPr marR="0" lvl="1" algn="l" rtl="0">
       <a:lnSpc>
         <a:spcPct val="100000"/>
       </a:lnSpc>
@@ -75,7 +82,7 @@
         <a:spcPts val="0"/>
       </a:spcAft>
       <a:buNone/>
-      <a:defRPr b="0" i="0" sz="1400" u="none" cap="none" strike="noStrike">
+      <a:defRPr sz="1400" b="0" i="0" u="none" strike="noStrike" cap="none">
         <a:solidFill>
           <a:srgbClr val="000000"/>
         </a:solidFill>
@@ -85,7 +92,7 @@
         <a:sym typeface="Arial"/>
       </a:defRPr>
     </a:lvl2pPr>
-    <a:lvl3pPr lvl="2" marR="0" rtl="0" algn="l">
+    <a:lvl3pPr marR="0" lvl="2" algn="l" rtl="0">
       <a:lnSpc>
         <a:spcPct val="100000"/>
       </a:lnSpc>
@@ -96,7 +103,7 @@
         <a:spcPts val="0"/>
       </a:spcAft>
       <a:buNone/>
-      <a:defRPr b="0" i="0" sz="1400" u="none" cap="none" strike="noStrike">
+      <a:defRPr sz="1400" b="0" i="0" u="none" strike="noStrike" cap="none">
         <a:solidFill>
           <a:srgbClr val="000000"/>
         </a:solidFill>
@@ -106,7 +113,7 @@
         <a:sym typeface="Arial"/>
       </a:defRPr>
     </a:lvl3pPr>
-    <a:lvl4pPr lvl="3" marR="0" rtl="0" algn="l">
+    <a:lvl4pPr marR="0" lvl="3" algn="l" rtl="0">
       <a:lnSpc>
         <a:spcPct val="100000"/>
       </a:lnSpc>
@@ -117,7 +124,7 @@
         <a:spcPts val="0"/>
       </a:spcAft>
       <a:buNone/>
-      <a:defRPr b="0" i="0" sz="1400" u="none" cap="none" strike="noStrike">
+      <a:defRPr sz="1400" b="0" i="0" u="none" strike="noStrike" cap="none">
         <a:solidFill>
           <a:srgbClr val="000000"/>
         </a:solidFill>
@@ -127,7 +134,7 @@
         <a:sym typeface="Arial"/>
       </a:defRPr>
     </a:lvl4pPr>
-    <a:lvl5pPr lvl="4" marR="0" rtl="0" algn="l">
+    <a:lvl5pPr marR="0" lvl="4" algn="l" rtl="0">
       <a:lnSpc>
         <a:spcPct val="100000"/>
       </a:lnSpc>
@@ -138,7 +145,7 @@
         <a:spcPts val="0"/>
       </a:spcAft>
       <a:buNone/>
-      <a:defRPr b="0" i="0" sz="1400" u="none" cap="none" strike="noStrike">
+      <a:defRPr sz="1400" b="0" i="0" u="none" strike="noStrike" cap="none">
         <a:solidFill>
           <a:srgbClr val="000000"/>
         </a:solidFill>
@@ -148,7 +155,7 @@
         <a:sym typeface="Arial"/>
       </a:defRPr>
     </a:lvl5pPr>
-    <a:lvl6pPr lvl="5" marR="0" rtl="0" algn="l">
+    <a:lvl6pPr marR="0" lvl="5" algn="l" rtl="0">
       <a:lnSpc>
         <a:spcPct val="100000"/>
       </a:lnSpc>
@@ -159,7 +166,7 @@
         <a:spcPts val="0"/>
       </a:spcAft>
       <a:buNone/>
-      <a:defRPr b="0" i="0" sz="1400" u="none" cap="none" strike="noStrike">
+      <a:defRPr sz="1400" b="0" i="0" u="none" strike="noStrike" cap="none">
         <a:solidFill>
           <a:srgbClr val="000000"/>
         </a:solidFill>
@@ -169,7 +176,7 @@
         <a:sym typeface="Arial"/>
       </a:defRPr>
     </a:lvl6pPr>
-    <a:lvl7pPr lvl="6" marR="0" rtl="0" algn="l">
+    <a:lvl7pPr marR="0" lvl="6" algn="l" rtl="0">
       <a:lnSpc>
         <a:spcPct val="100000"/>
       </a:lnSpc>
@@ -180,7 +187,7 @@
         <a:spcPts val="0"/>
       </a:spcAft>
       <a:buNone/>
-      <a:defRPr b="0" i="0" sz="1400" u="none" cap="none" strike="noStrike">
+      <a:defRPr sz="1400" b="0" i="0" u="none" strike="noStrike" cap="none">
         <a:solidFill>
           <a:srgbClr val="000000"/>
         </a:solidFill>
@@ -190,7 +197,7 @@
         <a:sym typeface="Arial"/>
       </a:defRPr>
     </a:lvl7pPr>
-    <a:lvl8pPr lvl="7" marR="0" rtl="0" algn="l">
+    <a:lvl8pPr marR="0" lvl="7" algn="l" rtl="0">
       <a:lnSpc>
         <a:spcPct val="100000"/>
       </a:lnSpc>
@@ -201,7 +208,7 @@
         <a:spcPts val="0"/>
       </a:spcAft>
       <a:buNone/>
-      <a:defRPr b="0" i="0" sz="1400" u="none" cap="none" strike="noStrike">
+      <a:defRPr sz="1400" b="0" i="0" u="none" strike="noStrike" cap="none">
         <a:solidFill>
           <a:srgbClr val="000000"/>
         </a:solidFill>
@@ -211,7 +218,7 @@
         <a:sym typeface="Arial"/>
       </a:defRPr>
     </a:lvl8pPr>
-    <a:lvl9pPr lvl="8" marR="0" rtl="0" algn="l">
+    <a:lvl9pPr marR="0" lvl="8" algn="l" rtl="0">
       <a:lnSpc>
         <a:spcPct val="100000"/>
       </a:lnSpc>
@@ -222,7 +229,7 @@
         <a:spcPts val="0"/>
       </a:spcAft>
       <a:buNone/>
-      <a:defRPr b="0" i="0" sz="1400" u="none" cap="none" strike="noStrike">
+      <a:defRPr sz="1400" b="0" i="0" u="none" strike="noStrike" cap="none">
         <a:solidFill>
           <a:srgbClr val="000000"/>
         </a:solidFill>
@@ -237,11 +244,16 @@
 </file>
 
 <file path=ppt/notesMasters/notesMaster1.xml><?xml version="1.0" encoding="utf-8"?>
-<p:notesMaster xmlns:a="http://schemas.openxmlformats.org/drawingml/2006/main" xmlns:r="http://schemas.openxmlformats.org/officeDocument/2006/relationships" xmlns:mc="http://schemas.openxmlformats.org/markup-compatibility/2006" xmlns:mv="urn:schemas-microsoft-com:mac:vml" xmlns:p="http://schemas.openxmlformats.org/presentationml/2006/main" xmlns:c="http://schemas.openxmlformats.org/drawingml/2006/chart" xmlns:dgm="http://schemas.openxmlformats.org/drawingml/2006/diagram" xmlns:o="urn:schemas-microsoft-com:office:office" xmlns:v="urn:schemas-microsoft-com:vml" xmlns:pvml="urn:schemas-microsoft-com:office:powerpoint" xmlns:com="http://schemas.openxmlformats.org/drawingml/2006/compatibility" xmlns:p14="http://schemas.microsoft.com/office/powerpoint/2010/main">
+<p:notesMaster xmlns:a="http://schemas.openxmlformats.org/drawingml/2006/main" xmlns:r="http://schemas.openxmlformats.org/officeDocument/2006/relationships" xmlns:p="http://schemas.openxmlformats.org/presentationml/2006/main">
   <p:cSld>
+    <p:bg>
+      <p:bgRef idx="1001">
+        <a:schemeClr val="bg1"/>
+      </p:bgRef>
+    </p:bg>
     <p:spTree>
       <p:nvGrpSpPr>
-        <p:cNvPr id="2" name="Shape 2"/>
+        <p:cNvPr id="1" name="Shape 2"/>
         <p:cNvGrpSpPr/>
         <p:nvPr/>
       </p:nvGrpSpPr>
@@ -256,9 +268,11 @@
       <p:sp>
         <p:nvSpPr>
           <p:cNvPr id="3" name="Shape 3"/>
-          <p:cNvSpPr/>
+          <p:cNvSpPr>
+            <a:spLocks noGrp="1" noRot="1" noChangeAspect="1"/>
+          </p:cNvSpPr>
           <p:nvPr>
-            <p:ph idx="2" type="sldImg"/>
+            <p:ph type="sldImg" idx="2"/>
           </p:nvPr>
         </p:nvSpPr>
         <p:spPr>
@@ -267,8 +281,13 @@
             <a:ext cx="6096075" cy="3429000"/>
           </a:xfrm>
           <a:custGeom>
+            <a:avLst/>
+            <a:gdLst/>
+            <a:ahLst/>
+            <a:cxnLst/>
+            <a:rect l="0" t="0" r="0" b="0"/>
             <a:pathLst>
-              <a:path extrusionOk="0" h="120000" w="120000">
+              <a:path w="120000" h="120000" extrusionOk="0">
                 <a:moveTo>
                   <a:pt x="0" y="0"/>
                 </a:moveTo>
@@ -286,23 +305,25 @@
             </a:pathLst>
           </a:custGeom>
           <a:noFill/>
-          <a:ln cap="flat" cmpd="sng" w="9525">
+          <a:ln w="9525" cap="flat" cmpd="sng">
             <a:solidFill>
               <a:srgbClr val="000000"/>
             </a:solidFill>
             <a:prstDash val="solid"/>
             <a:round/>
-            <a:headEnd len="med" w="med" type="none"/>
-            <a:tailEnd len="med" w="med" type="none"/>
+            <a:headEnd type="none" w="med" len="med"/>
+            <a:tailEnd type="none" w="med" len="med"/>
           </a:ln>
         </p:spPr>
       </p:sp>
       <p:sp>
         <p:nvSpPr>
           <p:cNvPr id="4" name="Shape 4"/>
-          <p:cNvSpPr txBox="1"/>
+          <p:cNvSpPr txBox="1">
+            <a:spLocks noGrp="1"/>
+          </p:cNvSpPr>
           <p:nvPr>
-            <p:ph idx="1" type="body"/>
+            <p:ph type="body" idx="1"/>
           </p:nvPr>
         </p:nvSpPr>
         <p:spPr>
@@ -319,7 +340,7 @@
           </a:ln>
         </p:spPr>
         <p:txBody>
-          <a:bodyPr anchorCtr="0" anchor="t" bIns="91425" lIns="91425" rIns="91425" tIns="91425"/>
+          <a:bodyPr lIns="91425" tIns="91425" rIns="91425" bIns="91425" anchor="t" anchorCtr="0"/>
           <a:lstStyle>
             <a:lvl1pPr lvl="0">
               <a:spcBef>
@@ -376,21 +397,120 @@
               <a:defRPr sz="1100"/>
             </a:lvl9pPr>
           </a:lstStyle>
-          <a:p/>
+          <a:p>
+            <a:endParaRPr/>
+          </a:p>
         </p:txBody>
       </p:sp>
     </p:spTree>
+    <p:extLst>
+      <p:ext uri="{BB962C8B-B14F-4D97-AF65-F5344CB8AC3E}">
+        <p14:creationId xmlns:p14="http://schemas.microsoft.com/office/powerpoint/2010/main" val="4011173077"/>
+      </p:ext>
+    </p:extLst>
   </p:cSld>
-  <p:clrMap accent1="accent1" accent2="accent2" accent3="accent3" accent4="accent4" accent5="accent5" accent6="accent6" bg1="lt1" bg2="dk2" tx1="dk1" tx2="lt2" folHlink="folHlink" hlink="hlink"/>
+  <p:clrMap bg1="lt1" tx1="dk1" bg2="dk2" tx2="lt2" accent1="accent1" accent2="accent2" accent3="accent3" accent4="accent4" accent5="accent5" accent6="accent6" hlink="hlink" folHlink="folHlink"/>
+  <p:notesStyle>
+    <a:lvl1pPr marL="0" algn="l" defTabSz="914400" rtl="0" eaLnBrk="1" latinLnBrk="0" hangingPunct="1">
+      <a:defRPr sz="1200" kern="1200">
+        <a:solidFill>
+          <a:schemeClr val="tx1"/>
+        </a:solidFill>
+        <a:latin typeface="+mn-lt"/>
+        <a:ea typeface="+mn-ea"/>
+        <a:cs typeface="+mn-cs"/>
+      </a:defRPr>
+    </a:lvl1pPr>
+    <a:lvl2pPr marL="457200" algn="l" defTabSz="914400" rtl="0" eaLnBrk="1" latinLnBrk="0" hangingPunct="1">
+      <a:defRPr sz="1200" kern="1200">
+        <a:solidFill>
+          <a:schemeClr val="tx1"/>
+        </a:solidFill>
+        <a:latin typeface="+mn-lt"/>
+        <a:ea typeface="+mn-ea"/>
+        <a:cs typeface="+mn-cs"/>
+      </a:defRPr>
+    </a:lvl2pPr>
+    <a:lvl3pPr marL="914400" algn="l" defTabSz="914400" rtl="0" eaLnBrk="1" latinLnBrk="0" hangingPunct="1">
+      <a:defRPr sz="1200" kern="1200">
+        <a:solidFill>
+          <a:schemeClr val="tx1"/>
+        </a:solidFill>
+        <a:latin typeface="+mn-lt"/>
+        <a:ea typeface="+mn-ea"/>
+        <a:cs typeface="+mn-cs"/>
+      </a:defRPr>
+    </a:lvl3pPr>
+    <a:lvl4pPr marL="1371600" algn="l" defTabSz="914400" rtl="0" eaLnBrk="1" latinLnBrk="0" hangingPunct="1">
+      <a:defRPr sz="1200" kern="1200">
+        <a:solidFill>
+          <a:schemeClr val="tx1"/>
+        </a:solidFill>
+        <a:latin typeface="+mn-lt"/>
+        <a:ea typeface="+mn-ea"/>
+        <a:cs typeface="+mn-cs"/>
+      </a:defRPr>
+    </a:lvl4pPr>
+    <a:lvl5pPr marL="1828800" algn="l" defTabSz="914400" rtl="0" eaLnBrk="1" latinLnBrk="0" hangingPunct="1">
+      <a:defRPr sz="1200" kern="1200">
+        <a:solidFill>
+          <a:schemeClr val="tx1"/>
+        </a:solidFill>
+        <a:latin typeface="+mn-lt"/>
+        <a:ea typeface="+mn-ea"/>
+        <a:cs typeface="+mn-cs"/>
+      </a:defRPr>
+    </a:lvl5pPr>
+    <a:lvl6pPr marL="2286000" algn="l" defTabSz="914400" rtl="0" eaLnBrk="1" latinLnBrk="0" hangingPunct="1">
+      <a:defRPr sz="1200" kern="1200">
+        <a:solidFill>
+          <a:schemeClr val="tx1"/>
+        </a:solidFill>
+        <a:latin typeface="+mn-lt"/>
+        <a:ea typeface="+mn-ea"/>
+        <a:cs typeface="+mn-cs"/>
+      </a:defRPr>
+    </a:lvl6pPr>
+    <a:lvl7pPr marL="2743200" algn="l" defTabSz="914400" rtl="0" eaLnBrk="1" latinLnBrk="0" hangingPunct="1">
+      <a:defRPr sz="1200" kern="1200">
+        <a:solidFill>
+          <a:schemeClr val="tx1"/>
+        </a:solidFill>
+        <a:latin typeface="+mn-lt"/>
+        <a:ea typeface="+mn-ea"/>
+        <a:cs typeface="+mn-cs"/>
+      </a:defRPr>
+    </a:lvl7pPr>
+    <a:lvl8pPr marL="3200400" algn="l" defTabSz="914400" rtl="0" eaLnBrk="1" latinLnBrk="0" hangingPunct="1">
+      <a:defRPr sz="1200" kern="1200">
+        <a:solidFill>
+          <a:schemeClr val="tx1"/>
+        </a:solidFill>
+        <a:latin typeface="+mn-lt"/>
+        <a:ea typeface="+mn-ea"/>
+        <a:cs typeface="+mn-cs"/>
+      </a:defRPr>
+    </a:lvl8pPr>
+    <a:lvl9pPr marL="3657600" algn="l" defTabSz="914400" rtl="0" eaLnBrk="1" latinLnBrk="0" hangingPunct="1">
+      <a:defRPr sz="1200" kern="1200">
+        <a:solidFill>
+          <a:schemeClr val="tx1"/>
+        </a:solidFill>
+        <a:latin typeface="+mn-lt"/>
+        <a:ea typeface="+mn-ea"/>
+        <a:cs typeface="+mn-cs"/>
+      </a:defRPr>
+    </a:lvl9pPr>
+  </p:notesStyle>
 </p:notesMaster>
 </file>
 
 <file path=ppt/notesSlides/notesSlide1.xml><?xml version="1.0" encoding="utf-8"?>
-<p:notes xmlns:a="http://schemas.openxmlformats.org/drawingml/2006/main" xmlns:r="http://schemas.openxmlformats.org/officeDocument/2006/relationships" xmlns:mc="http://schemas.openxmlformats.org/markup-compatibility/2006" xmlns:mv="urn:schemas-microsoft-com:mac:vml" xmlns:p="http://schemas.openxmlformats.org/presentationml/2006/main" xmlns:c="http://schemas.openxmlformats.org/drawingml/2006/chart" xmlns:dgm="http://schemas.openxmlformats.org/drawingml/2006/diagram" xmlns:o="urn:schemas-microsoft-com:office:office" xmlns:v="urn:schemas-microsoft-com:vml" xmlns:pvml="urn:schemas-microsoft-com:office:powerpoint" xmlns:com="http://schemas.openxmlformats.org/drawingml/2006/compatibility" xmlns:p14="http://schemas.microsoft.com/office/powerpoint/2010/main" showMasterPhAnim="0" showMasterSp="0">
+<p:notes xmlns:a="http://schemas.openxmlformats.org/drawingml/2006/main" xmlns:r="http://schemas.openxmlformats.org/officeDocument/2006/relationships" xmlns:p="http://schemas.openxmlformats.org/presentationml/2006/main" showMasterSp="0" showMasterPhAnim="0">
   <p:cSld>
     <p:spTree>
       <p:nvGrpSpPr>
-        <p:cNvPr id="58" name="Shape 58"/>
+        <p:cNvPr id="1" name="Shape 58"/>
         <p:cNvGrpSpPr/>
         <p:nvPr/>
       </p:nvGrpSpPr>
@@ -405,19 +525,26 @@
       <p:sp>
         <p:nvSpPr>
           <p:cNvPr id="59" name="Shape 59"/>
-          <p:cNvSpPr/>
+          <p:cNvSpPr>
+            <a:spLocks noGrp="1" noRot="1" noChangeAspect="1"/>
+          </p:cNvSpPr>
           <p:nvPr>
-            <p:ph idx="2" type="sldImg"/>
+            <p:ph type="sldImg" idx="2"/>
           </p:nvPr>
         </p:nvSpPr>
         <p:spPr>
           <a:xfrm>
-            <a:off x="381300" y="685800"/>
-            <a:ext cx="6096075" cy="3429000"/>
+            <a:off x="381000" y="685800"/>
+            <a:ext cx="6096000" cy="3429000"/>
           </a:xfrm>
           <a:custGeom>
+            <a:avLst/>
+            <a:gdLst/>
+            <a:ahLst/>
+            <a:cxnLst/>
+            <a:rect l="0" t="0" r="0" b="0"/>
             <a:pathLst>
-              <a:path extrusionOk="0" h="120000" w="120000">
+              <a:path w="120000" h="120000" extrusionOk="0">
                 <a:moveTo>
                   <a:pt x="0" y="0"/>
                 </a:moveTo>
@@ -439,9 +566,11 @@
       <p:sp>
         <p:nvSpPr>
           <p:cNvPr id="60" name="Shape 60"/>
-          <p:cNvSpPr txBox="1"/>
+          <p:cNvSpPr txBox="1">
+            <a:spLocks noGrp="1"/>
+          </p:cNvSpPr>
           <p:nvPr>
-            <p:ph idx="1" type="body"/>
+            <p:ph type="body" idx="1"/>
           </p:nvPr>
         </p:nvSpPr>
         <p:spPr>
@@ -454,7 +583,7 @@
           </a:prstGeom>
         </p:spPr>
         <p:txBody>
-          <a:bodyPr anchorCtr="0" anchor="t" bIns="91425" lIns="91425" rIns="91425" tIns="91425">
+          <a:bodyPr lIns="91425" tIns="91425" rIns="91425" bIns="91425" anchor="t" anchorCtr="0">
             <a:noAutofit/>
           </a:bodyPr>
           <a:lstStyle/>
@@ -465,14 +594,16 @@
               </a:spcBef>
               <a:buNone/>
             </a:pPr>
-            <a:r>
-              <a:t/>
-            </a:r>
             <a:endParaRPr/>
           </a:p>
         </p:txBody>
       </p:sp>
     </p:spTree>
+    <p:extLst>
+      <p:ext uri="{BB962C8B-B14F-4D97-AF65-F5344CB8AC3E}">
+        <p14:creationId xmlns:p14="http://schemas.microsoft.com/office/powerpoint/2010/main" val="3852938133"/>
+      </p:ext>
+    </p:extLst>
   </p:cSld>
   <p:clrMapOvr>
     <a:masterClrMapping/>
@@ -481,11 +612,11 @@
 </file>
 
 <file path=ppt/notesSlides/notesSlide2.xml><?xml version="1.0" encoding="utf-8"?>
-<p:notes xmlns:a="http://schemas.openxmlformats.org/drawingml/2006/main" xmlns:r="http://schemas.openxmlformats.org/officeDocument/2006/relationships" xmlns:mc="http://schemas.openxmlformats.org/markup-compatibility/2006" xmlns:mv="urn:schemas-microsoft-com:mac:vml" xmlns:p="http://schemas.openxmlformats.org/presentationml/2006/main" xmlns:c="http://schemas.openxmlformats.org/drawingml/2006/chart" xmlns:dgm="http://schemas.openxmlformats.org/drawingml/2006/diagram" xmlns:o="urn:schemas-microsoft-com:office:office" xmlns:v="urn:schemas-microsoft-com:vml" xmlns:pvml="urn:schemas-microsoft-com:office:powerpoint" xmlns:com="http://schemas.openxmlformats.org/drawingml/2006/compatibility" xmlns:p14="http://schemas.microsoft.com/office/powerpoint/2010/main" showMasterPhAnim="0" showMasterSp="0">
+<p:notes xmlns:a="http://schemas.openxmlformats.org/drawingml/2006/main" xmlns:r="http://schemas.openxmlformats.org/officeDocument/2006/relationships" xmlns:p="http://schemas.openxmlformats.org/presentationml/2006/main" showMasterSp="0" showMasterPhAnim="0">
   <p:cSld>
     <p:spTree>
       <p:nvGrpSpPr>
-        <p:cNvPr id="64" name="Shape 64"/>
+        <p:cNvPr id="1" name="Shape 64"/>
         <p:cNvGrpSpPr/>
         <p:nvPr/>
       </p:nvGrpSpPr>
@@ -500,19 +631,26 @@
       <p:sp>
         <p:nvSpPr>
           <p:cNvPr id="65" name="Shape 65"/>
-          <p:cNvSpPr/>
+          <p:cNvSpPr>
+            <a:spLocks noGrp="1" noRot="1" noChangeAspect="1"/>
+          </p:cNvSpPr>
           <p:nvPr>
-            <p:ph idx="2" type="sldImg"/>
+            <p:ph type="sldImg" idx="2"/>
           </p:nvPr>
         </p:nvSpPr>
         <p:spPr>
           <a:xfrm>
-            <a:off x="381300" y="685800"/>
+            <a:off x="381000" y="685800"/>
             <a:ext cx="6096000" cy="3429000"/>
           </a:xfrm>
           <a:custGeom>
+            <a:avLst/>
+            <a:gdLst/>
+            <a:ahLst/>
+            <a:cxnLst/>
+            <a:rect l="0" t="0" r="0" b="0"/>
             <a:pathLst>
-              <a:path extrusionOk="0" h="120000" w="120000">
+              <a:path w="120000" h="120000" extrusionOk="0">
                 <a:moveTo>
                   <a:pt x="0" y="0"/>
                 </a:moveTo>
@@ -534,9 +672,11 @@
       <p:sp>
         <p:nvSpPr>
           <p:cNvPr id="66" name="Shape 66"/>
-          <p:cNvSpPr txBox="1"/>
+          <p:cNvSpPr txBox="1">
+            <a:spLocks noGrp="1"/>
+          </p:cNvSpPr>
           <p:nvPr>
-            <p:ph idx="1" type="body"/>
+            <p:ph type="body" idx="1"/>
           </p:nvPr>
         </p:nvSpPr>
         <p:spPr>
@@ -549,7 +689,7 @@
           </a:prstGeom>
         </p:spPr>
         <p:txBody>
-          <a:bodyPr anchorCtr="0" anchor="t" bIns="91425" lIns="91425" rIns="91425" tIns="91425">
+          <a:bodyPr lIns="91425" tIns="91425" rIns="91425" bIns="91425" anchor="t" anchorCtr="0">
             <a:noAutofit/>
           </a:bodyPr>
           <a:lstStyle/>
@@ -560,14 +700,16 @@
               </a:spcBef>
               <a:buNone/>
             </a:pPr>
-            <a:r>
-              <a:t/>
-            </a:r>
             <a:endParaRPr/>
           </a:p>
         </p:txBody>
       </p:sp>
     </p:spTree>
+    <p:extLst>
+      <p:ext uri="{BB962C8B-B14F-4D97-AF65-F5344CB8AC3E}">
+        <p14:creationId xmlns:p14="http://schemas.microsoft.com/office/powerpoint/2010/main" val="2056696054"/>
+      </p:ext>
+    </p:extLst>
   </p:cSld>
   <p:clrMapOvr>
     <a:masterClrMapping/>
@@ -576,11 +718,11 @@
 </file>
 
 <file path=ppt/notesSlides/notesSlide3.xml><?xml version="1.0" encoding="utf-8"?>
-<p:notes xmlns:a="http://schemas.openxmlformats.org/drawingml/2006/main" xmlns:r="http://schemas.openxmlformats.org/officeDocument/2006/relationships" xmlns:mc="http://schemas.openxmlformats.org/markup-compatibility/2006" xmlns:mv="urn:schemas-microsoft-com:mac:vml" xmlns:p="http://schemas.openxmlformats.org/presentationml/2006/main" xmlns:c="http://schemas.openxmlformats.org/drawingml/2006/chart" xmlns:dgm="http://schemas.openxmlformats.org/drawingml/2006/diagram" xmlns:o="urn:schemas-microsoft-com:office:office" xmlns:v="urn:schemas-microsoft-com:vml" xmlns:pvml="urn:schemas-microsoft-com:office:powerpoint" xmlns:com="http://schemas.openxmlformats.org/drawingml/2006/compatibility" xmlns:p14="http://schemas.microsoft.com/office/powerpoint/2010/main" showMasterPhAnim="0" showMasterSp="0">
+<p:notes xmlns:a="http://schemas.openxmlformats.org/drawingml/2006/main" xmlns:r="http://schemas.openxmlformats.org/officeDocument/2006/relationships" xmlns:p="http://schemas.openxmlformats.org/presentationml/2006/main" showMasterSp="0" showMasterPhAnim="0">
   <p:cSld>
     <p:spTree>
       <p:nvGrpSpPr>
-        <p:cNvPr id="73" name="Shape 73"/>
+        <p:cNvPr id="1" name="Shape 73"/>
         <p:cNvGrpSpPr/>
         <p:nvPr/>
       </p:nvGrpSpPr>
@@ -595,19 +737,26 @@
       <p:sp>
         <p:nvSpPr>
           <p:cNvPr id="74" name="Shape 74"/>
-          <p:cNvSpPr/>
+          <p:cNvSpPr>
+            <a:spLocks noGrp="1" noRot="1" noChangeAspect="1"/>
+          </p:cNvSpPr>
           <p:nvPr>
-            <p:ph idx="2" type="sldImg"/>
+            <p:ph type="sldImg" idx="2"/>
           </p:nvPr>
         </p:nvSpPr>
         <p:spPr>
           <a:xfrm>
-            <a:off x="381300" y="685800"/>
+            <a:off x="381000" y="685800"/>
             <a:ext cx="6096000" cy="3429000"/>
           </a:xfrm>
           <a:custGeom>
+            <a:avLst/>
+            <a:gdLst/>
+            <a:ahLst/>
+            <a:cxnLst/>
+            <a:rect l="0" t="0" r="0" b="0"/>
             <a:pathLst>
-              <a:path extrusionOk="0" h="120000" w="120000">
+              <a:path w="120000" h="120000" extrusionOk="0">
                 <a:moveTo>
                   <a:pt x="0" y="0"/>
                 </a:moveTo>
@@ -629,9 +778,11 @@
       <p:sp>
         <p:nvSpPr>
           <p:cNvPr id="75" name="Shape 75"/>
-          <p:cNvSpPr txBox="1"/>
+          <p:cNvSpPr txBox="1">
+            <a:spLocks noGrp="1"/>
+          </p:cNvSpPr>
           <p:nvPr>
-            <p:ph idx="1" type="body"/>
+            <p:ph type="body" idx="1"/>
           </p:nvPr>
         </p:nvSpPr>
         <p:spPr>
@@ -644,7 +795,7 @@
           </a:prstGeom>
         </p:spPr>
         <p:txBody>
-          <a:bodyPr anchorCtr="0" anchor="t" bIns="91425" lIns="91425" rIns="91425" tIns="91425">
+          <a:bodyPr lIns="91425" tIns="91425" rIns="91425" bIns="91425" anchor="t" anchorCtr="0">
             <a:noAutofit/>
           </a:bodyPr>
           <a:lstStyle/>
@@ -655,14 +806,16 @@
               </a:spcBef>
               <a:buNone/>
             </a:pPr>
-            <a:r>
-              <a:t/>
-            </a:r>
             <a:endParaRPr/>
           </a:p>
         </p:txBody>
       </p:sp>
     </p:spTree>
+    <p:extLst>
+      <p:ext uri="{BB962C8B-B14F-4D97-AF65-F5344CB8AC3E}">
+        <p14:creationId xmlns:p14="http://schemas.microsoft.com/office/powerpoint/2010/main" val="65834436"/>
+      </p:ext>
+    </p:extLst>
   </p:cSld>
   <p:clrMapOvr>
     <a:masterClrMapping/>
@@ -671,11 +824,11 @@
 </file>
 
 <file path=ppt/notesSlides/notesSlide4.xml><?xml version="1.0" encoding="utf-8"?>
-<p:notes xmlns:a="http://schemas.openxmlformats.org/drawingml/2006/main" xmlns:r="http://schemas.openxmlformats.org/officeDocument/2006/relationships" xmlns:mc="http://schemas.openxmlformats.org/markup-compatibility/2006" xmlns:mv="urn:schemas-microsoft-com:mac:vml" xmlns:p="http://schemas.openxmlformats.org/presentationml/2006/main" xmlns:c="http://schemas.openxmlformats.org/drawingml/2006/chart" xmlns:dgm="http://schemas.openxmlformats.org/drawingml/2006/diagram" xmlns:o="urn:schemas-microsoft-com:office:office" xmlns:v="urn:schemas-microsoft-com:vml" xmlns:pvml="urn:schemas-microsoft-com:office:powerpoint" xmlns:com="http://schemas.openxmlformats.org/drawingml/2006/compatibility" xmlns:p14="http://schemas.microsoft.com/office/powerpoint/2010/main" showMasterPhAnim="0" showMasterSp="0">
+<p:notes xmlns:a="http://schemas.openxmlformats.org/drawingml/2006/main" xmlns:r="http://schemas.openxmlformats.org/officeDocument/2006/relationships" xmlns:p="http://schemas.openxmlformats.org/presentationml/2006/main" showMasterSp="0" showMasterPhAnim="0">
   <p:cSld>
     <p:spTree>
       <p:nvGrpSpPr>
-        <p:cNvPr id="79" name="Shape 79"/>
+        <p:cNvPr id="1" name="Shape 79"/>
         <p:cNvGrpSpPr/>
         <p:nvPr/>
       </p:nvGrpSpPr>
@@ -690,19 +843,26 @@
       <p:sp>
         <p:nvSpPr>
           <p:cNvPr id="80" name="Shape 80"/>
-          <p:cNvSpPr/>
+          <p:cNvSpPr>
+            <a:spLocks noGrp="1" noRot="1" noChangeAspect="1"/>
+          </p:cNvSpPr>
           <p:nvPr>
-            <p:ph idx="2" type="sldImg"/>
+            <p:ph type="sldImg" idx="2"/>
           </p:nvPr>
         </p:nvSpPr>
         <p:spPr>
           <a:xfrm>
-            <a:off x="381300" y="685800"/>
+            <a:off x="381000" y="685800"/>
             <a:ext cx="6096000" cy="3429000"/>
           </a:xfrm>
           <a:custGeom>
+            <a:avLst/>
+            <a:gdLst/>
+            <a:ahLst/>
+            <a:cxnLst/>
+            <a:rect l="0" t="0" r="0" b="0"/>
             <a:pathLst>
-              <a:path extrusionOk="0" h="120000" w="120000">
+              <a:path w="120000" h="120000" extrusionOk="0">
                 <a:moveTo>
                   <a:pt x="0" y="0"/>
                 </a:moveTo>
@@ -724,9 +884,11 @@
       <p:sp>
         <p:nvSpPr>
           <p:cNvPr id="81" name="Shape 81"/>
-          <p:cNvSpPr txBox="1"/>
+          <p:cNvSpPr txBox="1">
+            <a:spLocks noGrp="1"/>
+          </p:cNvSpPr>
           <p:nvPr>
-            <p:ph idx="1" type="body"/>
+            <p:ph type="body" idx="1"/>
           </p:nvPr>
         </p:nvSpPr>
         <p:spPr>
@@ -739,7 +901,7 @@
           </a:prstGeom>
         </p:spPr>
         <p:txBody>
-          <a:bodyPr anchorCtr="0" anchor="t" bIns="91425" lIns="91425" rIns="91425" tIns="91425">
+          <a:bodyPr lIns="91425" tIns="91425" rIns="91425" bIns="91425" anchor="t" anchorCtr="0">
             <a:noAutofit/>
           </a:bodyPr>
           <a:lstStyle/>
@@ -750,14 +912,16 @@
               </a:spcBef>
               <a:buNone/>
             </a:pPr>
-            <a:r>
-              <a:t/>
-            </a:r>
             <a:endParaRPr/>
           </a:p>
         </p:txBody>
       </p:sp>
     </p:spTree>
+    <p:extLst>
+      <p:ext uri="{BB962C8B-B14F-4D97-AF65-F5344CB8AC3E}">
+        <p14:creationId xmlns:p14="http://schemas.microsoft.com/office/powerpoint/2010/main" val="2147712497"/>
+      </p:ext>
+    </p:extLst>
   </p:cSld>
   <p:clrMapOvr>
     <a:masterClrMapping/>
@@ -766,11 +930,11 @@
 </file>
 
 <file path=ppt/notesSlides/notesSlide5.xml><?xml version="1.0" encoding="utf-8"?>
-<p:notes xmlns:a="http://schemas.openxmlformats.org/drawingml/2006/main" xmlns:r="http://schemas.openxmlformats.org/officeDocument/2006/relationships" xmlns:mc="http://schemas.openxmlformats.org/markup-compatibility/2006" xmlns:mv="urn:schemas-microsoft-com:mac:vml" xmlns:p="http://schemas.openxmlformats.org/presentationml/2006/main" xmlns:c="http://schemas.openxmlformats.org/drawingml/2006/chart" xmlns:dgm="http://schemas.openxmlformats.org/drawingml/2006/diagram" xmlns:o="urn:schemas-microsoft-com:office:office" xmlns:v="urn:schemas-microsoft-com:vml" xmlns:pvml="urn:schemas-microsoft-com:office:powerpoint" xmlns:com="http://schemas.openxmlformats.org/drawingml/2006/compatibility" xmlns:p14="http://schemas.microsoft.com/office/powerpoint/2010/main" showMasterPhAnim="0" showMasterSp="0">
+<p:notes xmlns:a="http://schemas.openxmlformats.org/drawingml/2006/main" xmlns:r="http://schemas.openxmlformats.org/officeDocument/2006/relationships" xmlns:p="http://schemas.openxmlformats.org/presentationml/2006/main" showMasterSp="0" showMasterPhAnim="0">
   <p:cSld>
     <p:spTree>
       <p:nvGrpSpPr>
-        <p:cNvPr id="85" name="Shape 85"/>
+        <p:cNvPr id="1" name="Shape 85"/>
         <p:cNvGrpSpPr/>
         <p:nvPr/>
       </p:nvGrpSpPr>
@@ -785,19 +949,26 @@
       <p:sp>
         <p:nvSpPr>
           <p:cNvPr id="86" name="Shape 86"/>
-          <p:cNvSpPr/>
+          <p:cNvSpPr>
+            <a:spLocks noGrp="1" noRot="1" noChangeAspect="1"/>
+          </p:cNvSpPr>
           <p:nvPr>
-            <p:ph idx="2" type="sldImg"/>
+            <p:ph type="sldImg" idx="2"/>
           </p:nvPr>
         </p:nvSpPr>
         <p:spPr>
           <a:xfrm>
-            <a:off x="381300" y="685800"/>
+            <a:off x="381000" y="685800"/>
             <a:ext cx="6096000" cy="3429000"/>
           </a:xfrm>
           <a:custGeom>
+            <a:avLst/>
+            <a:gdLst/>
+            <a:ahLst/>
+            <a:cxnLst/>
+            <a:rect l="0" t="0" r="0" b="0"/>
             <a:pathLst>
-              <a:path extrusionOk="0" h="120000" w="120000">
+              <a:path w="120000" h="120000" extrusionOk="0">
                 <a:moveTo>
                   <a:pt x="0" y="0"/>
                 </a:moveTo>
@@ -819,9 +990,11 @@
       <p:sp>
         <p:nvSpPr>
           <p:cNvPr id="87" name="Shape 87"/>
-          <p:cNvSpPr txBox="1"/>
+          <p:cNvSpPr txBox="1">
+            <a:spLocks noGrp="1"/>
+          </p:cNvSpPr>
           <p:nvPr>
-            <p:ph idx="1" type="body"/>
+            <p:ph type="body" idx="1"/>
           </p:nvPr>
         </p:nvSpPr>
         <p:spPr>
@@ -834,7 +1007,7 @@
           </a:prstGeom>
         </p:spPr>
         <p:txBody>
-          <a:bodyPr anchorCtr="0" anchor="t" bIns="91425" lIns="91425" rIns="91425" tIns="91425">
+          <a:bodyPr lIns="91425" tIns="91425" rIns="91425" bIns="91425" anchor="t" anchorCtr="0">
             <a:noAutofit/>
           </a:bodyPr>
           <a:lstStyle/>
@@ -845,14 +1018,16 @@
               </a:spcBef>
               <a:buNone/>
             </a:pPr>
-            <a:r>
-              <a:t/>
-            </a:r>
             <a:endParaRPr/>
           </a:p>
         </p:txBody>
       </p:sp>
     </p:spTree>
+    <p:extLst>
+      <p:ext uri="{BB962C8B-B14F-4D97-AF65-F5344CB8AC3E}">
+        <p14:creationId xmlns:p14="http://schemas.microsoft.com/office/powerpoint/2010/main" val="1622381673"/>
+      </p:ext>
+    </p:extLst>
   </p:cSld>
   <p:clrMapOvr>
     <a:masterClrMapping/>
@@ -861,11 +1036,11 @@
 </file>
 
 <file path=ppt/notesSlides/notesSlide6.xml><?xml version="1.0" encoding="utf-8"?>
-<p:notes xmlns:a="http://schemas.openxmlformats.org/drawingml/2006/main" xmlns:r="http://schemas.openxmlformats.org/officeDocument/2006/relationships" xmlns:mc="http://schemas.openxmlformats.org/markup-compatibility/2006" xmlns:mv="urn:schemas-microsoft-com:mac:vml" xmlns:p="http://schemas.openxmlformats.org/presentationml/2006/main" xmlns:c="http://schemas.openxmlformats.org/drawingml/2006/chart" xmlns:dgm="http://schemas.openxmlformats.org/drawingml/2006/diagram" xmlns:o="urn:schemas-microsoft-com:office:office" xmlns:v="urn:schemas-microsoft-com:vml" xmlns:pvml="urn:schemas-microsoft-com:office:powerpoint" xmlns:com="http://schemas.openxmlformats.org/drawingml/2006/compatibility" xmlns:p14="http://schemas.microsoft.com/office/powerpoint/2010/main" showMasterPhAnim="0" showMasterSp="0">
+<p:notes xmlns:a="http://schemas.openxmlformats.org/drawingml/2006/main" xmlns:r="http://schemas.openxmlformats.org/officeDocument/2006/relationships" xmlns:p="http://schemas.openxmlformats.org/presentationml/2006/main" showMasterSp="0" showMasterPhAnim="0">
   <p:cSld>
     <p:spTree>
       <p:nvGrpSpPr>
-        <p:cNvPr id="91" name="Shape 91"/>
+        <p:cNvPr id="1" name="Shape 91"/>
         <p:cNvGrpSpPr/>
         <p:nvPr/>
       </p:nvGrpSpPr>
@@ -880,19 +1055,26 @@
       <p:sp>
         <p:nvSpPr>
           <p:cNvPr id="92" name="Shape 92"/>
-          <p:cNvSpPr/>
+          <p:cNvSpPr>
+            <a:spLocks noGrp="1" noRot="1" noChangeAspect="1"/>
+          </p:cNvSpPr>
           <p:nvPr>
-            <p:ph idx="2" type="sldImg"/>
+            <p:ph type="sldImg" idx="2"/>
           </p:nvPr>
         </p:nvSpPr>
         <p:spPr>
           <a:xfrm>
-            <a:off x="381300" y="685800"/>
+            <a:off x="381000" y="685800"/>
             <a:ext cx="6096000" cy="3429000"/>
           </a:xfrm>
           <a:custGeom>
+            <a:avLst/>
+            <a:gdLst/>
+            <a:ahLst/>
+            <a:cxnLst/>
+            <a:rect l="0" t="0" r="0" b="0"/>
             <a:pathLst>
-              <a:path extrusionOk="0" h="120000" w="120000">
+              <a:path w="120000" h="120000" extrusionOk="0">
                 <a:moveTo>
                   <a:pt x="0" y="0"/>
                 </a:moveTo>
@@ -914,9 +1096,11 @@
       <p:sp>
         <p:nvSpPr>
           <p:cNvPr id="93" name="Shape 93"/>
-          <p:cNvSpPr txBox="1"/>
+          <p:cNvSpPr txBox="1">
+            <a:spLocks noGrp="1"/>
+          </p:cNvSpPr>
           <p:nvPr>
-            <p:ph idx="1" type="body"/>
+            <p:ph type="body" idx="1"/>
           </p:nvPr>
         </p:nvSpPr>
         <p:spPr>
@@ -929,7 +1113,7 @@
           </a:prstGeom>
         </p:spPr>
         <p:txBody>
-          <a:bodyPr anchorCtr="0" anchor="t" bIns="91425" lIns="91425" rIns="91425" tIns="91425">
+          <a:bodyPr lIns="91425" tIns="91425" rIns="91425" bIns="91425" anchor="t" anchorCtr="0">
             <a:noAutofit/>
           </a:bodyPr>
           <a:lstStyle/>
@@ -940,14 +1124,16 @@
               </a:spcBef>
               <a:buNone/>
             </a:pPr>
-            <a:r>
-              <a:t/>
-            </a:r>
             <a:endParaRPr/>
           </a:p>
         </p:txBody>
       </p:sp>
     </p:spTree>
+    <p:extLst>
+      <p:ext uri="{BB962C8B-B14F-4D97-AF65-F5344CB8AC3E}">
+        <p14:creationId xmlns:p14="http://schemas.microsoft.com/office/powerpoint/2010/main" val="2697830545"/>
+      </p:ext>
+    </p:extLst>
   </p:cSld>
   <p:clrMapOvr>
     <a:masterClrMapping/>
@@ -956,11 +1142,11 @@
 </file>
 
 <file path=ppt/notesSlides/notesSlide7.xml><?xml version="1.0" encoding="utf-8"?>
-<p:notes xmlns:a="http://schemas.openxmlformats.org/drawingml/2006/main" xmlns:r="http://schemas.openxmlformats.org/officeDocument/2006/relationships" xmlns:mc="http://schemas.openxmlformats.org/markup-compatibility/2006" xmlns:mv="urn:schemas-microsoft-com:mac:vml" xmlns:p="http://schemas.openxmlformats.org/presentationml/2006/main" xmlns:c="http://schemas.openxmlformats.org/drawingml/2006/chart" xmlns:dgm="http://schemas.openxmlformats.org/drawingml/2006/diagram" xmlns:o="urn:schemas-microsoft-com:office:office" xmlns:v="urn:schemas-microsoft-com:vml" xmlns:pvml="urn:schemas-microsoft-com:office:powerpoint" xmlns:com="http://schemas.openxmlformats.org/drawingml/2006/compatibility" xmlns:p14="http://schemas.microsoft.com/office/powerpoint/2010/main" showMasterPhAnim="0" showMasterSp="0">
+<p:notes xmlns:a="http://schemas.openxmlformats.org/drawingml/2006/main" xmlns:r="http://schemas.openxmlformats.org/officeDocument/2006/relationships" xmlns:p="http://schemas.openxmlformats.org/presentationml/2006/main" showMasterSp="0" showMasterPhAnim="0">
   <p:cSld>
     <p:spTree>
       <p:nvGrpSpPr>
-        <p:cNvPr id="101" name="Shape 101"/>
+        <p:cNvPr id="1" name="Shape 101"/>
         <p:cNvGrpSpPr/>
         <p:nvPr/>
       </p:nvGrpSpPr>
@@ -975,19 +1161,26 @@
       <p:sp>
         <p:nvSpPr>
           <p:cNvPr id="102" name="Shape 102"/>
-          <p:cNvSpPr/>
+          <p:cNvSpPr>
+            <a:spLocks noGrp="1" noRot="1" noChangeAspect="1"/>
+          </p:cNvSpPr>
           <p:nvPr>
-            <p:ph idx="2" type="sldImg"/>
+            <p:ph type="sldImg" idx="2"/>
           </p:nvPr>
         </p:nvSpPr>
         <p:spPr>
           <a:xfrm>
-            <a:off x="381300" y="685800"/>
+            <a:off x="381000" y="685800"/>
             <a:ext cx="6096000" cy="3429000"/>
           </a:xfrm>
           <a:custGeom>
+            <a:avLst/>
+            <a:gdLst/>
+            <a:ahLst/>
+            <a:cxnLst/>
+            <a:rect l="0" t="0" r="0" b="0"/>
             <a:pathLst>
-              <a:path extrusionOk="0" h="120000" w="120000">
+              <a:path w="120000" h="120000" extrusionOk="0">
                 <a:moveTo>
                   <a:pt x="0" y="0"/>
                 </a:moveTo>
@@ -1009,9 +1202,11 @@
       <p:sp>
         <p:nvSpPr>
           <p:cNvPr id="103" name="Shape 103"/>
-          <p:cNvSpPr txBox="1"/>
+          <p:cNvSpPr txBox="1">
+            <a:spLocks noGrp="1"/>
+          </p:cNvSpPr>
           <p:nvPr>
-            <p:ph idx="1" type="body"/>
+            <p:ph type="body" idx="1"/>
           </p:nvPr>
         </p:nvSpPr>
         <p:spPr>
@@ -1024,7 +1219,7 @@
           </a:prstGeom>
         </p:spPr>
         <p:txBody>
-          <a:bodyPr anchorCtr="0" anchor="t" bIns="91425" lIns="91425" rIns="91425" tIns="91425">
+          <a:bodyPr lIns="91425" tIns="91425" rIns="91425" bIns="91425" anchor="t" anchorCtr="0">
             <a:noAutofit/>
           </a:bodyPr>
           <a:lstStyle/>
@@ -1035,14 +1230,16 @@
               </a:spcBef>
               <a:buNone/>
             </a:pPr>
-            <a:r>
-              <a:t/>
-            </a:r>
             <a:endParaRPr/>
           </a:p>
         </p:txBody>
       </p:sp>
     </p:spTree>
+    <p:extLst>
+      <p:ext uri="{BB962C8B-B14F-4D97-AF65-F5344CB8AC3E}">
+        <p14:creationId xmlns:p14="http://schemas.microsoft.com/office/powerpoint/2010/main" val="661408158"/>
+      </p:ext>
+    </p:extLst>
   </p:cSld>
   <p:clrMapOvr>
     <a:masterClrMapping/>
@@ -1051,11 +1248,11 @@
 </file>
 
 <file path=ppt/notesSlides/notesSlide8.xml><?xml version="1.0" encoding="utf-8"?>
-<p:notes xmlns:a="http://schemas.openxmlformats.org/drawingml/2006/main" xmlns:r="http://schemas.openxmlformats.org/officeDocument/2006/relationships" xmlns:mc="http://schemas.openxmlformats.org/markup-compatibility/2006" xmlns:mv="urn:schemas-microsoft-com:mac:vml" xmlns:p="http://schemas.openxmlformats.org/presentationml/2006/main" xmlns:c="http://schemas.openxmlformats.org/drawingml/2006/chart" xmlns:dgm="http://schemas.openxmlformats.org/drawingml/2006/diagram" xmlns:o="urn:schemas-microsoft-com:office:office" xmlns:v="urn:schemas-microsoft-com:vml" xmlns:pvml="urn:schemas-microsoft-com:office:powerpoint" xmlns:com="http://schemas.openxmlformats.org/drawingml/2006/compatibility" xmlns:p14="http://schemas.microsoft.com/office/powerpoint/2010/main" showMasterPhAnim="0" showMasterSp="0">
+<p:notes xmlns:a="http://schemas.openxmlformats.org/drawingml/2006/main" xmlns:r="http://schemas.openxmlformats.org/officeDocument/2006/relationships" xmlns:p="http://schemas.openxmlformats.org/presentationml/2006/main" showMasterSp="0" showMasterPhAnim="0">
   <p:cSld>
     <p:spTree>
       <p:nvGrpSpPr>
-        <p:cNvPr id="109" name="Shape 109"/>
+        <p:cNvPr id="1" name="Shape 109"/>
         <p:cNvGrpSpPr/>
         <p:nvPr/>
       </p:nvGrpSpPr>
@@ -1070,19 +1267,26 @@
       <p:sp>
         <p:nvSpPr>
           <p:cNvPr id="110" name="Shape 110"/>
-          <p:cNvSpPr/>
+          <p:cNvSpPr>
+            <a:spLocks noGrp="1" noRot="1" noChangeAspect="1"/>
+          </p:cNvSpPr>
           <p:nvPr>
-            <p:ph idx="2" type="sldImg"/>
+            <p:ph type="sldImg" idx="2"/>
           </p:nvPr>
         </p:nvSpPr>
         <p:spPr>
           <a:xfrm>
-            <a:off x="381300" y="685800"/>
+            <a:off x="381000" y="685800"/>
             <a:ext cx="6096000" cy="3429000"/>
           </a:xfrm>
           <a:custGeom>
+            <a:avLst/>
+            <a:gdLst/>
+            <a:ahLst/>
+            <a:cxnLst/>
+            <a:rect l="0" t="0" r="0" b="0"/>
             <a:pathLst>
-              <a:path extrusionOk="0" h="120000" w="120000">
+              <a:path w="120000" h="120000" extrusionOk="0">
                 <a:moveTo>
                   <a:pt x="0" y="0"/>
                 </a:moveTo>
@@ -1104,9 +1308,11 @@
       <p:sp>
         <p:nvSpPr>
           <p:cNvPr id="111" name="Shape 111"/>
-          <p:cNvSpPr txBox="1"/>
+          <p:cNvSpPr txBox="1">
+            <a:spLocks noGrp="1"/>
+          </p:cNvSpPr>
           <p:nvPr>
-            <p:ph idx="1" type="body"/>
+            <p:ph type="body" idx="1"/>
           </p:nvPr>
         </p:nvSpPr>
         <p:spPr>
@@ -1119,7 +1325,7 @@
           </a:prstGeom>
         </p:spPr>
         <p:txBody>
-          <a:bodyPr anchorCtr="0" anchor="t" bIns="91425" lIns="91425" rIns="91425" tIns="91425">
+          <a:bodyPr lIns="91425" tIns="91425" rIns="91425" bIns="91425" anchor="t" anchorCtr="0">
             <a:noAutofit/>
           </a:bodyPr>
           <a:lstStyle/>
@@ -1130,14 +1336,16 @@
               </a:spcBef>
               <a:buNone/>
             </a:pPr>
-            <a:r>
-              <a:t/>
-            </a:r>
             <a:endParaRPr/>
           </a:p>
         </p:txBody>
       </p:sp>
     </p:spTree>
+    <p:extLst>
+      <p:ext uri="{BB962C8B-B14F-4D97-AF65-F5344CB8AC3E}">
+        <p14:creationId xmlns:p14="http://schemas.microsoft.com/office/powerpoint/2010/main" val="4264856263"/>
+      </p:ext>
+    </p:extLst>
   </p:cSld>
   <p:clrMapOvr>
     <a:masterClrMapping/>
@@ -1146,11 +1354,11 @@
 </file>
 
 <file path=ppt/slideLayouts/slideLayout1.xml><?xml version="1.0" encoding="utf-8"?>
-<p:sldLayout xmlns:a="http://schemas.openxmlformats.org/drawingml/2006/main" xmlns:r="http://schemas.openxmlformats.org/officeDocument/2006/relationships" xmlns:mc="http://schemas.openxmlformats.org/markup-compatibility/2006" xmlns:mv="urn:schemas-microsoft-com:mac:vml" xmlns:p="http://schemas.openxmlformats.org/presentationml/2006/main" xmlns:c="http://schemas.openxmlformats.org/drawingml/2006/chart" xmlns:dgm="http://schemas.openxmlformats.org/drawingml/2006/diagram" xmlns:o="urn:schemas-microsoft-com:office:office" xmlns:v="urn:schemas-microsoft-com:vml" xmlns:pvml="urn:schemas-microsoft-com:office:powerpoint" xmlns:com="http://schemas.openxmlformats.org/drawingml/2006/compatibility" xmlns:p14="http://schemas.microsoft.com/office/powerpoint/2010/main" type="title">
+<p:sldLayout xmlns:a="http://schemas.openxmlformats.org/drawingml/2006/main" xmlns:r="http://schemas.openxmlformats.org/officeDocument/2006/relationships" xmlns:p="http://schemas.openxmlformats.org/presentationml/2006/main" type="title">
   <p:cSld name="Title slide">
     <p:spTree>
       <p:nvGrpSpPr>
-        <p:cNvPr id="9" name="Shape 9"/>
+        <p:cNvPr id="1" name="Shape 9"/>
         <p:cNvGrpSpPr/>
         <p:nvPr/>
       </p:nvGrpSpPr>
@@ -1175,7 +1383,7 @@
           </a:xfrm>
           <a:prstGeom prst="triangle">
             <a:avLst>
-              <a:gd fmla="val 50000" name="adj"/>
+              <a:gd name="adj" fmla="val 50000"/>
             </a:avLst>
           </a:prstGeom>
           <a:solidFill>
@@ -1186,7 +1394,7 @@
           </a:ln>
         </p:spPr>
         <p:txBody>
-          <a:bodyPr anchorCtr="0" anchor="ctr" bIns="91425" lIns="91425" rIns="91425" tIns="91425">
+          <a:bodyPr lIns="91425" tIns="91425" rIns="91425" bIns="91425" anchor="ctr" anchorCtr="0">
             <a:noAutofit/>
           </a:bodyPr>
           <a:lstStyle/>
@@ -1197,9 +1405,6 @@
               </a:spcBef>
               <a:buNone/>
             </a:pPr>
-            <a:r>
-              <a:t/>
-            </a:r>
             <a:endParaRPr/>
           </a:p>
         </p:txBody>
@@ -1219,14 +1424,14 @@
             <a:avLst/>
           </a:prstGeom>
           <a:solidFill>
-            <a:schemeClr val="dk1"/>
+            <a:srgbClr val="00B050"/>
           </a:solidFill>
           <a:ln>
             <a:noFill/>
           </a:ln>
         </p:spPr>
         <p:txBody>
-          <a:bodyPr anchorCtr="0" anchor="ctr" bIns="91425" lIns="91425" rIns="91425" tIns="91425">
+          <a:bodyPr lIns="91425" tIns="91425" rIns="91425" bIns="91425" anchor="ctr" anchorCtr="0">
             <a:noAutofit/>
           </a:bodyPr>
           <a:lstStyle/>
@@ -1237,9 +1442,6 @@
               </a:spcBef>
               <a:buNone/>
             </a:pPr>
-            <a:r>
-              <a:t/>
-            </a:r>
             <a:endParaRPr/>
           </a:p>
         </p:txBody>
@@ -1247,7 +1449,9 @@
       <p:sp>
         <p:nvSpPr>
           <p:cNvPr id="12" name="Shape 12"/>
-          <p:cNvSpPr txBox="1"/>
+          <p:cNvSpPr txBox="1">
+            <a:spLocks noGrp="1"/>
+          </p:cNvSpPr>
           <p:nvPr>
             <p:ph type="ctrTitle"/>
           </p:nvPr>
@@ -1262,9 +1466,9 @@
           </a:prstGeom>
         </p:spPr>
         <p:txBody>
-          <a:bodyPr anchorCtr="0" anchor="b" bIns="91425" lIns="91425" rIns="91425" tIns="91425"/>
+          <a:bodyPr lIns="91425" tIns="91425" rIns="91425" bIns="91425" anchor="b" anchorCtr="0"/>
           <a:lstStyle>
-            <a:lvl1pPr lvl="0" rtl="0" algn="ctr">
+            <a:lvl1pPr lvl="0" algn="ctr" rtl="0">
               <a:spcBef>
                 <a:spcPts val="0"/>
               </a:spcBef>
@@ -1278,7 +1482,7 @@
                 </a:solidFill>
               </a:defRPr>
             </a:lvl1pPr>
-            <a:lvl2pPr lvl="1" rtl="0" algn="ctr">
+            <a:lvl2pPr lvl="1" algn="ctr" rtl="0">
               <a:spcBef>
                 <a:spcPts val="0"/>
               </a:spcBef>
@@ -1292,7 +1496,7 @@
                 </a:solidFill>
               </a:defRPr>
             </a:lvl2pPr>
-            <a:lvl3pPr lvl="2" rtl="0" algn="ctr">
+            <a:lvl3pPr lvl="2" algn="ctr" rtl="0">
               <a:spcBef>
                 <a:spcPts val="0"/>
               </a:spcBef>
@@ -1306,7 +1510,7 @@
                 </a:solidFill>
               </a:defRPr>
             </a:lvl3pPr>
-            <a:lvl4pPr lvl="3" rtl="0" algn="ctr">
+            <a:lvl4pPr lvl="3" algn="ctr" rtl="0">
               <a:spcBef>
                 <a:spcPts val="0"/>
               </a:spcBef>
@@ -1320,7 +1524,7 @@
                 </a:solidFill>
               </a:defRPr>
             </a:lvl4pPr>
-            <a:lvl5pPr lvl="4" rtl="0" algn="ctr">
+            <a:lvl5pPr lvl="4" algn="ctr" rtl="0">
               <a:spcBef>
                 <a:spcPts val="0"/>
               </a:spcBef>
@@ -1334,7 +1538,7 @@
                 </a:solidFill>
               </a:defRPr>
             </a:lvl5pPr>
-            <a:lvl6pPr lvl="5" rtl="0" algn="ctr">
+            <a:lvl6pPr lvl="5" algn="ctr" rtl="0">
               <a:spcBef>
                 <a:spcPts val="0"/>
               </a:spcBef>
@@ -1348,7 +1552,7 @@
                 </a:solidFill>
               </a:defRPr>
             </a:lvl6pPr>
-            <a:lvl7pPr lvl="6" rtl="0" algn="ctr">
+            <a:lvl7pPr lvl="6" algn="ctr" rtl="0">
               <a:spcBef>
                 <a:spcPts val="0"/>
               </a:spcBef>
@@ -1362,7 +1566,7 @@
                 </a:solidFill>
               </a:defRPr>
             </a:lvl7pPr>
-            <a:lvl8pPr lvl="7" rtl="0" algn="ctr">
+            <a:lvl8pPr lvl="7" algn="ctr" rtl="0">
               <a:spcBef>
                 <a:spcPts val="0"/>
               </a:spcBef>
@@ -1376,7 +1580,7 @@
                 </a:solidFill>
               </a:defRPr>
             </a:lvl8pPr>
-            <a:lvl9pPr lvl="8" rtl="0" algn="ctr">
+            <a:lvl9pPr lvl="8" algn="ctr" rtl="0">
               <a:spcBef>
                 <a:spcPts val="0"/>
               </a:spcBef>
@@ -1391,15 +1595,19 @@
               </a:defRPr>
             </a:lvl9pPr>
           </a:lstStyle>
-          <a:p/>
+          <a:p>
+            <a:endParaRPr/>
+          </a:p>
         </p:txBody>
       </p:sp>
       <p:sp>
         <p:nvSpPr>
           <p:cNvPr id="13" name="Shape 13"/>
-          <p:cNvSpPr txBox="1"/>
+          <p:cNvSpPr txBox="1">
+            <a:spLocks noGrp="1"/>
+          </p:cNvSpPr>
           <p:nvPr>
-            <p:ph idx="1" type="subTitle"/>
+            <p:ph type="subTitle" idx="1"/>
           </p:nvPr>
         </p:nvSpPr>
         <p:spPr>
@@ -1412,9 +1620,9 @@
           </a:prstGeom>
         </p:spPr>
         <p:txBody>
-          <a:bodyPr anchorCtr="0" anchor="ctr" bIns="91425" lIns="91425" rIns="91425" tIns="91425"/>
+          <a:bodyPr lIns="91425" tIns="91425" rIns="91425" bIns="91425" anchor="ctr" anchorCtr="0"/>
           <a:lstStyle>
-            <a:lvl1pPr lvl="0" rtl="0" algn="ctr">
+            <a:lvl1pPr lvl="0" algn="ctr" rtl="0">
               <a:lnSpc>
                 <a:spcPct val="100000"/>
               </a:lnSpc>
@@ -1434,7 +1642,7 @@
                 <a:sym typeface="Oswald"/>
               </a:defRPr>
             </a:lvl1pPr>
-            <a:lvl2pPr lvl="1" rtl="0" algn="ctr">
+            <a:lvl2pPr lvl="1" algn="ctr" rtl="0">
               <a:lnSpc>
                 <a:spcPct val="100000"/>
               </a:lnSpc>
@@ -1454,7 +1662,7 @@
                 <a:sym typeface="Oswald"/>
               </a:defRPr>
             </a:lvl2pPr>
-            <a:lvl3pPr lvl="2" rtl="0" algn="ctr">
+            <a:lvl3pPr lvl="2" algn="ctr" rtl="0">
               <a:lnSpc>
                 <a:spcPct val="100000"/>
               </a:lnSpc>
@@ -1474,7 +1682,7 @@
                 <a:sym typeface="Oswald"/>
               </a:defRPr>
             </a:lvl3pPr>
-            <a:lvl4pPr lvl="3" rtl="0" algn="ctr">
+            <a:lvl4pPr lvl="3" algn="ctr" rtl="0">
               <a:lnSpc>
                 <a:spcPct val="100000"/>
               </a:lnSpc>
@@ -1494,7 +1702,7 @@
                 <a:sym typeface="Oswald"/>
               </a:defRPr>
             </a:lvl4pPr>
-            <a:lvl5pPr lvl="4" rtl="0" algn="ctr">
+            <a:lvl5pPr lvl="4" algn="ctr" rtl="0">
               <a:lnSpc>
                 <a:spcPct val="100000"/>
               </a:lnSpc>
@@ -1514,7 +1722,7 @@
                 <a:sym typeface="Oswald"/>
               </a:defRPr>
             </a:lvl5pPr>
-            <a:lvl6pPr lvl="5" rtl="0" algn="ctr">
+            <a:lvl6pPr lvl="5" algn="ctr" rtl="0">
               <a:lnSpc>
                 <a:spcPct val="100000"/>
               </a:lnSpc>
@@ -1534,7 +1742,7 @@
                 <a:sym typeface="Oswald"/>
               </a:defRPr>
             </a:lvl6pPr>
-            <a:lvl7pPr lvl="6" rtl="0" algn="ctr">
+            <a:lvl7pPr lvl="6" algn="ctr" rtl="0">
               <a:lnSpc>
                 <a:spcPct val="100000"/>
               </a:lnSpc>
@@ -1554,7 +1762,7 @@
                 <a:sym typeface="Oswald"/>
               </a:defRPr>
             </a:lvl7pPr>
-            <a:lvl8pPr lvl="7" rtl="0" algn="ctr">
+            <a:lvl8pPr lvl="7" algn="ctr" rtl="0">
               <a:lnSpc>
                 <a:spcPct val="100000"/>
               </a:lnSpc>
@@ -1574,7 +1782,7 @@
                 <a:sym typeface="Oswald"/>
               </a:defRPr>
             </a:lvl8pPr>
-            <a:lvl9pPr lvl="8" rtl="0" algn="ctr">
+            <a:lvl9pPr lvl="8" algn="ctr" rtl="0">
               <a:lnSpc>
                 <a:spcPct val="100000"/>
               </a:lnSpc>
@@ -1595,15 +1803,19 @@
               </a:defRPr>
             </a:lvl9pPr>
           </a:lstStyle>
-          <a:p/>
+          <a:p>
+            <a:endParaRPr dirty="0"/>
+          </a:p>
         </p:txBody>
       </p:sp>
       <p:sp>
         <p:nvSpPr>
           <p:cNvPr id="14" name="Shape 14"/>
-          <p:cNvSpPr txBox="1"/>
+          <p:cNvSpPr txBox="1">
+            <a:spLocks noGrp="1"/>
+          </p:cNvSpPr>
           <p:nvPr>
-            <p:ph idx="12" type="sldNum"/>
+            <p:ph type="sldNum" idx="12"/>
           </p:nvPr>
         </p:nvSpPr>
         <p:spPr>
@@ -1616,7 +1828,7 @@
           </a:prstGeom>
         </p:spPr>
         <p:txBody>
-          <a:bodyPr anchorCtr="0" anchor="ctr" bIns="91425" lIns="91425" rIns="91425" tIns="91425">
+          <a:bodyPr lIns="91425" tIns="91425" rIns="91425" bIns="91425" anchor="ctr" anchorCtr="0">
             <a:noAutofit/>
           </a:bodyPr>
           <a:lstStyle/>
@@ -1631,6 +1843,7 @@
               <a:rPr lang="bg"/>
               <a:t>‹#›</a:t>
             </a:fld>
+            <a:endParaRPr lang="bg"/>
           </a:p>
         </p:txBody>
       </p:sp>
@@ -1643,11 +1856,11 @@
 </file>
 
 <file path=ppt/slideLayouts/slideLayout10.xml><?xml version="1.0" encoding="utf-8"?>
-<p:sldLayout xmlns:a="http://schemas.openxmlformats.org/drawingml/2006/main" xmlns:r="http://schemas.openxmlformats.org/officeDocument/2006/relationships" xmlns:mc="http://schemas.openxmlformats.org/markup-compatibility/2006" xmlns:mv="urn:schemas-microsoft-com:mac:vml" xmlns:p="http://schemas.openxmlformats.org/presentationml/2006/main" xmlns:c="http://schemas.openxmlformats.org/drawingml/2006/chart" xmlns:dgm="http://schemas.openxmlformats.org/drawingml/2006/diagram" xmlns:o="urn:schemas-microsoft-com:office:office" xmlns:v="urn:schemas-microsoft-com:vml" xmlns:pvml="urn:schemas-microsoft-com:office:powerpoint" xmlns:com="http://schemas.openxmlformats.org/drawingml/2006/compatibility" xmlns:p14="http://schemas.microsoft.com/office/powerpoint/2010/main">
+<p:sldLayout xmlns:a="http://schemas.openxmlformats.org/drawingml/2006/main" xmlns:r="http://schemas.openxmlformats.org/officeDocument/2006/relationships" xmlns:p="http://schemas.openxmlformats.org/presentationml/2006/main">
   <p:cSld name="Big number">
     <p:spTree>
       <p:nvGrpSpPr>
-        <p:cNvPr id="51" name="Shape 51"/>
+        <p:cNvPr id="1" name="Shape 51"/>
         <p:cNvGrpSpPr/>
         <p:nvPr/>
       </p:nvGrpSpPr>
@@ -1674,21 +1887,23 @@
             <a:avLst/>
           </a:prstGeom>
           <a:noFill/>
-          <a:ln cap="flat" cmpd="sng" w="28575">
+          <a:ln w="28575" cap="flat" cmpd="sng">
             <a:solidFill>
               <a:schemeClr val="dk1"/>
             </a:solidFill>
             <a:prstDash val="lgDash"/>
             <a:round/>
-            <a:headEnd len="med" w="med" type="none"/>
-            <a:tailEnd len="med" w="med" type="none"/>
+            <a:headEnd type="none" w="med" len="med"/>
+            <a:tailEnd type="none" w="med" len="med"/>
           </a:ln>
         </p:spPr>
       </p:cxnSp>
       <p:sp>
         <p:nvSpPr>
           <p:cNvPr id="53" name="Shape 53"/>
-          <p:cNvSpPr txBox="1"/>
+          <p:cNvSpPr txBox="1">
+            <a:spLocks noGrp="1"/>
+          </p:cNvSpPr>
           <p:nvPr>
             <p:ph type="title"/>
           </p:nvPr>
@@ -1703,7 +1918,7 @@
           </a:prstGeom>
         </p:spPr>
         <p:txBody>
-          <a:bodyPr anchorCtr="0" anchor="b" bIns="91425" lIns="91425" rIns="91425" tIns="91425"/>
+          <a:bodyPr lIns="91425" tIns="91425" rIns="91425" bIns="91425" anchor="b" anchorCtr="0"/>
           <a:lstStyle>
             <a:lvl1pPr lvl="0" rtl="0">
               <a:spcBef>
@@ -1769,15 +1984,19 @@
               <a:defRPr sz="12000"/>
             </a:lvl9pPr>
           </a:lstStyle>
-          <a:p/>
+          <a:p>
+            <a:endParaRPr/>
+          </a:p>
         </p:txBody>
       </p:sp>
       <p:sp>
         <p:nvSpPr>
           <p:cNvPr id="54" name="Shape 54"/>
-          <p:cNvSpPr txBox="1"/>
+          <p:cNvSpPr txBox="1">
+            <a:spLocks noGrp="1"/>
+          </p:cNvSpPr>
           <p:nvPr>
-            <p:ph idx="1" type="body"/>
+            <p:ph type="body" idx="1"/>
           </p:nvPr>
         </p:nvSpPr>
         <p:spPr>
@@ -1790,7 +2009,7 @@
           </a:prstGeom>
         </p:spPr>
         <p:txBody>
-          <a:bodyPr anchorCtr="0" anchor="t" bIns="91425" lIns="91425" rIns="91425" tIns="91425"/>
+          <a:bodyPr lIns="91425" tIns="91425" rIns="91425" bIns="91425" anchor="t" anchorCtr="0"/>
           <a:lstStyle>
             <a:lvl1pPr lvl="0" rtl="0">
               <a:spcBef>
@@ -1847,15 +2066,19 @@
               <a:defRPr/>
             </a:lvl9pPr>
           </a:lstStyle>
-          <a:p/>
+          <a:p>
+            <a:endParaRPr/>
+          </a:p>
         </p:txBody>
       </p:sp>
       <p:sp>
         <p:nvSpPr>
           <p:cNvPr id="55" name="Shape 55"/>
-          <p:cNvSpPr txBox="1"/>
+          <p:cNvSpPr txBox="1">
+            <a:spLocks noGrp="1"/>
+          </p:cNvSpPr>
           <p:nvPr>
-            <p:ph idx="12" type="sldNum"/>
+            <p:ph type="sldNum" idx="12"/>
           </p:nvPr>
         </p:nvSpPr>
         <p:spPr>
@@ -1868,7 +2091,7 @@
           </a:prstGeom>
         </p:spPr>
         <p:txBody>
-          <a:bodyPr anchorCtr="0" anchor="ctr" bIns="91425" lIns="91425" rIns="91425" tIns="91425">
+          <a:bodyPr lIns="91425" tIns="91425" rIns="91425" bIns="91425" anchor="ctr" anchorCtr="0">
             <a:noAutofit/>
           </a:bodyPr>
           <a:lstStyle/>
@@ -1883,6 +2106,7 @@
               <a:rPr lang="bg"/>
               <a:t>‹#›</a:t>
             </a:fld>
+            <a:endParaRPr lang="bg"/>
           </a:p>
         </p:txBody>
       </p:sp>
@@ -1895,11 +2119,11 @@
 </file>
 
 <file path=ppt/slideLayouts/slideLayout11.xml><?xml version="1.0" encoding="utf-8"?>
-<p:sldLayout xmlns:a="http://schemas.openxmlformats.org/drawingml/2006/main" xmlns:r="http://schemas.openxmlformats.org/officeDocument/2006/relationships" xmlns:mc="http://schemas.openxmlformats.org/markup-compatibility/2006" xmlns:mv="urn:schemas-microsoft-com:mac:vml" xmlns:p="http://schemas.openxmlformats.org/presentationml/2006/main" xmlns:c="http://schemas.openxmlformats.org/drawingml/2006/chart" xmlns:dgm="http://schemas.openxmlformats.org/drawingml/2006/diagram" xmlns:o="urn:schemas-microsoft-com:office:office" xmlns:v="urn:schemas-microsoft-com:vml" xmlns:pvml="urn:schemas-microsoft-com:office:powerpoint" xmlns:com="http://schemas.openxmlformats.org/drawingml/2006/compatibility" xmlns:p14="http://schemas.microsoft.com/office/powerpoint/2010/main" type="blank">
+<p:sldLayout xmlns:a="http://schemas.openxmlformats.org/drawingml/2006/main" xmlns:r="http://schemas.openxmlformats.org/officeDocument/2006/relationships" xmlns:p="http://schemas.openxmlformats.org/presentationml/2006/main" type="blank">
   <p:cSld name="Blank">
     <p:spTree>
       <p:nvGrpSpPr>
-        <p:cNvPr id="56" name="Shape 56"/>
+        <p:cNvPr id="1" name="Shape 56"/>
         <p:cNvGrpSpPr/>
         <p:nvPr/>
       </p:nvGrpSpPr>
@@ -1914,9 +2138,11 @@
       <p:sp>
         <p:nvSpPr>
           <p:cNvPr id="57" name="Shape 57"/>
-          <p:cNvSpPr txBox="1"/>
+          <p:cNvSpPr txBox="1">
+            <a:spLocks noGrp="1"/>
+          </p:cNvSpPr>
           <p:nvPr>
-            <p:ph idx="12" type="sldNum"/>
+            <p:ph type="sldNum" idx="12"/>
           </p:nvPr>
         </p:nvSpPr>
         <p:spPr>
@@ -1929,7 +2155,7 @@
           </a:prstGeom>
         </p:spPr>
         <p:txBody>
-          <a:bodyPr anchorCtr="0" anchor="ctr" bIns="91425" lIns="91425" rIns="91425" tIns="91425">
+          <a:bodyPr lIns="91425" tIns="91425" rIns="91425" bIns="91425" anchor="ctr" anchorCtr="0">
             <a:noAutofit/>
           </a:bodyPr>
           <a:lstStyle/>
@@ -1944,6 +2170,7 @@
               <a:rPr lang="bg"/>
               <a:t>‹#›</a:t>
             </a:fld>
+            <a:endParaRPr lang="bg"/>
           </a:p>
         </p:txBody>
       </p:sp>
@@ -1956,11 +2183,11 @@
 </file>
 
 <file path=ppt/slideLayouts/slideLayout2.xml><?xml version="1.0" encoding="utf-8"?>
-<p:sldLayout xmlns:a="http://schemas.openxmlformats.org/drawingml/2006/main" xmlns:r="http://schemas.openxmlformats.org/officeDocument/2006/relationships" xmlns:mc="http://schemas.openxmlformats.org/markup-compatibility/2006" xmlns:mv="urn:schemas-microsoft-com:mac:vml" xmlns:p="http://schemas.openxmlformats.org/presentationml/2006/main" xmlns:c="http://schemas.openxmlformats.org/drawingml/2006/chart" xmlns:dgm="http://schemas.openxmlformats.org/drawingml/2006/diagram" xmlns:o="urn:schemas-microsoft-com:office:office" xmlns:v="urn:schemas-microsoft-com:vml" xmlns:pvml="urn:schemas-microsoft-com:office:powerpoint" xmlns:com="http://schemas.openxmlformats.org/drawingml/2006/compatibility" xmlns:p14="http://schemas.microsoft.com/office/powerpoint/2010/main" type="secHead">
+<p:sldLayout xmlns:a="http://schemas.openxmlformats.org/drawingml/2006/main" xmlns:r="http://schemas.openxmlformats.org/officeDocument/2006/relationships" xmlns:p="http://schemas.openxmlformats.org/presentationml/2006/main" type="secHead">
   <p:cSld name="Section header">
     <p:spTree>
       <p:nvGrpSpPr>
-        <p:cNvPr id="15" name="Shape 15"/>
+        <p:cNvPr id="1" name="Shape 15"/>
         <p:cNvGrpSpPr/>
         <p:nvPr/>
       </p:nvGrpSpPr>
@@ -1987,14 +2214,14 @@
             <a:avLst/>
           </a:prstGeom>
           <a:solidFill>
-            <a:schemeClr val="dk1"/>
+            <a:srgbClr val="00B050"/>
           </a:solidFill>
           <a:ln>
             <a:noFill/>
           </a:ln>
         </p:spPr>
         <p:txBody>
-          <a:bodyPr anchorCtr="0" anchor="ctr" bIns="91425" lIns="91425" rIns="91425" tIns="91425">
+          <a:bodyPr lIns="91425" tIns="91425" rIns="91425" bIns="91425" anchor="ctr" anchorCtr="0">
             <a:noAutofit/>
           </a:bodyPr>
           <a:lstStyle/>
@@ -2005,9 +2232,6 @@
               </a:spcBef>
               <a:buNone/>
             </a:pPr>
-            <a:r>
-              <a:t/>
-            </a:r>
             <a:endParaRPr/>
           </a:p>
         </p:txBody>
@@ -2015,7 +2239,9 @@
       <p:sp>
         <p:nvSpPr>
           <p:cNvPr id="17" name="Shape 17"/>
-          <p:cNvSpPr txBox="1"/>
+          <p:cNvSpPr txBox="1">
+            <a:spLocks noGrp="1"/>
+          </p:cNvSpPr>
           <p:nvPr>
             <p:ph type="title"/>
           </p:nvPr>
@@ -2030,9 +2256,9 @@
           </a:prstGeom>
         </p:spPr>
         <p:txBody>
-          <a:bodyPr anchorCtr="0" anchor="ctr" bIns="91425" lIns="91425" rIns="91425" tIns="91425"/>
+          <a:bodyPr lIns="91425" tIns="91425" rIns="91425" bIns="91425" anchor="ctr" anchorCtr="0"/>
           <a:lstStyle>
-            <a:lvl1pPr lvl="0" rtl="0" algn="ctr">
+            <a:lvl1pPr lvl="0" algn="ctr" rtl="0">
               <a:spcBef>
                 <a:spcPts val="0"/>
               </a:spcBef>
@@ -2046,7 +2272,7 @@
                 </a:solidFill>
               </a:defRPr>
             </a:lvl1pPr>
-            <a:lvl2pPr lvl="1" rtl="0" algn="ctr">
+            <a:lvl2pPr lvl="1" algn="ctr" rtl="0">
               <a:spcBef>
                 <a:spcPts val="0"/>
               </a:spcBef>
@@ -2060,7 +2286,7 @@
                 </a:solidFill>
               </a:defRPr>
             </a:lvl2pPr>
-            <a:lvl3pPr lvl="2" rtl="0" algn="ctr">
+            <a:lvl3pPr lvl="2" algn="ctr" rtl="0">
               <a:spcBef>
                 <a:spcPts val="0"/>
               </a:spcBef>
@@ -2074,7 +2300,7 @@
                 </a:solidFill>
               </a:defRPr>
             </a:lvl3pPr>
-            <a:lvl4pPr lvl="3" rtl="0" algn="ctr">
+            <a:lvl4pPr lvl="3" algn="ctr" rtl="0">
               <a:spcBef>
                 <a:spcPts val="0"/>
               </a:spcBef>
@@ -2088,7 +2314,7 @@
                 </a:solidFill>
               </a:defRPr>
             </a:lvl4pPr>
-            <a:lvl5pPr lvl="4" rtl="0" algn="ctr">
+            <a:lvl5pPr lvl="4" algn="ctr" rtl="0">
               <a:spcBef>
                 <a:spcPts val="0"/>
               </a:spcBef>
@@ -2102,7 +2328,7 @@
                 </a:solidFill>
               </a:defRPr>
             </a:lvl5pPr>
-            <a:lvl6pPr lvl="5" rtl="0" algn="ctr">
+            <a:lvl6pPr lvl="5" algn="ctr" rtl="0">
               <a:spcBef>
                 <a:spcPts val="0"/>
               </a:spcBef>
@@ -2116,7 +2342,7 @@
                 </a:solidFill>
               </a:defRPr>
             </a:lvl6pPr>
-            <a:lvl7pPr lvl="6" rtl="0" algn="ctr">
+            <a:lvl7pPr lvl="6" algn="ctr" rtl="0">
               <a:spcBef>
                 <a:spcPts val="0"/>
               </a:spcBef>
@@ -2130,7 +2356,7 @@
                 </a:solidFill>
               </a:defRPr>
             </a:lvl7pPr>
-            <a:lvl8pPr lvl="7" rtl="0" algn="ctr">
+            <a:lvl8pPr lvl="7" algn="ctr" rtl="0">
               <a:spcBef>
                 <a:spcPts val="0"/>
               </a:spcBef>
@@ -2144,7 +2370,7 @@
                 </a:solidFill>
               </a:defRPr>
             </a:lvl8pPr>
-            <a:lvl9pPr lvl="8" rtl="0" algn="ctr">
+            <a:lvl9pPr lvl="8" algn="ctr" rtl="0">
               <a:spcBef>
                 <a:spcPts val="0"/>
               </a:spcBef>
@@ -2159,15 +2385,19 @@
               </a:defRPr>
             </a:lvl9pPr>
           </a:lstStyle>
-          <a:p/>
+          <a:p>
+            <a:endParaRPr/>
+          </a:p>
         </p:txBody>
       </p:sp>
       <p:sp>
         <p:nvSpPr>
           <p:cNvPr id="18" name="Shape 18"/>
-          <p:cNvSpPr txBox="1"/>
+          <p:cNvSpPr txBox="1">
+            <a:spLocks noGrp="1"/>
+          </p:cNvSpPr>
           <p:nvPr>
-            <p:ph idx="12" type="sldNum"/>
+            <p:ph type="sldNum" idx="12"/>
           </p:nvPr>
         </p:nvSpPr>
         <p:spPr>
@@ -2180,7 +2410,7 @@
           </a:prstGeom>
         </p:spPr>
         <p:txBody>
-          <a:bodyPr anchorCtr="0" anchor="ctr" bIns="91425" lIns="91425" rIns="91425" tIns="91425">
+          <a:bodyPr lIns="91425" tIns="91425" rIns="91425" bIns="91425" anchor="ctr" anchorCtr="0">
             <a:noAutofit/>
           </a:bodyPr>
           <a:lstStyle/>
@@ -2195,6 +2425,7 @@
               <a:rPr lang="bg"/>
               <a:t>‹#›</a:t>
             </a:fld>
+            <a:endParaRPr lang="bg"/>
           </a:p>
         </p:txBody>
       </p:sp>
@@ -2207,11 +2438,11 @@
 </file>
 
 <file path=ppt/slideLayouts/slideLayout3.xml><?xml version="1.0" encoding="utf-8"?>
-<p:sldLayout xmlns:a="http://schemas.openxmlformats.org/drawingml/2006/main" xmlns:r="http://schemas.openxmlformats.org/officeDocument/2006/relationships" xmlns:mc="http://schemas.openxmlformats.org/markup-compatibility/2006" xmlns:mv="urn:schemas-microsoft-com:mac:vml" xmlns:p="http://schemas.openxmlformats.org/presentationml/2006/main" xmlns:c="http://schemas.openxmlformats.org/drawingml/2006/chart" xmlns:dgm="http://schemas.openxmlformats.org/drawingml/2006/diagram" xmlns:o="urn:schemas-microsoft-com:office:office" xmlns:v="urn:schemas-microsoft-com:vml" xmlns:pvml="urn:schemas-microsoft-com:office:powerpoint" xmlns:com="http://schemas.openxmlformats.org/drawingml/2006/compatibility" xmlns:p14="http://schemas.microsoft.com/office/powerpoint/2010/main" type="tx">
+<p:sldLayout xmlns:a="http://schemas.openxmlformats.org/drawingml/2006/main" xmlns:r="http://schemas.openxmlformats.org/officeDocument/2006/relationships" xmlns:p="http://schemas.openxmlformats.org/presentationml/2006/main" type="tx">
   <p:cSld name="Title and body">
     <p:spTree>
       <p:nvGrpSpPr>
-        <p:cNvPr id="19" name="Shape 19"/>
+        <p:cNvPr id="1" name="Shape 19"/>
         <p:cNvGrpSpPr/>
         <p:nvPr/>
       </p:nvGrpSpPr>
@@ -2238,21 +2469,23 @@
             <a:avLst/>
           </a:prstGeom>
           <a:noFill/>
-          <a:ln cap="flat" cmpd="sng" w="19050">
+          <a:ln w="19050" cap="flat" cmpd="sng">
             <a:solidFill>
               <a:schemeClr val="dk2"/>
             </a:solidFill>
             <a:prstDash val="lgDash"/>
             <a:round/>
-            <a:headEnd len="med" w="med" type="none"/>
-            <a:tailEnd len="med" w="med" type="none"/>
+            <a:headEnd type="none" w="med" len="med"/>
+            <a:tailEnd type="none" w="med" len="med"/>
           </a:ln>
         </p:spPr>
       </p:cxnSp>
       <p:sp>
         <p:nvSpPr>
           <p:cNvPr id="21" name="Shape 21"/>
-          <p:cNvSpPr txBox="1"/>
+          <p:cNvSpPr txBox="1">
+            <a:spLocks noGrp="1"/>
+          </p:cNvSpPr>
           <p:nvPr>
             <p:ph type="title"/>
           </p:nvPr>
@@ -2266,13 +2499,13 @@
             <a:avLst/>
           </a:prstGeom>
           <a:solidFill>
-            <a:schemeClr val="dk1"/>
+            <a:srgbClr val="00B050"/>
           </a:solidFill>
         </p:spPr>
         <p:txBody>
-          <a:bodyPr anchorCtr="0" anchor="b" bIns="91425" lIns="91425" rIns="91425" tIns="91425"/>
+          <a:bodyPr lIns="91425" tIns="91425" rIns="91425" bIns="91425" anchor="b" anchorCtr="0"/>
           <a:lstStyle>
-            <a:lvl1pPr lvl="0" rtl="0" algn="ctr">
+            <a:lvl1pPr lvl="0" algn="ctr" rtl="0">
               <a:spcBef>
                 <a:spcPts val="0"/>
               </a:spcBef>
@@ -2331,15 +2564,19 @@
               <a:defRPr/>
             </a:lvl9pPr>
           </a:lstStyle>
-          <a:p/>
+          <a:p>
+            <a:endParaRPr dirty="0"/>
+          </a:p>
         </p:txBody>
       </p:sp>
       <p:sp>
         <p:nvSpPr>
           <p:cNvPr id="22" name="Shape 22"/>
-          <p:cNvSpPr txBox="1"/>
+          <p:cNvSpPr txBox="1">
+            <a:spLocks noGrp="1"/>
+          </p:cNvSpPr>
           <p:nvPr>
-            <p:ph idx="1" type="body"/>
+            <p:ph type="body" idx="1"/>
           </p:nvPr>
         </p:nvSpPr>
         <p:spPr>
@@ -2352,7 +2589,7 @@
           </a:prstGeom>
         </p:spPr>
         <p:txBody>
-          <a:bodyPr anchorCtr="0" anchor="t" bIns="91425" lIns="91425" rIns="91425" tIns="91425"/>
+          <a:bodyPr lIns="91425" tIns="91425" rIns="91425" bIns="91425" anchor="t" anchorCtr="0"/>
           <a:lstStyle>
             <a:lvl1pPr lvl="0" rtl="0">
               <a:spcBef>
@@ -2409,15 +2646,19 @@
               <a:defRPr/>
             </a:lvl9pPr>
           </a:lstStyle>
-          <a:p/>
+          <a:p>
+            <a:endParaRPr/>
+          </a:p>
         </p:txBody>
       </p:sp>
       <p:sp>
         <p:nvSpPr>
           <p:cNvPr id="23" name="Shape 23"/>
-          <p:cNvSpPr txBox="1"/>
+          <p:cNvSpPr txBox="1">
+            <a:spLocks noGrp="1"/>
+          </p:cNvSpPr>
           <p:nvPr>
-            <p:ph idx="12" type="sldNum"/>
+            <p:ph type="sldNum" idx="12"/>
           </p:nvPr>
         </p:nvSpPr>
         <p:spPr>
@@ -2430,7 +2671,7 @@
           </a:prstGeom>
         </p:spPr>
         <p:txBody>
-          <a:bodyPr anchorCtr="0" anchor="ctr" bIns="91425" lIns="91425" rIns="91425" tIns="91425">
+          <a:bodyPr lIns="91425" tIns="91425" rIns="91425" bIns="91425" anchor="ctr" anchorCtr="0">
             <a:noAutofit/>
           </a:bodyPr>
           <a:lstStyle/>
@@ -2445,6 +2686,7 @@
               <a:rPr lang="bg"/>
               <a:t>‹#›</a:t>
             </a:fld>
+            <a:endParaRPr lang="bg"/>
           </a:p>
         </p:txBody>
       </p:sp>
@@ -2457,11 +2699,11 @@
 </file>
 
 <file path=ppt/slideLayouts/slideLayout4.xml><?xml version="1.0" encoding="utf-8"?>
-<p:sldLayout xmlns:a="http://schemas.openxmlformats.org/drawingml/2006/main" xmlns:r="http://schemas.openxmlformats.org/officeDocument/2006/relationships" xmlns:mc="http://schemas.openxmlformats.org/markup-compatibility/2006" xmlns:mv="urn:schemas-microsoft-com:mac:vml" xmlns:p="http://schemas.openxmlformats.org/presentationml/2006/main" xmlns:c="http://schemas.openxmlformats.org/drawingml/2006/chart" xmlns:dgm="http://schemas.openxmlformats.org/drawingml/2006/diagram" xmlns:o="urn:schemas-microsoft-com:office:office" xmlns:v="urn:schemas-microsoft-com:vml" xmlns:pvml="urn:schemas-microsoft-com:office:powerpoint" xmlns:com="http://schemas.openxmlformats.org/drawingml/2006/compatibility" xmlns:p14="http://schemas.microsoft.com/office/powerpoint/2010/main" type="twoColTx">
+<p:sldLayout xmlns:a="http://schemas.openxmlformats.org/drawingml/2006/main" xmlns:r="http://schemas.openxmlformats.org/officeDocument/2006/relationships" xmlns:p="http://schemas.openxmlformats.org/presentationml/2006/main" type="twoColTx">
   <p:cSld name="Title and two columns">
     <p:spTree>
       <p:nvGrpSpPr>
-        <p:cNvPr id="24" name="Shape 24"/>
+        <p:cNvPr id="1" name="Shape 24"/>
         <p:cNvGrpSpPr/>
         <p:nvPr/>
       </p:nvGrpSpPr>
@@ -2488,21 +2730,23 @@
             <a:avLst/>
           </a:prstGeom>
           <a:noFill/>
-          <a:ln cap="flat" cmpd="sng" w="19050">
+          <a:ln w="19050" cap="flat" cmpd="sng">
             <a:solidFill>
               <a:schemeClr val="dk2"/>
             </a:solidFill>
             <a:prstDash val="lgDash"/>
             <a:round/>
-            <a:headEnd len="med" w="med" type="none"/>
-            <a:tailEnd len="med" w="med" type="none"/>
+            <a:headEnd type="none" w="med" len="med"/>
+            <a:tailEnd type="none" w="med" len="med"/>
           </a:ln>
         </p:spPr>
       </p:cxnSp>
       <p:sp>
         <p:nvSpPr>
           <p:cNvPr id="26" name="Shape 26"/>
-          <p:cNvSpPr txBox="1"/>
+          <p:cNvSpPr txBox="1">
+            <a:spLocks noGrp="1"/>
+          </p:cNvSpPr>
           <p:nvPr>
             <p:ph type="title"/>
           </p:nvPr>
@@ -2517,7 +2761,7 @@
           </a:prstGeom>
         </p:spPr>
         <p:txBody>
-          <a:bodyPr anchorCtr="0" anchor="b" bIns="91425" lIns="91425" rIns="91425" tIns="91425"/>
+          <a:bodyPr lIns="91425" tIns="91425" rIns="91425" bIns="91425" anchor="b" anchorCtr="0"/>
           <a:lstStyle>
             <a:lvl1pPr lvl="0" rtl="0">
               <a:spcBef>
@@ -2574,15 +2818,19 @@
               <a:defRPr/>
             </a:lvl9pPr>
           </a:lstStyle>
-          <a:p/>
+          <a:p>
+            <a:endParaRPr/>
+          </a:p>
         </p:txBody>
       </p:sp>
       <p:sp>
         <p:nvSpPr>
           <p:cNvPr id="27" name="Shape 27"/>
-          <p:cNvSpPr txBox="1"/>
+          <p:cNvSpPr txBox="1">
+            <a:spLocks noGrp="1"/>
+          </p:cNvSpPr>
           <p:nvPr>
-            <p:ph idx="1" type="body"/>
+            <p:ph type="body" idx="1"/>
           </p:nvPr>
         </p:nvSpPr>
         <p:spPr>
@@ -2595,7 +2843,7 @@
           </a:prstGeom>
         </p:spPr>
         <p:txBody>
-          <a:bodyPr anchorCtr="0" anchor="t" bIns="91425" lIns="91425" rIns="91425" tIns="91425"/>
+          <a:bodyPr lIns="91425" tIns="91425" rIns="91425" bIns="91425" anchor="t" anchorCtr="0"/>
           <a:lstStyle>
             <a:lvl1pPr lvl="0" rtl="0">
               <a:spcBef>
@@ -2661,15 +2909,19 @@
               <a:defRPr sz="1200"/>
             </a:lvl9pPr>
           </a:lstStyle>
-          <a:p/>
+          <a:p>
+            <a:endParaRPr/>
+          </a:p>
         </p:txBody>
       </p:sp>
       <p:sp>
         <p:nvSpPr>
           <p:cNvPr id="28" name="Shape 28"/>
-          <p:cNvSpPr txBox="1"/>
+          <p:cNvSpPr txBox="1">
+            <a:spLocks noGrp="1"/>
+          </p:cNvSpPr>
           <p:nvPr>
-            <p:ph idx="2" type="body"/>
+            <p:ph type="body" idx="2"/>
           </p:nvPr>
         </p:nvSpPr>
         <p:spPr>
@@ -2682,7 +2934,7 @@
           </a:prstGeom>
         </p:spPr>
         <p:txBody>
-          <a:bodyPr anchorCtr="0" anchor="t" bIns="91425" lIns="91425" rIns="91425" tIns="91425"/>
+          <a:bodyPr lIns="91425" tIns="91425" rIns="91425" bIns="91425" anchor="t" anchorCtr="0"/>
           <a:lstStyle>
             <a:lvl1pPr lvl="0" rtl="0">
               <a:spcBef>
@@ -2748,15 +3000,19 @@
               <a:defRPr sz="1200"/>
             </a:lvl9pPr>
           </a:lstStyle>
-          <a:p/>
+          <a:p>
+            <a:endParaRPr/>
+          </a:p>
         </p:txBody>
       </p:sp>
       <p:sp>
         <p:nvSpPr>
           <p:cNvPr id="29" name="Shape 29"/>
-          <p:cNvSpPr txBox="1"/>
+          <p:cNvSpPr txBox="1">
+            <a:spLocks noGrp="1"/>
+          </p:cNvSpPr>
           <p:nvPr>
-            <p:ph idx="12" type="sldNum"/>
+            <p:ph type="sldNum" idx="12"/>
           </p:nvPr>
         </p:nvSpPr>
         <p:spPr>
@@ -2769,7 +3025,7 @@
           </a:prstGeom>
         </p:spPr>
         <p:txBody>
-          <a:bodyPr anchorCtr="0" anchor="ctr" bIns="91425" lIns="91425" rIns="91425" tIns="91425">
+          <a:bodyPr lIns="91425" tIns="91425" rIns="91425" bIns="91425" anchor="ctr" anchorCtr="0">
             <a:noAutofit/>
           </a:bodyPr>
           <a:lstStyle/>
@@ -2784,6 +3040,7 @@
               <a:rPr lang="bg"/>
               <a:t>‹#›</a:t>
             </a:fld>
+            <a:endParaRPr lang="bg"/>
           </a:p>
         </p:txBody>
       </p:sp>
@@ -2796,11 +3053,11 @@
 </file>
 
 <file path=ppt/slideLayouts/slideLayout5.xml><?xml version="1.0" encoding="utf-8"?>
-<p:sldLayout xmlns:a="http://schemas.openxmlformats.org/drawingml/2006/main" xmlns:r="http://schemas.openxmlformats.org/officeDocument/2006/relationships" xmlns:mc="http://schemas.openxmlformats.org/markup-compatibility/2006" xmlns:mv="urn:schemas-microsoft-com:mac:vml" xmlns:p="http://schemas.openxmlformats.org/presentationml/2006/main" xmlns:c="http://schemas.openxmlformats.org/drawingml/2006/chart" xmlns:dgm="http://schemas.openxmlformats.org/drawingml/2006/diagram" xmlns:o="urn:schemas-microsoft-com:office:office" xmlns:v="urn:schemas-microsoft-com:vml" xmlns:pvml="urn:schemas-microsoft-com:office:powerpoint" xmlns:com="http://schemas.openxmlformats.org/drawingml/2006/compatibility" xmlns:p14="http://schemas.microsoft.com/office/powerpoint/2010/main" type="titleOnly">
+<p:sldLayout xmlns:a="http://schemas.openxmlformats.org/drawingml/2006/main" xmlns:r="http://schemas.openxmlformats.org/officeDocument/2006/relationships" xmlns:p="http://schemas.openxmlformats.org/presentationml/2006/main" type="titleOnly">
   <p:cSld name="Title only">
     <p:spTree>
       <p:nvGrpSpPr>
-        <p:cNvPr id="30" name="Shape 30"/>
+        <p:cNvPr id="1" name="Shape 30"/>
         <p:cNvGrpSpPr/>
         <p:nvPr/>
       </p:nvGrpSpPr>
@@ -2815,7 +3072,9 @@
       <p:sp>
         <p:nvSpPr>
           <p:cNvPr id="31" name="Shape 31"/>
-          <p:cNvSpPr txBox="1"/>
+          <p:cNvSpPr txBox="1">
+            <a:spLocks noGrp="1"/>
+          </p:cNvSpPr>
           <p:nvPr>
             <p:ph type="title"/>
           </p:nvPr>
@@ -2830,7 +3089,7 @@
           </a:prstGeom>
         </p:spPr>
         <p:txBody>
-          <a:bodyPr anchorCtr="0" anchor="b" bIns="91425" lIns="91425" rIns="91425" tIns="91425"/>
+          <a:bodyPr lIns="91425" tIns="91425" rIns="91425" bIns="91425" anchor="b" anchorCtr="0"/>
           <a:lstStyle>
             <a:lvl1pPr lvl="0" rtl="0">
               <a:spcBef>
@@ -2887,15 +3146,19 @@
               <a:defRPr/>
             </a:lvl9pPr>
           </a:lstStyle>
-          <a:p/>
+          <a:p>
+            <a:endParaRPr/>
+          </a:p>
         </p:txBody>
       </p:sp>
       <p:sp>
         <p:nvSpPr>
           <p:cNvPr id="32" name="Shape 32"/>
-          <p:cNvSpPr txBox="1"/>
+          <p:cNvSpPr txBox="1">
+            <a:spLocks noGrp="1"/>
+          </p:cNvSpPr>
           <p:nvPr>
-            <p:ph idx="12" type="sldNum"/>
+            <p:ph type="sldNum" idx="12"/>
           </p:nvPr>
         </p:nvSpPr>
         <p:spPr>
@@ -2908,7 +3171,7 @@
           </a:prstGeom>
         </p:spPr>
         <p:txBody>
-          <a:bodyPr anchorCtr="0" anchor="ctr" bIns="91425" lIns="91425" rIns="91425" tIns="91425">
+          <a:bodyPr lIns="91425" tIns="91425" rIns="91425" bIns="91425" anchor="ctr" anchorCtr="0">
             <a:noAutofit/>
           </a:bodyPr>
           <a:lstStyle/>
@@ -2923,6 +3186,7 @@
               <a:rPr lang="bg"/>
               <a:t>‹#›</a:t>
             </a:fld>
+            <a:endParaRPr lang="bg"/>
           </a:p>
         </p:txBody>
       </p:sp>
@@ -2935,11 +3199,11 @@
 </file>
 
 <file path=ppt/slideLayouts/slideLayout6.xml><?xml version="1.0" encoding="utf-8"?>
-<p:sldLayout xmlns:a="http://schemas.openxmlformats.org/drawingml/2006/main" xmlns:r="http://schemas.openxmlformats.org/officeDocument/2006/relationships" xmlns:mc="http://schemas.openxmlformats.org/markup-compatibility/2006" xmlns:mv="urn:schemas-microsoft-com:mac:vml" xmlns:p="http://schemas.openxmlformats.org/presentationml/2006/main" xmlns:c="http://schemas.openxmlformats.org/drawingml/2006/chart" xmlns:dgm="http://schemas.openxmlformats.org/drawingml/2006/diagram" xmlns:o="urn:schemas-microsoft-com:office:office" xmlns:v="urn:schemas-microsoft-com:vml" xmlns:pvml="urn:schemas-microsoft-com:office:powerpoint" xmlns:com="http://schemas.openxmlformats.org/drawingml/2006/compatibility" xmlns:p14="http://schemas.microsoft.com/office/powerpoint/2010/main">
+<p:sldLayout xmlns:a="http://schemas.openxmlformats.org/drawingml/2006/main" xmlns:r="http://schemas.openxmlformats.org/officeDocument/2006/relationships" xmlns:p="http://schemas.openxmlformats.org/presentationml/2006/main">
   <p:cSld name="One column text">
     <p:spTree>
       <p:nvGrpSpPr>
-        <p:cNvPr id="33" name="Shape 33"/>
+        <p:cNvPr id="1" name="Shape 33"/>
         <p:cNvGrpSpPr/>
         <p:nvPr/>
       </p:nvGrpSpPr>
@@ -2966,21 +3230,23 @@
             <a:avLst/>
           </a:prstGeom>
           <a:noFill/>
-          <a:ln cap="flat" cmpd="sng" w="19050">
+          <a:ln w="19050" cap="flat" cmpd="sng">
             <a:solidFill>
               <a:schemeClr val="dk2"/>
             </a:solidFill>
             <a:prstDash val="lgDash"/>
             <a:round/>
-            <a:headEnd len="med" w="med" type="none"/>
-            <a:tailEnd len="med" w="med" type="none"/>
+            <a:headEnd type="none" w="med" len="med"/>
+            <a:tailEnd type="none" w="med" len="med"/>
           </a:ln>
         </p:spPr>
       </p:cxnSp>
       <p:sp>
         <p:nvSpPr>
           <p:cNvPr id="35" name="Shape 35"/>
-          <p:cNvSpPr txBox="1"/>
+          <p:cNvSpPr txBox="1">
+            <a:spLocks noGrp="1"/>
+          </p:cNvSpPr>
           <p:nvPr>
             <p:ph type="title"/>
           </p:nvPr>
@@ -2995,7 +3261,7 @@
           </a:prstGeom>
         </p:spPr>
         <p:txBody>
-          <a:bodyPr anchorCtr="0" anchor="b" bIns="91425" lIns="91425" rIns="91425" tIns="91425"/>
+          <a:bodyPr lIns="91425" tIns="91425" rIns="91425" bIns="91425" anchor="b" anchorCtr="0"/>
           <a:lstStyle>
             <a:lvl1pPr lvl="0" rtl="0">
               <a:spcBef>
@@ -3061,15 +3327,19 @@
               <a:defRPr sz="2400"/>
             </a:lvl9pPr>
           </a:lstStyle>
-          <a:p/>
+          <a:p>
+            <a:endParaRPr/>
+          </a:p>
         </p:txBody>
       </p:sp>
       <p:sp>
         <p:nvSpPr>
           <p:cNvPr id="36" name="Shape 36"/>
-          <p:cNvSpPr txBox="1"/>
+          <p:cNvSpPr txBox="1">
+            <a:spLocks noGrp="1"/>
+          </p:cNvSpPr>
           <p:nvPr>
-            <p:ph idx="1" type="body"/>
+            <p:ph type="body" idx="1"/>
           </p:nvPr>
         </p:nvSpPr>
         <p:spPr>
@@ -3082,7 +3352,7 @@
           </a:prstGeom>
         </p:spPr>
         <p:txBody>
-          <a:bodyPr anchorCtr="0" anchor="t" bIns="91425" lIns="91425" rIns="91425" tIns="91425"/>
+          <a:bodyPr lIns="91425" tIns="91425" rIns="91425" bIns="91425" anchor="t" anchorCtr="0"/>
           <a:lstStyle>
             <a:lvl1pPr lvl="0" rtl="0">
               <a:spcBef>
@@ -3148,15 +3418,19 @@
               <a:defRPr sz="1200"/>
             </a:lvl9pPr>
           </a:lstStyle>
-          <a:p/>
+          <a:p>
+            <a:endParaRPr/>
+          </a:p>
         </p:txBody>
       </p:sp>
       <p:sp>
         <p:nvSpPr>
           <p:cNvPr id="37" name="Shape 37"/>
-          <p:cNvSpPr txBox="1"/>
+          <p:cNvSpPr txBox="1">
+            <a:spLocks noGrp="1"/>
+          </p:cNvSpPr>
           <p:nvPr>
-            <p:ph idx="12" type="sldNum"/>
+            <p:ph type="sldNum" idx="12"/>
           </p:nvPr>
         </p:nvSpPr>
         <p:spPr>
@@ -3169,7 +3443,7 @@
           </a:prstGeom>
         </p:spPr>
         <p:txBody>
-          <a:bodyPr anchorCtr="0" anchor="ctr" bIns="91425" lIns="91425" rIns="91425" tIns="91425">
+          <a:bodyPr lIns="91425" tIns="91425" rIns="91425" bIns="91425" anchor="ctr" anchorCtr="0">
             <a:noAutofit/>
           </a:bodyPr>
           <a:lstStyle/>
@@ -3184,6 +3458,7 @@
               <a:rPr lang="bg"/>
               <a:t>‹#›</a:t>
             </a:fld>
+            <a:endParaRPr lang="bg"/>
           </a:p>
         </p:txBody>
       </p:sp>
@@ -3196,18 +3471,19 @@
 </file>
 
 <file path=ppt/slideLayouts/slideLayout7.xml><?xml version="1.0" encoding="utf-8"?>
-<p:sldLayout xmlns:a="http://schemas.openxmlformats.org/drawingml/2006/main" xmlns:r="http://schemas.openxmlformats.org/officeDocument/2006/relationships" xmlns:mc="http://schemas.openxmlformats.org/markup-compatibility/2006" xmlns:mv="urn:schemas-microsoft-com:mac:vml" xmlns:p="http://schemas.openxmlformats.org/presentationml/2006/main" xmlns:c="http://schemas.openxmlformats.org/drawingml/2006/chart" xmlns:dgm="http://schemas.openxmlformats.org/drawingml/2006/diagram" xmlns:o="urn:schemas-microsoft-com:office:office" xmlns:v="urn:schemas-microsoft-com:vml" xmlns:pvml="urn:schemas-microsoft-com:office:powerpoint" xmlns:com="http://schemas.openxmlformats.org/drawingml/2006/compatibility" xmlns:p14="http://schemas.microsoft.com/office/powerpoint/2010/main">
+<p:sldLayout xmlns:a="http://schemas.openxmlformats.org/drawingml/2006/main" xmlns:r="http://schemas.openxmlformats.org/officeDocument/2006/relationships" xmlns:p="http://schemas.openxmlformats.org/presentationml/2006/main">
   <p:cSld name="Main point">
     <p:bg>
       <p:bgPr>
         <a:solidFill>
           <a:schemeClr val="lt2"/>
         </a:solidFill>
+        <a:effectLst/>
       </p:bgPr>
     </p:bg>
     <p:spTree>
       <p:nvGrpSpPr>
-        <p:cNvPr id="38" name="Shape 38"/>
+        <p:cNvPr id="1" name="Shape 38"/>
         <p:cNvGrpSpPr/>
         <p:nvPr/>
       </p:nvGrpSpPr>
@@ -3222,7 +3498,9 @@
       <p:sp>
         <p:nvSpPr>
           <p:cNvPr id="39" name="Shape 39"/>
-          <p:cNvSpPr txBox="1"/>
+          <p:cNvSpPr txBox="1">
+            <a:spLocks noGrp="1"/>
+          </p:cNvSpPr>
           <p:nvPr>
             <p:ph type="title"/>
           </p:nvPr>
@@ -3237,7 +3515,7 @@
           </a:prstGeom>
         </p:spPr>
         <p:txBody>
-          <a:bodyPr anchorCtr="0" anchor="ctr" bIns="91425" lIns="91425" rIns="91425" tIns="91425"/>
+          <a:bodyPr lIns="91425" tIns="91425" rIns="91425" bIns="91425" anchor="ctr" anchorCtr="0"/>
           <a:lstStyle>
             <a:lvl1pPr lvl="0" rtl="0">
               <a:spcBef>
@@ -3366,15 +3644,19 @@
               </a:defRPr>
             </a:lvl9pPr>
           </a:lstStyle>
-          <a:p/>
+          <a:p>
+            <a:endParaRPr/>
+          </a:p>
         </p:txBody>
       </p:sp>
       <p:sp>
         <p:nvSpPr>
           <p:cNvPr id="40" name="Shape 40"/>
-          <p:cNvSpPr txBox="1"/>
+          <p:cNvSpPr txBox="1">
+            <a:spLocks noGrp="1"/>
+          </p:cNvSpPr>
           <p:nvPr>
-            <p:ph idx="12" type="sldNum"/>
+            <p:ph type="sldNum" idx="12"/>
           </p:nvPr>
         </p:nvSpPr>
         <p:spPr>
@@ -3387,7 +3669,7 @@
           </a:prstGeom>
         </p:spPr>
         <p:txBody>
-          <a:bodyPr anchorCtr="0" anchor="ctr" bIns="91425" lIns="91425" rIns="91425" tIns="91425">
+          <a:bodyPr lIns="91425" tIns="91425" rIns="91425" bIns="91425" anchor="ctr" anchorCtr="0">
             <a:noAutofit/>
           </a:bodyPr>
           <a:lstStyle/>
@@ -3406,6 +3688,11 @@
               </a:rPr>
               <a:t>‹#›</a:t>
             </a:fld>
+            <a:endParaRPr lang="bg">
+              <a:solidFill>
+                <a:schemeClr val="lt1"/>
+              </a:solidFill>
+            </a:endParaRPr>
           </a:p>
         </p:txBody>
       </p:sp>
@@ -3418,18 +3705,19 @@
 </file>
 
 <file path=ppt/slideLayouts/slideLayout8.xml><?xml version="1.0" encoding="utf-8"?>
-<p:sldLayout xmlns:a="http://schemas.openxmlformats.org/drawingml/2006/main" xmlns:r="http://schemas.openxmlformats.org/officeDocument/2006/relationships" xmlns:mc="http://schemas.openxmlformats.org/markup-compatibility/2006" xmlns:mv="urn:schemas-microsoft-com:mac:vml" xmlns:p="http://schemas.openxmlformats.org/presentationml/2006/main" xmlns:c="http://schemas.openxmlformats.org/drawingml/2006/chart" xmlns:dgm="http://schemas.openxmlformats.org/drawingml/2006/diagram" xmlns:o="urn:schemas-microsoft-com:office:office" xmlns:v="urn:schemas-microsoft-com:vml" xmlns:pvml="urn:schemas-microsoft-com:office:powerpoint" xmlns:com="http://schemas.openxmlformats.org/drawingml/2006/compatibility" xmlns:p14="http://schemas.microsoft.com/office/powerpoint/2010/main">
+<p:sldLayout xmlns:a="http://schemas.openxmlformats.org/drawingml/2006/main" xmlns:r="http://schemas.openxmlformats.org/officeDocument/2006/relationships" xmlns:p="http://schemas.openxmlformats.org/presentationml/2006/main">
   <p:cSld name="Section title and description">
     <p:bg>
       <p:bgPr>
         <a:solidFill>
-          <a:schemeClr val="dk1"/>
+          <a:srgbClr val="00B050"/>
         </a:solidFill>
+        <a:effectLst/>
       </p:bgPr>
     </p:bg>
     <p:spTree>
       <p:nvGrpSpPr>
-        <p:cNvPr id="41" name="Shape 41"/>
+        <p:cNvPr id="1" name="Shape 41"/>
         <p:cNvGrpSpPr/>
         <p:nvPr/>
       </p:nvGrpSpPr>
@@ -3463,7 +3751,7 @@
           </a:ln>
         </p:spPr>
         <p:txBody>
-          <a:bodyPr anchorCtr="0" anchor="ctr" bIns="91425" lIns="91425" rIns="91425" tIns="91425">
+          <a:bodyPr lIns="91425" tIns="91425" rIns="91425" bIns="91425" anchor="ctr" anchorCtr="0">
             <a:noAutofit/>
           </a:bodyPr>
           <a:lstStyle/>
@@ -3474,9 +3762,6 @@
               </a:spcBef>
               <a:buNone/>
             </a:pPr>
-            <a:r>
-              <a:t/>
-            </a:r>
             <a:endParaRPr/>
           </a:p>
         </p:txBody>
@@ -3496,21 +3781,23 @@
             <a:avLst/>
           </a:prstGeom>
           <a:noFill/>
-          <a:ln cap="flat" cmpd="sng" w="19050">
+          <a:ln w="19050" cap="flat" cmpd="sng">
             <a:solidFill>
               <a:schemeClr val="dk1"/>
             </a:solidFill>
             <a:prstDash val="lgDash"/>
             <a:round/>
-            <a:headEnd len="med" w="med" type="none"/>
-            <a:tailEnd len="med" w="med" type="none"/>
+            <a:headEnd type="none" w="med" len="med"/>
+            <a:tailEnd type="none" w="med" len="med"/>
           </a:ln>
         </p:spPr>
       </p:cxnSp>
       <p:sp>
         <p:nvSpPr>
           <p:cNvPr id="44" name="Shape 44"/>
-          <p:cNvSpPr txBox="1"/>
+          <p:cNvSpPr txBox="1">
+            <a:spLocks noGrp="1"/>
+          </p:cNvSpPr>
           <p:nvPr>
             <p:ph type="title"/>
           </p:nvPr>
@@ -3525,9 +3812,9 @@
           </a:prstGeom>
         </p:spPr>
         <p:txBody>
-          <a:bodyPr anchorCtr="0" anchor="b" bIns="91425" lIns="91425" rIns="91425" tIns="91425"/>
+          <a:bodyPr lIns="91425" tIns="91425" rIns="91425" bIns="91425" anchor="b" anchorCtr="0"/>
           <a:lstStyle>
-            <a:lvl1pPr lvl="0" rtl="0" algn="ctr">
+            <a:lvl1pPr lvl="0" algn="ctr" rtl="0">
               <a:spcBef>
                 <a:spcPts val="0"/>
               </a:spcBef>
@@ -3541,7 +3828,7 @@
                 </a:solidFill>
               </a:defRPr>
             </a:lvl1pPr>
-            <a:lvl2pPr lvl="1" rtl="0" algn="ctr">
+            <a:lvl2pPr lvl="1" algn="ctr" rtl="0">
               <a:spcBef>
                 <a:spcPts val="0"/>
               </a:spcBef>
@@ -3555,7 +3842,7 @@
                 </a:solidFill>
               </a:defRPr>
             </a:lvl2pPr>
-            <a:lvl3pPr lvl="2" rtl="0" algn="ctr">
+            <a:lvl3pPr lvl="2" algn="ctr" rtl="0">
               <a:spcBef>
                 <a:spcPts val="0"/>
               </a:spcBef>
@@ -3569,7 +3856,7 @@
                 </a:solidFill>
               </a:defRPr>
             </a:lvl3pPr>
-            <a:lvl4pPr lvl="3" rtl="0" algn="ctr">
+            <a:lvl4pPr lvl="3" algn="ctr" rtl="0">
               <a:spcBef>
                 <a:spcPts val="0"/>
               </a:spcBef>
@@ -3583,7 +3870,7 @@
                 </a:solidFill>
               </a:defRPr>
             </a:lvl4pPr>
-            <a:lvl5pPr lvl="4" rtl="0" algn="ctr">
+            <a:lvl5pPr lvl="4" algn="ctr" rtl="0">
               <a:spcBef>
                 <a:spcPts val="0"/>
               </a:spcBef>
@@ -3597,7 +3884,7 @@
                 </a:solidFill>
               </a:defRPr>
             </a:lvl5pPr>
-            <a:lvl6pPr lvl="5" rtl="0" algn="ctr">
+            <a:lvl6pPr lvl="5" algn="ctr" rtl="0">
               <a:spcBef>
                 <a:spcPts val="0"/>
               </a:spcBef>
@@ -3611,7 +3898,7 @@
                 </a:solidFill>
               </a:defRPr>
             </a:lvl6pPr>
-            <a:lvl7pPr lvl="6" rtl="0" algn="ctr">
+            <a:lvl7pPr lvl="6" algn="ctr" rtl="0">
               <a:spcBef>
                 <a:spcPts val="0"/>
               </a:spcBef>
@@ -3625,7 +3912,7 @@
                 </a:solidFill>
               </a:defRPr>
             </a:lvl7pPr>
-            <a:lvl8pPr lvl="7" rtl="0" algn="ctr">
+            <a:lvl8pPr lvl="7" algn="ctr" rtl="0">
               <a:spcBef>
                 <a:spcPts val="0"/>
               </a:spcBef>
@@ -3639,7 +3926,7 @@
                 </a:solidFill>
               </a:defRPr>
             </a:lvl8pPr>
-            <a:lvl9pPr lvl="8" rtl="0" algn="ctr">
+            <a:lvl9pPr lvl="8" algn="ctr" rtl="0">
               <a:spcBef>
                 <a:spcPts val="0"/>
               </a:spcBef>
@@ -3654,15 +3941,19 @@
               </a:defRPr>
             </a:lvl9pPr>
           </a:lstStyle>
-          <a:p/>
+          <a:p>
+            <a:endParaRPr/>
+          </a:p>
         </p:txBody>
       </p:sp>
       <p:sp>
         <p:nvSpPr>
           <p:cNvPr id="45" name="Shape 45"/>
-          <p:cNvSpPr txBox="1"/>
+          <p:cNvSpPr txBox="1">
+            <a:spLocks noGrp="1"/>
+          </p:cNvSpPr>
           <p:nvPr>
-            <p:ph idx="1" type="subTitle"/>
+            <p:ph type="subTitle" idx="1"/>
           </p:nvPr>
         </p:nvSpPr>
         <p:spPr>
@@ -3675,9 +3966,9 @@
           </a:prstGeom>
         </p:spPr>
         <p:txBody>
-          <a:bodyPr anchorCtr="0" anchor="t" bIns="91425" lIns="91425" rIns="91425" tIns="91425"/>
+          <a:bodyPr lIns="91425" tIns="91425" rIns="91425" bIns="91425" anchor="t" anchorCtr="0"/>
           <a:lstStyle>
-            <a:lvl1pPr lvl="0" rtl="0" algn="ctr">
+            <a:lvl1pPr lvl="0" algn="ctr" rtl="0">
               <a:lnSpc>
                 <a:spcPct val="100000"/>
               </a:lnSpc>
@@ -3698,7 +3989,7 @@
                 </a:solidFill>
               </a:defRPr>
             </a:lvl1pPr>
-            <a:lvl2pPr lvl="1" rtl="0" algn="ctr">
+            <a:lvl2pPr lvl="1" algn="ctr" rtl="0">
               <a:lnSpc>
                 <a:spcPct val="100000"/>
               </a:lnSpc>
@@ -3719,7 +4010,7 @@
                 </a:solidFill>
               </a:defRPr>
             </a:lvl2pPr>
-            <a:lvl3pPr lvl="2" rtl="0" algn="ctr">
+            <a:lvl3pPr lvl="2" algn="ctr" rtl="0">
               <a:lnSpc>
                 <a:spcPct val="100000"/>
               </a:lnSpc>
@@ -3740,7 +4031,7 @@
                 </a:solidFill>
               </a:defRPr>
             </a:lvl3pPr>
-            <a:lvl4pPr lvl="3" rtl="0" algn="ctr">
+            <a:lvl4pPr lvl="3" algn="ctr" rtl="0">
               <a:lnSpc>
                 <a:spcPct val="100000"/>
               </a:lnSpc>
@@ -3761,7 +4052,7 @@
                 </a:solidFill>
               </a:defRPr>
             </a:lvl4pPr>
-            <a:lvl5pPr lvl="4" rtl="0" algn="ctr">
+            <a:lvl5pPr lvl="4" algn="ctr" rtl="0">
               <a:lnSpc>
                 <a:spcPct val="100000"/>
               </a:lnSpc>
@@ -3782,7 +4073,7 @@
                 </a:solidFill>
               </a:defRPr>
             </a:lvl5pPr>
-            <a:lvl6pPr lvl="5" rtl="0" algn="ctr">
+            <a:lvl6pPr lvl="5" algn="ctr" rtl="0">
               <a:lnSpc>
                 <a:spcPct val="100000"/>
               </a:lnSpc>
@@ -3803,7 +4094,7 @@
                 </a:solidFill>
               </a:defRPr>
             </a:lvl6pPr>
-            <a:lvl7pPr lvl="6" rtl="0" algn="ctr">
+            <a:lvl7pPr lvl="6" algn="ctr" rtl="0">
               <a:lnSpc>
                 <a:spcPct val="100000"/>
               </a:lnSpc>
@@ -3824,7 +4115,7 @@
                 </a:solidFill>
               </a:defRPr>
             </a:lvl7pPr>
-            <a:lvl8pPr lvl="7" rtl="0" algn="ctr">
+            <a:lvl8pPr lvl="7" algn="ctr" rtl="0">
               <a:lnSpc>
                 <a:spcPct val="100000"/>
               </a:lnSpc>
@@ -3845,7 +4136,7 @@
                 </a:solidFill>
               </a:defRPr>
             </a:lvl8pPr>
-            <a:lvl9pPr lvl="8" rtl="0" algn="ctr">
+            <a:lvl9pPr lvl="8" algn="ctr" rtl="0">
               <a:lnSpc>
                 <a:spcPct val="100000"/>
               </a:lnSpc>
@@ -3867,15 +4158,19 @@
               </a:defRPr>
             </a:lvl9pPr>
           </a:lstStyle>
-          <a:p/>
+          <a:p>
+            <a:endParaRPr/>
+          </a:p>
         </p:txBody>
       </p:sp>
       <p:sp>
         <p:nvSpPr>
           <p:cNvPr id="46" name="Shape 46"/>
-          <p:cNvSpPr txBox="1"/>
+          <p:cNvSpPr txBox="1">
+            <a:spLocks noGrp="1"/>
+          </p:cNvSpPr>
           <p:nvPr>
-            <p:ph idx="2" type="body"/>
+            <p:ph type="body" idx="2"/>
           </p:nvPr>
         </p:nvSpPr>
         <p:spPr>
@@ -3888,7 +4183,7 @@
           </a:prstGeom>
         </p:spPr>
         <p:txBody>
-          <a:bodyPr anchorCtr="0" anchor="ctr" bIns="91425" lIns="91425" rIns="91425" tIns="91425"/>
+          <a:bodyPr lIns="91425" tIns="91425" rIns="91425" bIns="91425" anchor="ctr" anchorCtr="0"/>
           <a:lstStyle>
             <a:lvl1pPr lvl="0" rtl="0">
               <a:spcBef>
@@ -3948,15 +4243,19 @@
               <a:defRPr/>
             </a:lvl9pPr>
           </a:lstStyle>
-          <a:p/>
+          <a:p>
+            <a:endParaRPr/>
+          </a:p>
         </p:txBody>
       </p:sp>
       <p:sp>
         <p:nvSpPr>
           <p:cNvPr id="47" name="Shape 47"/>
-          <p:cNvSpPr txBox="1"/>
+          <p:cNvSpPr txBox="1">
+            <a:spLocks noGrp="1"/>
+          </p:cNvSpPr>
           <p:nvPr>
-            <p:ph idx="12" type="sldNum"/>
+            <p:ph type="sldNum" idx="12"/>
           </p:nvPr>
         </p:nvSpPr>
         <p:spPr>
@@ -3969,7 +4268,7 @@
           </a:prstGeom>
         </p:spPr>
         <p:txBody>
-          <a:bodyPr anchorCtr="0" anchor="ctr" bIns="91425" lIns="91425" rIns="91425" tIns="91425">
+          <a:bodyPr lIns="91425" tIns="91425" rIns="91425" bIns="91425" anchor="ctr" anchorCtr="0">
             <a:noAutofit/>
           </a:bodyPr>
           <a:lstStyle/>
@@ -3984,6 +4283,7 @@
               <a:rPr lang="bg"/>
               <a:t>‹#›</a:t>
             </a:fld>
+            <a:endParaRPr lang="bg"/>
           </a:p>
         </p:txBody>
       </p:sp>
@@ -3996,11 +4296,11 @@
 </file>
 
 <file path=ppt/slideLayouts/slideLayout9.xml><?xml version="1.0" encoding="utf-8"?>
-<p:sldLayout xmlns:a="http://schemas.openxmlformats.org/drawingml/2006/main" xmlns:r="http://schemas.openxmlformats.org/officeDocument/2006/relationships" xmlns:mc="http://schemas.openxmlformats.org/markup-compatibility/2006" xmlns:mv="urn:schemas-microsoft-com:mac:vml" xmlns:p="http://schemas.openxmlformats.org/presentationml/2006/main" xmlns:c="http://schemas.openxmlformats.org/drawingml/2006/chart" xmlns:dgm="http://schemas.openxmlformats.org/drawingml/2006/diagram" xmlns:o="urn:schemas-microsoft-com:office:office" xmlns:v="urn:schemas-microsoft-com:vml" xmlns:pvml="urn:schemas-microsoft-com:office:powerpoint" xmlns:com="http://schemas.openxmlformats.org/drawingml/2006/compatibility" xmlns:p14="http://schemas.microsoft.com/office/powerpoint/2010/main">
+<p:sldLayout xmlns:a="http://schemas.openxmlformats.org/drawingml/2006/main" xmlns:r="http://schemas.openxmlformats.org/officeDocument/2006/relationships" xmlns:p="http://schemas.openxmlformats.org/presentationml/2006/main">
   <p:cSld name="Caption">
     <p:spTree>
       <p:nvGrpSpPr>
-        <p:cNvPr id="48" name="Shape 48"/>
+        <p:cNvPr id="1" name="Shape 48"/>
         <p:cNvGrpSpPr/>
         <p:nvPr/>
       </p:nvGrpSpPr>
@@ -4015,9 +4315,11 @@
       <p:sp>
         <p:nvSpPr>
           <p:cNvPr id="49" name="Shape 49"/>
-          <p:cNvSpPr txBox="1"/>
+          <p:cNvSpPr txBox="1">
+            <a:spLocks noGrp="1"/>
+          </p:cNvSpPr>
           <p:nvPr>
-            <p:ph idx="1" type="body"/>
+            <p:ph type="body" idx="1"/>
           </p:nvPr>
         </p:nvSpPr>
         <p:spPr>
@@ -4030,7 +4332,7 @@
           </a:prstGeom>
         </p:spPr>
         <p:txBody>
-          <a:bodyPr anchorCtr="0" anchor="ctr" bIns="91425" lIns="91425" rIns="91425" tIns="91425"/>
+          <a:bodyPr lIns="91425" tIns="91425" rIns="91425" bIns="91425" anchor="ctr" anchorCtr="0"/>
           <a:lstStyle>
             <a:lvl1pPr lvl="0" rtl="0">
               <a:lnSpc>
@@ -4053,15 +4355,19 @@
               </a:defRPr>
             </a:lvl1pPr>
           </a:lstStyle>
-          <a:p/>
+          <a:p>
+            <a:endParaRPr/>
+          </a:p>
         </p:txBody>
       </p:sp>
       <p:sp>
         <p:nvSpPr>
           <p:cNvPr id="50" name="Shape 50"/>
-          <p:cNvSpPr txBox="1"/>
+          <p:cNvSpPr txBox="1">
+            <a:spLocks noGrp="1"/>
+          </p:cNvSpPr>
           <p:nvPr>
-            <p:ph idx="12" type="sldNum"/>
+            <p:ph type="sldNum" idx="12"/>
           </p:nvPr>
         </p:nvSpPr>
         <p:spPr>
@@ -4074,7 +4380,7 @@
           </a:prstGeom>
         </p:spPr>
         <p:txBody>
-          <a:bodyPr anchorCtr="0" anchor="ctr" bIns="91425" lIns="91425" rIns="91425" tIns="91425">
+          <a:bodyPr lIns="91425" tIns="91425" rIns="91425" bIns="91425" anchor="ctr" anchorCtr="0">
             <a:noAutofit/>
           </a:bodyPr>
           <a:lstStyle/>
@@ -4089,6 +4395,7 @@
               <a:rPr lang="bg"/>
               <a:t>‹#›</a:t>
             </a:fld>
+            <a:endParaRPr lang="bg"/>
           </a:p>
         </p:txBody>
       </p:sp>
@@ -4101,18 +4408,19 @@
 </file>
 
 <file path=ppt/slideMasters/slideMaster1.xml><?xml version="1.0" encoding="utf-8"?>
-<p:sldMaster xmlns:a="http://schemas.openxmlformats.org/drawingml/2006/main" xmlns:r="http://schemas.openxmlformats.org/officeDocument/2006/relationships" xmlns:mc="http://schemas.openxmlformats.org/markup-compatibility/2006" xmlns:mv="urn:schemas-microsoft-com:mac:vml" xmlns:p="http://schemas.openxmlformats.org/presentationml/2006/main" xmlns:c="http://schemas.openxmlformats.org/drawingml/2006/chart" xmlns:dgm="http://schemas.openxmlformats.org/drawingml/2006/diagram" xmlns:o="urn:schemas-microsoft-com:office:office" xmlns:v="urn:schemas-microsoft-com:vml" xmlns:pvml="urn:schemas-microsoft-com:office:powerpoint" xmlns:com="http://schemas.openxmlformats.org/drawingml/2006/compatibility" xmlns:p14="http://schemas.microsoft.com/office/powerpoint/2010/main">
+<p:sldMaster xmlns:a="http://schemas.openxmlformats.org/drawingml/2006/main" xmlns:r="http://schemas.openxmlformats.org/officeDocument/2006/relationships" xmlns:p="http://schemas.openxmlformats.org/presentationml/2006/main">
   <p:cSld>
     <p:bg>
       <p:bgPr>
         <a:solidFill>
           <a:schemeClr val="lt1"/>
         </a:solidFill>
+        <a:effectLst/>
       </p:bgPr>
     </p:bg>
     <p:spTree>
       <p:nvGrpSpPr>
-        <p:cNvPr id="5" name="Shape 5"/>
+        <p:cNvPr id="1" name="Shape 5"/>
         <p:cNvGrpSpPr/>
         <p:nvPr/>
       </p:nvGrpSpPr>
@@ -4127,7 +4435,9 @@
       <p:sp>
         <p:nvSpPr>
           <p:cNvPr id="6" name="Shape 6"/>
-          <p:cNvSpPr txBox="1"/>
+          <p:cNvSpPr txBox="1">
+            <a:spLocks noGrp="1"/>
+          </p:cNvSpPr>
           <p:nvPr>
             <p:ph type="title"/>
           </p:nvPr>
@@ -4146,7 +4456,7 @@
           </a:ln>
         </p:spPr>
         <p:txBody>
-          <a:bodyPr anchorCtr="0" anchor="b" bIns="91425" lIns="91425" rIns="91425" tIns="91425"/>
+          <a:bodyPr lIns="91425" tIns="91425" rIns="91425" bIns="91425" anchor="b" anchorCtr="0"/>
           <a:lstStyle>
             <a:lvl1pPr lvl="0" rtl="0">
               <a:spcBef>
@@ -4329,15 +4639,19 @@
               </a:defRPr>
             </a:lvl9pPr>
           </a:lstStyle>
-          <a:p/>
+          <a:p>
+            <a:endParaRPr/>
+          </a:p>
         </p:txBody>
       </p:sp>
       <p:sp>
         <p:nvSpPr>
           <p:cNvPr id="7" name="Shape 7"/>
-          <p:cNvSpPr txBox="1"/>
+          <p:cNvSpPr txBox="1">
+            <a:spLocks noGrp="1"/>
+          </p:cNvSpPr>
           <p:nvPr>
-            <p:ph idx="1" type="body"/>
+            <p:ph type="body" idx="1"/>
           </p:nvPr>
         </p:nvSpPr>
         <p:spPr>
@@ -4354,7 +4668,7 @@
           </a:ln>
         </p:spPr>
         <p:txBody>
-          <a:bodyPr anchorCtr="0" anchor="t" bIns="91425" lIns="91425" rIns="91425" tIns="91425"/>
+          <a:bodyPr lIns="91425" tIns="91425" rIns="91425" bIns="91425" anchor="t" anchorCtr="0"/>
           <a:lstStyle>
             <a:lvl1pPr lvl="0" rtl="0">
               <a:lnSpc>
@@ -4574,15 +4888,19 @@
               </a:defRPr>
             </a:lvl9pPr>
           </a:lstStyle>
-          <a:p/>
+          <a:p>
+            <a:endParaRPr/>
+          </a:p>
         </p:txBody>
       </p:sp>
       <p:sp>
         <p:nvSpPr>
           <p:cNvPr id="8" name="Shape 8"/>
-          <p:cNvSpPr txBox="1"/>
+          <p:cNvSpPr txBox="1">
+            <a:spLocks noGrp="1"/>
+          </p:cNvSpPr>
           <p:nvPr>
-            <p:ph idx="12" type="sldNum"/>
+            <p:ph type="sldNum" idx="12"/>
           </p:nvPr>
         </p:nvSpPr>
         <p:spPr>
@@ -4599,12 +4917,12 @@
           </a:ln>
         </p:spPr>
         <p:txBody>
-          <a:bodyPr anchorCtr="0" anchor="ctr" bIns="91425" lIns="91425" rIns="91425" tIns="91425">
+          <a:bodyPr lIns="91425" tIns="91425" rIns="91425" bIns="91425" anchor="ctr" anchorCtr="0">
             <a:noAutofit/>
           </a:bodyPr>
           <a:lstStyle/>
           <a:p>
-            <a:pPr lvl="0" rtl="0" algn="r">
+            <a:pPr lvl="0" algn="r" rtl="0">
               <a:spcBef>
                 <a:spcPts val="0"/>
               </a:spcBef>
@@ -4622,12 +4940,21 @@
               </a:rPr>
               <a:t>‹#›</a:t>
             </a:fld>
+            <a:endParaRPr lang="bg" sz="1000">
+              <a:solidFill>
+                <a:schemeClr val="dk2"/>
+              </a:solidFill>
+              <a:latin typeface="Source Code Pro"/>
+              <a:ea typeface="Source Code Pro"/>
+              <a:cs typeface="Source Code Pro"/>
+              <a:sym typeface="Source Code Pro"/>
+            </a:endParaRPr>
           </a:p>
         </p:txBody>
       </p:sp>
     </p:spTree>
   </p:cSld>
-  <p:clrMap accent1="accent1" accent2="accent2" accent3="accent3" accent4="accent4" accent5="accent5" accent6="accent6" bg1="lt1" bg2="dk2" tx1="dk1" tx2="lt2" folHlink="folHlink" hlink="hlink"/>
+  <p:clrMap bg1="lt1" tx1="dk1" bg2="dk2" tx2="lt2" accent1="accent1" accent2="accent2" accent3="accent3" accent4="accent4" accent5="accent5" accent6="accent6" hlink="hlink" folHlink="folHlink"/>
   <p:sldLayoutIdLst>
     <p:sldLayoutId id="2147483648" r:id="rId1"/>
     <p:sldLayoutId id="2147483649" r:id="rId2"/>
@@ -4641,10 +4968,10 @@
     <p:sldLayoutId id="2147483657" r:id="rId10"/>
     <p:sldLayoutId id="2147483658" r:id="rId11"/>
   </p:sldLayoutIdLst>
-  <p:hf dt="0" ftr="0" hdr="0" sldNum="0"/>
+  <p:hf sldNum="0" hdr="0" ftr="0" dt="0"/>
   <p:txStyles>
     <p:titleStyle>
-      <a:defPPr lvl="0" marR="0" rtl="0" algn="l">
+      <a:defPPr marR="0" lvl="0" algn="l" rtl="0">
         <a:lnSpc>
           <a:spcPct val="100000"/>
         </a:lnSpc>
@@ -4655,7 +4982,7 @@
           <a:spcPts val="0"/>
         </a:spcAft>
       </a:defPPr>
-      <a:lvl1pPr lvl="0" marR="0" rtl="0" algn="l">
+      <a:lvl1pPr marR="0" lvl="0" algn="l" rtl="0">
         <a:lnSpc>
           <a:spcPct val="100000"/>
         </a:lnSpc>
@@ -4666,7 +4993,7 @@
           <a:spcPts val="0"/>
         </a:spcAft>
         <a:buNone/>
-        <a:defRPr b="0" i="0" sz="1400" u="none" cap="none" strike="noStrike">
+        <a:defRPr sz="1400" b="0" i="0" u="none" strike="noStrike" cap="none">
           <a:solidFill>
             <a:srgbClr val="000000"/>
           </a:solidFill>
@@ -4678,7 +5005,7 @@
       </a:lvl1pPr>
     </p:titleStyle>
     <p:bodyStyle>
-      <a:defPPr lvl="0" marR="0" rtl="0" algn="l">
+      <a:defPPr marR="0" lvl="0" algn="l" rtl="0">
         <a:lnSpc>
           <a:spcPct val="100000"/>
         </a:lnSpc>
@@ -4689,7 +5016,7 @@
           <a:spcPts val="0"/>
         </a:spcAft>
       </a:defPPr>
-      <a:lvl1pPr lvl="0" marR="0" rtl="0" algn="l">
+      <a:lvl1pPr marR="0" lvl="0" algn="l" rtl="0">
         <a:lnSpc>
           <a:spcPct val="100000"/>
         </a:lnSpc>
@@ -4700,7 +5027,7 @@
           <a:spcPts val="0"/>
         </a:spcAft>
         <a:buNone/>
-        <a:defRPr b="0" i="0" sz="1400" u="none" cap="none" strike="noStrike">
+        <a:defRPr sz="1400" b="0" i="0" u="none" strike="noStrike" cap="none">
           <a:solidFill>
             <a:srgbClr val="000000"/>
           </a:solidFill>
@@ -4710,7 +5037,7 @@
           <a:sym typeface="Arial"/>
         </a:defRPr>
       </a:lvl1pPr>
-      <a:lvl2pPr lvl="1" marR="0" rtl="0" algn="l">
+      <a:lvl2pPr marR="0" lvl="1" algn="l" rtl="0">
         <a:lnSpc>
           <a:spcPct val="100000"/>
         </a:lnSpc>
@@ -4721,7 +5048,7 @@
           <a:spcPts val="0"/>
         </a:spcAft>
         <a:buNone/>
-        <a:defRPr b="0" i="0" sz="1400" u="none" cap="none" strike="noStrike">
+        <a:defRPr sz="1400" b="0" i="0" u="none" strike="noStrike" cap="none">
           <a:solidFill>
             <a:srgbClr val="000000"/>
           </a:solidFill>
@@ -4731,7 +5058,7 @@
           <a:sym typeface="Arial"/>
         </a:defRPr>
       </a:lvl2pPr>
-      <a:lvl3pPr lvl="2" marR="0" rtl="0" algn="l">
+      <a:lvl3pPr marR="0" lvl="2" algn="l" rtl="0">
         <a:lnSpc>
           <a:spcPct val="100000"/>
         </a:lnSpc>
@@ -4742,7 +5069,7 @@
           <a:spcPts val="0"/>
         </a:spcAft>
         <a:buNone/>
-        <a:defRPr b="0" i="0" sz="1400" u="none" cap="none" strike="noStrike">
+        <a:defRPr sz="1400" b="0" i="0" u="none" strike="noStrike" cap="none">
           <a:solidFill>
             <a:srgbClr val="000000"/>
           </a:solidFill>
@@ -4752,7 +5079,7 @@
           <a:sym typeface="Arial"/>
         </a:defRPr>
       </a:lvl3pPr>
-      <a:lvl4pPr lvl="3" marR="0" rtl="0" algn="l">
+      <a:lvl4pPr marR="0" lvl="3" algn="l" rtl="0">
         <a:lnSpc>
           <a:spcPct val="100000"/>
         </a:lnSpc>
@@ -4763,7 +5090,7 @@
           <a:spcPts val="0"/>
         </a:spcAft>
         <a:buNone/>
-        <a:defRPr b="0" i="0" sz="1400" u="none" cap="none" strike="noStrike">
+        <a:defRPr sz="1400" b="0" i="0" u="none" strike="noStrike" cap="none">
           <a:solidFill>
             <a:srgbClr val="000000"/>
           </a:solidFill>
@@ -4773,7 +5100,7 @@
           <a:sym typeface="Arial"/>
         </a:defRPr>
       </a:lvl4pPr>
-      <a:lvl5pPr lvl="4" marR="0" rtl="0" algn="l">
+      <a:lvl5pPr marR="0" lvl="4" algn="l" rtl="0">
         <a:lnSpc>
           <a:spcPct val="100000"/>
         </a:lnSpc>
@@ -4784,7 +5111,7 @@
           <a:spcPts val="0"/>
         </a:spcAft>
         <a:buNone/>
-        <a:defRPr b="0" i="0" sz="1400" u="none" cap="none" strike="noStrike">
+        <a:defRPr sz="1400" b="0" i="0" u="none" strike="noStrike" cap="none">
           <a:solidFill>
             <a:srgbClr val="000000"/>
           </a:solidFill>
@@ -4794,7 +5121,7 @@
           <a:sym typeface="Arial"/>
         </a:defRPr>
       </a:lvl5pPr>
-      <a:lvl6pPr lvl="5" marR="0" rtl="0" algn="l">
+      <a:lvl6pPr marR="0" lvl="5" algn="l" rtl="0">
         <a:lnSpc>
           <a:spcPct val="100000"/>
         </a:lnSpc>
@@ -4805,7 +5132,7 @@
           <a:spcPts val="0"/>
         </a:spcAft>
         <a:buNone/>
-        <a:defRPr b="0" i="0" sz="1400" u="none" cap="none" strike="noStrike">
+        <a:defRPr sz="1400" b="0" i="0" u="none" strike="noStrike" cap="none">
           <a:solidFill>
             <a:srgbClr val="000000"/>
           </a:solidFill>
@@ -4815,7 +5142,7 @@
           <a:sym typeface="Arial"/>
         </a:defRPr>
       </a:lvl6pPr>
-      <a:lvl7pPr lvl="6" marR="0" rtl="0" algn="l">
+      <a:lvl7pPr marR="0" lvl="6" algn="l" rtl="0">
         <a:lnSpc>
           <a:spcPct val="100000"/>
         </a:lnSpc>
@@ -4826,7 +5153,7 @@
           <a:spcPts val="0"/>
         </a:spcAft>
         <a:buNone/>
-        <a:defRPr b="0" i="0" sz="1400" u="none" cap="none" strike="noStrike">
+        <a:defRPr sz="1400" b="0" i="0" u="none" strike="noStrike" cap="none">
           <a:solidFill>
             <a:srgbClr val="000000"/>
           </a:solidFill>
@@ -4836,7 +5163,7 @@
           <a:sym typeface="Arial"/>
         </a:defRPr>
       </a:lvl7pPr>
-      <a:lvl8pPr lvl="7" marR="0" rtl="0" algn="l">
+      <a:lvl8pPr marR="0" lvl="7" algn="l" rtl="0">
         <a:lnSpc>
           <a:spcPct val="100000"/>
         </a:lnSpc>
@@ -4847,7 +5174,7 @@
           <a:spcPts val="0"/>
         </a:spcAft>
         <a:buNone/>
-        <a:defRPr b="0" i="0" sz="1400" u="none" cap="none" strike="noStrike">
+        <a:defRPr sz="1400" b="0" i="0" u="none" strike="noStrike" cap="none">
           <a:solidFill>
             <a:srgbClr val="000000"/>
           </a:solidFill>
@@ -4857,7 +5184,7 @@
           <a:sym typeface="Arial"/>
         </a:defRPr>
       </a:lvl8pPr>
-      <a:lvl9pPr lvl="8" marR="0" rtl="0" algn="l">
+      <a:lvl9pPr marR="0" lvl="8" algn="l" rtl="0">
         <a:lnSpc>
           <a:spcPct val="100000"/>
         </a:lnSpc>
@@ -4868,7 +5195,7 @@
           <a:spcPts val="0"/>
         </a:spcAft>
         <a:buNone/>
-        <a:defRPr b="0" i="0" sz="1400" u="none" cap="none" strike="noStrike">
+        <a:defRPr sz="1400" b="0" i="0" u="none" strike="noStrike" cap="none">
           <a:solidFill>
             <a:srgbClr val="000000"/>
           </a:solidFill>
@@ -4880,7 +5207,7 @@
       </a:lvl9pPr>
     </p:bodyStyle>
     <p:otherStyle>
-      <a:defPPr lvl="0" marR="0" rtl="0" algn="l">
+      <a:defPPr marR="0" lvl="0" algn="l" rtl="0">
         <a:lnSpc>
           <a:spcPct val="100000"/>
         </a:lnSpc>
@@ -4891,7 +5218,7 @@
           <a:spcPts val="0"/>
         </a:spcAft>
       </a:defPPr>
-      <a:lvl1pPr lvl="0" marR="0" rtl="0" algn="l">
+      <a:lvl1pPr marR="0" lvl="0" algn="l" rtl="0">
         <a:lnSpc>
           <a:spcPct val="100000"/>
         </a:lnSpc>
@@ -4902,7 +5229,7 @@
           <a:spcPts val="0"/>
         </a:spcAft>
         <a:buNone/>
-        <a:defRPr b="0" i="0" sz="1400" u="none" cap="none" strike="noStrike">
+        <a:defRPr sz="1400" b="0" i="0" u="none" strike="noStrike" cap="none">
           <a:solidFill>
             <a:srgbClr val="000000"/>
           </a:solidFill>
@@ -4912,7 +5239,7 @@
           <a:sym typeface="Arial"/>
         </a:defRPr>
       </a:lvl1pPr>
-      <a:lvl2pPr lvl="1" marR="0" rtl="0" algn="l">
+      <a:lvl2pPr marR="0" lvl="1" algn="l" rtl="0">
         <a:lnSpc>
           <a:spcPct val="100000"/>
         </a:lnSpc>
@@ -4923,7 +5250,7 @@
           <a:spcPts val="0"/>
         </a:spcAft>
         <a:buNone/>
-        <a:defRPr b="0" i="0" sz="1400" u="none" cap="none" strike="noStrike">
+        <a:defRPr sz="1400" b="0" i="0" u="none" strike="noStrike" cap="none">
           <a:solidFill>
             <a:srgbClr val="000000"/>
           </a:solidFill>
@@ -4933,7 +5260,7 @@
           <a:sym typeface="Arial"/>
         </a:defRPr>
       </a:lvl2pPr>
-      <a:lvl3pPr lvl="2" marR="0" rtl="0" algn="l">
+      <a:lvl3pPr marR="0" lvl="2" algn="l" rtl="0">
         <a:lnSpc>
           <a:spcPct val="100000"/>
         </a:lnSpc>
@@ -4944,7 +5271,7 @@
           <a:spcPts val="0"/>
         </a:spcAft>
         <a:buNone/>
-        <a:defRPr b="0" i="0" sz="1400" u="none" cap="none" strike="noStrike">
+        <a:defRPr sz="1400" b="0" i="0" u="none" strike="noStrike" cap="none">
           <a:solidFill>
             <a:srgbClr val="000000"/>
           </a:solidFill>
@@ -4954,7 +5281,7 @@
           <a:sym typeface="Arial"/>
         </a:defRPr>
       </a:lvl3pPr>
-      <a:lvl4pPr lvl="3" marR="0" rtl="0" algn="l">
+      <a:lvl4pPr marR="0" lvl="3" algn="l" rtl="0">
         <a:lnSpc>
           <a:spcPct val="100000"/>
         </a:lnSpc>
@@ -4965,7 +5292,7 @@
           <a:spcPts val="0"/>
         </a:spcAft>
         <a:buNone/>
-        <a:defRPr b="0" i="0" sz="1400" u="none" cap="none" strike="noStrike">
+        <a:defRPr sz="1400" b="0" i="0" u="none" strike="noStrike" cap="none">
           <a:solidFill>
             <a:srgbClr val="000000"/>
           </a:solidFill>
@@ -4975,7 +5302,7 @@
           <a:sym typeface="Arial"/>
         </a:defRPr>
       </a:lvl4pPr>
-      <a:lvl5pPr lvl="4" marR="0" rtl="0" algn="l">
+      <a:lvl5pPr marR="0" lvl="4" algn="l" rtl="0">
         <a:lnSpc>
           <a:spcPct val="100000"/>
         </a:lnSpc>
@@ -4986,7 +5313,7 @@
           <a:spcPts val="0"/>
         </a:spcAft>
         <a:buNone/>
-        <a:defRPr b="0" i="0" sz="1400" u="none" cap="none" strike="noStrike">
+        <a:defRPr sz="1400" b="0" i="0" u="none" strike="noStrike" cap="none">
           <a:solidFill>
             <a:srgbClr val="000000"/>
           </a:solidFill>
@@ -4996,7 +5323,7 @@
           <a:sym typeface="Arial"/>
         </a:defRPr>
       </a:lvl5pPr>
-      <a:lvl6pPr lvl="5" marR="0" rtl="0" algn="l">
+      <a:lvl6pPr marR="0" lvl="5" algn="l" rtl="0">
         <a:lnSpc>
           <a:spcPct val="100000"/>
         </a:lnSpc>
@@ -5007,7 +5334,7 @@
           <a:spcPts val="0"/>
         </a:spcAft>
         <a:buNone/>
-        <a:defRPr b="0" i="0" sz="1400" u="none" cap="none" strike="noStrike">
+        <a:defRPr sz="1400" b="0" i="0" u="none" strike="noStrike" cap="none">
           <a:solidFill>
             <a:srgbClr val="000000"/>
           </a:solidFill>
@@ -5017,7 +5344,7 @@
           <a:sym typeface="Arial"/>
         </a:defRPr>
       </a:lvl6pPr>
-      <a:lvl7pPr lvl="6" marR="0" rtl="0" algn="l">
+      <a:lvl7pPr marR="0" lvl="6" algn="l" rtl="0">
         <a:lnSpc>
           <a:spcPct val="100000"/>
         </a:lnSpc>
@@ -5028,7 +5355,7 @@
           <a:spcPts val="0"/>
         </a:spcAft>
         <a:buNone/>
-        <a:defRPr b="0" i="0" sz="1400" u="none" cap="none" strike="noStrike">
+        <a:defRPr sz="1400" b="0" i="0" u="none" strike="noStrike" cap="none">
           <a:solidFill>
             <a:srgbClr val="000000"/>
           </a:solidFill>
@@ -5038,7 +5365,7 @@
           <a:sym typeface="Arial"/>
         </a:defRPr>
       </a:lvl7pPr>
-      <a:lvl8pPr lvl="7" marR="0" rtl="0" algn="l">
+      <a:lvl8pPr marR="0" lvl="7" algn="l" rtl="0">
         <a:lnSpc>
           <a:spcPct val="100000"/>
         </a:lnSpc>
@@ -5049,7 +5376,7 @@
           <a:spcPts val="0"/>
         </a:spcAft>
         <a:buNone/>
-        <a:defRPr b="0" i="0" sz="1400" u="none" cap="none" strike="noStrike">
+        <a:defRPr sz="1400" b="0" i="0" u="none" strike="noStrike" cap="none">
           <a:solidFill>
             <a:srgbClr val="000000"/>
           </a:solidFill>
@@ -5059,7 +5386,7 @@
           <a:sym typeface="Arial"/>
         </a:defRPr>
       </a:lvl8pPr>
-      <a:lvl9pPr lvl="8" marR="0" rtl="0" algn="l">
+      <a:lvl9pPr marR="0" lvl="8" algn="l" rtl="0">
         <a:lnSpc>
           <a:spcPct val="100000"/>
         </a:lnSpc>
@@ -5070,7 +5397,7 @@
           <a:spcPts val="0"/>
         </a:spcAft>
         <a:buNone/>
-        <a:defRPr b="0" i="0" sz="1400" u="none" cap="none" strike="noStrike">
+        <a:defRPr sz="1400" b="0" i="0" u="none" strike="noStrike" cap="none">
           <a:solidFill>
             <a:srgbClr val="000000"/>
           </a:solidFill>
@@ -5086,11 +5413,11 @@
 </file>
 
 <file path=ppt/slides/slide1.xml><?xml version="1.0" encoding="utf-8"?>
-<p:sld xmlns:a="http://schemas.openxmlformats.org/drawingml/2006/main" xmlns:r="http://schemas.openxmlformats.org/officeDocument/2006/relationships" xmlns:mc="http://schemas.openxmlformats.org/markup-compatibility/2006" xmlns:mv="urn:schemas-microsoft-com:mac:vml" xmlns:p="http://schemas.openxmlformats.org/presentationml/2006/main" xmlns:c="http://schemas.openxmlformats.org/drawingml/2006/chart" xmlns:dgm="http://schemas.openxmlformats.org/drawingml/2006/diagram" xmlns:o="urn:schemas-microsoft-com:office:office" xmlns:v="urn:schemas-microsoft-com:vml" xmlns:pvml="urn:schemas-microsoft-com:office:powerpoint" xmlns:com="http://schemas.openxmlformats.org/drawingml/2006/compatibility" xmlns:p14="http://schemas.microsoft.com/office/powerpoint/2010/main">
+<p:sld xmlns:a="http://schemas.openxmlformats.org/drawingml/2006/main" xmlns:r="http://schemas.openxmlformats.org/officeDocument/2006/relationships" xmlns:p="http://schemas.openxmlformats.org/presentationml/2006/main">
   <p:cSld>
     <p:spTree>
       <p:nvGrpSpPr>
-        <p:cNvPr id="61" name="Shape 61"/>
+        <p:cNvPr id="1" name="Shape 61"/>
         <p:cNvGrpSpPr/>
         <p:nvPr/>
       </p:nvGrpSpPr>
@@ -5105,7 +5432,9 @@
       <p:sp>
         <p:nvSpPr>
           <p:cNvPr id="62" name="Shape 62"/>
-          <p:cNvSpPr txBox="1"/>
+          <p:cNvSpPr txBox="1">
+            <a:spLocks noGrp="1"/>
+          </p:cNvSpPr>
           <p:nvPr>
             <p:ph type="ctrTitle"/>
           </p:nvPr>
@@ -5123,7 +5452,7 @@
           </a:ln>
         </p:spPr>
         <p:txBody>
-          <a:bodyPr anchorCtr="0" anchor="b" bIns="91425" lIns="91425" rIns="91425" tIns="91425">
+          <a:bodyPr lIns="91425" tIns="91425" rIns="91425" bIns="91425" anchor="b" anchorCtr="0">
             <a:noAutofit/>
           </a:bodyPr>
           <a:lstStyle/>
@@ -5135,23 +5464,30 @@
               <a:buNone/>
             </a:pPr>
             <a:r>
-              <a:rPr lang="bg" u="sng">
-                <a:solidFill>
-                  <a:srgbClr val="EFEFEF"/>
-                </a:solidFill>
-                <a:hlinkClick r:id="rId3"/>
+              <a:rPr lang="bg" u="sng" dirty="0">
+                <a:solidFill>
+                  <a:schemeClr val="bg1"/>
+                </a:solidFill>
               </a:rPr>
               <a:t>БГ мама наръчник</a:t>
             </a:r>
+            <a:endParaRPr lang="bg" u="sng" dirty="0">
+              <a:solidFill>
+                <a:schemeClr val="bg1"/>
+              </a:solidFill>
+              <a:hlinkClick r:id="rId3"/>
+            </a:endParaRPr>
           </a:p>
         </p:txBody>
       </p:sp>
       <p:sp>
         <p:nvSpPr>
           <p:cNvPr id="63" name="Shape 63"/>
-          <p:cNvSpPr txBox="1"/>
+          <p:cNvSpPr txBox="1">
+            <a:spLocks noGrp="1"/>
+          </p:cNvSpPr>
           <p:nvPr>
-            <p:ph idx="1" type="subTitle"/>
+            <p:ph type="subTitle" idx="1"/>
           </p:nvPr>
         </p:nvSpPr>
         <p:spPr>
@@ -5164,19 +5500,19 @@
           </a:prstGeom>
         </p:spPr>
         <p:txBody>
-          <a:bodyPr anchorCtr="0" anchor="ctr" bIns="91425" lIns="91425" rIns="91425" tIns="91425">
+          <a:bodyPr lIns="91425" tIns="91425" rIns="91425" bIns="91425" anchor="ctr" anchorCtr="0">
             <a:noAutofit/>
           </a:bodyPr>
           <a:lstStyle/>
           <a:p>
-            <a:pPr lvl="0" rtl="0" algn="r">
-              <a:spcBef>
-                <a:spcPts val="0"/>
-              </a:spcBef>
-              <a:buNone/>
-            </a:pPr>
-            <a:r>
-              <a:rPr i="1" lang="bg" sz="2400"/>
+            <a:pPr lvl="0" algn="r" rtl="0">
+              <a:spcBef>
+                <a:spcPts val="0"/>
+              </a:spcBef>
+              <a:buNone/>
+            </a:pPr>
+            <a:r>
+              <a:rPr lang="bg" sz="2400" i="1"/>
               <a:t>Сияна Славова, </a:t>
             </a:r>
           </a:p>
@@ -5188,7 +5524,7 @@
               <a:buNone/>
             </a:pPr>
             <a:r>
-              <a:rPr i="1" lang="bg" sz="2400"/>
+              <a:rPr lang="bg" sz="2400" i="1"/>
               <a:t>Иван Капукаранов</a:t>
             </a:r>
           </a:p>
@@ -5202,15 +5538,22 @@
   <p:transition spd="slow">
     <p:cut/>
   </p:transition>
+  <p:timing>
+    <p:tnLst>
+      <p:par>
+        <p:cTn id="1" dur="indefinite" restart="never" nodeType="tmRoot"/>
+      </p:par>
+    </p:tnLst>
+  </p:timing>
 </p:sld>
 </file>
 
 <file path=ppt/slides/slide2.xml><?xml version="1.0" encoding="utf-8"?>
-<p:sld xmlns:a="http://schemas.openxmlformats.org/drawingml/2006/main" xmlns:r="http://schemas.openxmlformats.org/officeDocument/2006/relationships" xmlns:mc="http://schemas.openxmlformats.org/markup-compatibility/2006" xmlns:mv="urn:schemas-microsoft-com:mac:vml" xmlns:p="http://schemas.openxmlformats.org/presentationml/2006/main" xmlns:c="http://schemas.openxmlformats.org/drawingml/2006/chart" xmlns:dgm="http://schemas.openxmlformats.org/drawingml/2006/diagram" xmlns:o="urn:schemas-microsoft-com:office:office" xmlns:v="urn:schemas-microsoft-com:vml" xmlns:pvml="urn:schemas-microsoft-com:office:powerpoint" xmlns:com="http://schemas.openxmlformats.org/drawingml/2006/compatibility" xmlns:p14="http://schemas.microsoft.com/office/powerpoint/2010/main">
+<p:sld xmlns:a="http://schemas.openxmlformats.org/drawingml/2006/main" xmlns:r="http://schemas.openxmlformats.org/officeDocument/2006/relationships" xmlns:p="http://schemas.openxmlformats.org/presentationml/2006/main">
   <p:cSld>
     <p:spTree>
       <p:nvGrpSpPr>
-        <p:cNvPr id="67" name="Shape 67"/>
+        <p:cNvPr id="1" name="Shape 67"/>
         <p:cNvGrpSpPr/>
         <p:nvPr/>
       </p:nvGrpSpPr>
@@ -5225,7 +5568,9 @@
       <p:sp>
         <p:nvSpPr>
           <p:cNvPr id="68" name="Shape 68"/>
-          <p:cNvSpPr txBox="1"/>
+          <p:cNvSpPr txBox="1">
+            <a:spLocks noGrp="1"/>
+          </p:cNvSpPr>
           <p:nvPr>
             <p:ph type="title"/>
           </p:nvPr>
@@ -5240,7 +5585,7 @@
           </a:prstGeom>
         </p:spPr>
         <p:txBody>
-          <a:bodyPr anchorCtr="0" anchor="b" bIns="91425" lIns="91425" rIns="91425" tIns="91425">
+          <a:bodyPr lIns="91425" tIns="91425" rIns="91425" bIns="91425" anchor="b" anchorCtr="0">
             <a:noAutofit/>
           </a:bodyPr>
           <a:lstStyle/>
@@ -5261,9 +5606,11 @@
       <p:sp>
         <p:nvSpPr>
           <p:cNvPr id="69" name="Shape 69"/>
-          <p:cNvSpPr txBox="1"/>
+          <p:cNvSpPr txBox="1">
+            <a:spLocks noGrp="1"/>
+          </p:cNvSpPr>
           <p:nvPr>
-            <p:ph idx="2" type="body"/>
+            <p:ph type="body" idx="2"/>
           </p:nvPr>
         </p:nvSpPr>
         <p:spPr>
@@ -5276,7 +5623,7 @@
           </a:prstGeom>
         </p:spPr>
         <p:txBody>
-          <a:bodyPr anchorCtr="0" anchor="ctr" bIns="91425" lIns="91425" rIns="91425" tIns="91425">
+          <a:bodyPr lIns="91425" tIns="91425" rIns="91425" bIns="91425" anchor="ctr" anchorCtr="0">
             <a:noAutofit/>
           </a:bodyPr>
           <a:lstStyle/>
@@ -5318,12 +5665,12 @@
           </a:ln>
         </p:spPr>
         <p:txBody>
-          <a:bodyPr anchorCtr="0" anchor="ctr" bIns="91425" lIns="91425" rIns="91425" tIns="91425">
+          <a:bodyPr lIns="91425" tIns="91425" rIns="91425" bIns="91425" anchor="ctr" anchorCtr="0">
             <a:noAutofit/>
           </a:bodyPr>
           <a:lstStyle/>
           <a:p>
-            <a:pPr indent="-349250" lvl="0" marL="457200" marR="0" rtl="0" algn="ctr">
+            <a:pPr marL="457200" marR="0" lvl="0" indent="-349250" algn="ctr" rtl="0">
               <a:lnSpc>
                 <a:spcPct val="100000"/>
               </a:lnSpc>
@@ -5354,7 +5701,7 @@
             </a:r>
           </a:p>
           <a:p>
-            <a:pPr indent="-349250" lvl="0" marL="457200" marR="0" rtl="0" algn="ctr">
+            <a:pPr marL="457200" marR="0" lvl="0" indent="-349250" algn="ctr" rtl="0">
               <a:lnSpc>
                 <a:spcPct val="100000"/>
               </a:lnSpc>
@@ -5385,7 +5732,7 @@
             </a:r>
           </a:p>
           <a:p>
-            <a:pPr indent="-349250" lvl="0" marL="457200" marR="0" rtl="0" algn="ctr">
+            <a:pPr marL="457200" marR="0" lvl="0" indent="-349250" algn="ctr" rtl="0">
               <a:lnSpc>
                 <a:spcPct val="100000"/>
               </a:lnSpc>
@@ -5416,7 +5763,7 @@
             </a:r>
           </a:p>
           <a:p>
-            <a:pPr indent="-349250" lvl="0" marL="457200" marR="0" rtl="0" algn="ctr">
+            <a:pPr marL="457200" marR="0" lvl="0" indent="-349250" algn="ctr" rtl="0">
               <a:lnSpc>
                 <a:spcPct val="100000"/>
               </a:lnSpc>
@@ -5465,30 +5812,30 @@
           <a:solidFill>
             <a:srgbClr val="F3F3F3"/>
           </a:solidFill>
-          <a:ln cap="flat" cmpd="sng" w="9525">
+          <a:ln w="9525" cap="flat" cmpd="sng">
             <a:solidFill>
               <a:srgbClr val="B7B7B7"/>
             </a:solidFill>
             <a:prstDash val="solid"/>
             <a:round/>
-            <a:headEnd len="med" w="med" type="none"/>
-            <a:tailEnd len="med" w="med" type="none"/>
+            <a:headEnd type="none" w="med" len="med"/>
+            <a:tailEnd type="none" w="med" len="med"/>
           </a:ln>
         </p:spPr>
         <p:txBody>
-          <a:bodyPr anchorCtr="0" anchor="ctr" bIns="91425" lIns="91425" rIns="91425" tIns="91425">
+          <a:bodyPr lIns="91425" tIns="91425" rIns="91425" bIns="91425" anchor="ctr" anchorCtr="0">
             <a:noAutofit/>
           </a:bodyPr>
           <a:lstStyle/>
           <a:p>
-            <a:pPr lvl="0" rtl="0" algn="ctr">
-              <a:spcBef>
-                <a:spcPts val="0"/>
-              </a:spcBef>
-              <a:buNone/>
-            </a:pPr>
-            <a:r>
-              <a:rPr b="1" lang="bg" sz="1800">
+            <a:pPr lvl="0" algn="ctr" rtl="0">
+              <a:spcBef>
+                <a:spcPts val="0"/>
+              </a:spcBef>
+              <a:buNone/>
+            </a:pPr>
+            <a:r>
+              <a:rPr lang="bg" sz="1800" b="1">
                 <a:solidFill>
                   <a:srgbClr val="434343"/>
                 </a:solidFill>
@@ -5515,30 +5862,30 @@
           <a:solidFill>
             <a:srgbClr val="F3F3F3"/>
           </a:solidFill>
-          <a:ln cap="flat" cmpd="sng" w="9525">
+          <a:ln w="9525" cap="flat" cmpd="sng">
             <a:solidFill>
               <a:srgbClr val="B7B7B7"/>
             </a:solidFill>
             <a:prstDash val="solid"/>
             <a:round/>
-            <a:headEnd len="med" w="med" type="none"/>
-            <a:tailEnd len="med" w="med" type="none"/>
+            <a:headEnd type="none" w="med" len="med"/>
+            <a:tailEnd type="none" w="med" len="med"/>
           </a:ln>
         </p:spPr>
         <p:txBody>
-          <a:bodyPr anchorCtr="0" anchor="ctr" bIns="91425" lIns="91425" rIns="91425" tIns="91425">
+          <a:bodyPr lIns="91425" tIns="91425" rIns="91425" bIns="91425" anchor="ctr" anchorCtr="0">
             <a:noAutofit/>
           </a:bodyPr>
           <a:lstStyle/>
           <a:p>
-            <a:pPr lvl="0" rtl="0" algn="ctr">
-              <a:spcBef>
-                <a:spcPts val="0"/>
-              </a:spcBef>
-              <a:buNone/>
-            </a:pPr>
-            <a:r>
-              <a:rPr b="1" lang="bg" sz="1800">
+            <a:pPr lvl="0" algn="ctr" rtl="0">
+              <a:spcBef>
+                <a:spcPts val="0"/>
+              </a:spcBef>
+              <a:buNone/>
+            </a:pPr>
+            <a:r>
+              <a:rPr lang="bg" sz="1800" b="1">
                 <a:solidFill>
                   <a:srgbClr val="434343"/>
                 </a:solidFill>
@@ -5556,15 +5903,22 @@
   <p:transition spd="slow">
     <p:cut/>
   </p:transition>
+  <p:timing>
+    <p:tnLst>
+      <p:par>
+        <p:cTn id="1" dur="indefinite" restart="never" nodeType="tmRoot"/>
+      </p:par>
+    </p:tnLst>
+  </p:timing>
 </p:sld>
 </file>
 
 <file path=ppt/slides/slide3.xml><?xml version="1.0" encoding="utf-8"?>
-<p:sld xmlns:a="http://schemas.openxmlformats.org/drawingml/2006/main" xmlns:r="http://schemas.openxmlformats.org/officeDocument/2006/relationships" xmlns:mc="http://schemas.openxmlformats.org/markup-compatibility/2006" xmlns:mv="urn:schemas-microsoft-com:mac:vml" xmlns:p="http://schemas.openxmlformats.org/presentationml/2006/main" xmlns:c="http://schemas.openxmlformats.org/drawingml/2006/chart" xmlns:dgm="http://schemas.openxmlformats.org/drawingml/2006/diagram" xmlns:o="urn:schemas-microsoft-com:office:office" xmlns:v="urn:schemas-microsoft-com:vml" xmlns:pvml="urn:schemas-microsoft-com:office:powerpoint" xmlns:com="http://schemas.openxmlformats.org/drawingml/2006/compatibility" xmlns:p14="http://schemas.microsoft.com/office/powerpoint/2010/main">
+<p:sld xmlns:a="http://schemas.openxmlformats.org/drawingml/2006/main" xmlns:r="http://schemas.openxmlformats.org/officeDocument/2006/relationships" xmlns:p="http://schemas.openxmlformats.org/presentationml/2006/main">
   <p:cSld>
     <p:spTree>
       <p:nvGrpSpPr>
-        <p:cNvPr id="76" name="Shape 76"/>
+        <p:cNvPr id="1" name="Shape 76"/>
         <p:cNvGrpSpPr/>
         <p:nvPr/>
       </p:nvGrpSpPr>
@@ -5579,7 +5933,9 @@
       <p:sp>
         <p:nvSpPr>
           <p:cNvPr id="77" name="Shape 77"/>
-          <p:cNvSpPr txBox="1"/>
+          <p:cNvSpPr txBox="1">
+            <a:spLocks noGrp="1"/>
+          </p:cNvSpPr>
           <p:nvPr>
             <p:ph type="title"/>
           </p:nvPr>
@@ -5594,7 +5950,7 @@
           </a:prstGeom>
         </p:spPr>
         <p:txBody>
-          <a:bodyPr anchorCtr="0" anchor="ctr" bIns="91425" lIns="91425" rIns="91425" tIns="91425">
+          <a:bodyPr lIns="91425" tIns="91425" rIns="91425" bIns="91425" anchor="ctr" anchorCtr="0">
             <a:noAutofit/>
           </a:bodyPr>
           <a:lstStyle/>
@@ -5634,12 +5990,12 @@
           </a:ln>
         </p:spPr>
         <p:txBody>
-          <a:bodyPr anchorCtr="0" anchor="ctr" bIns="91425" lIns="91425" rIns="91425" tIns="91425">
+          <a:bodyPr lIns="91425" tIns="91425" rIns="91425" bIns="91425" anchor="ctr" anchorCtr="0">
             <a:noAutofit/>
           </a:bodyPr>
           <a:lstStyle/>
           <a:p>
-            <a:pPr lvl="0" rtl="0" algn="ctr">
+            <a:pPr lvl="0" algn="ctr" rtl="0">
               <a:spcBef>
                 <a:spcPts val="0"/>
               </a:spcBef>
@@ -5668,15 +6024,22 @@
   <p:transition spd="slow">
     <p:cut/>
   </p:transition>
+  <p:timing>
+    <p:tnLst>
+      <p:par>
+        <p:cTn id="1" dur="indefinite" restart="never" nodeType="tmRoot"/>
+      </p:par>
+    </p:tnLst>
+  </p:timing>
 </p:sld>
 </file>
 
 <file path=ppt/slides/slide4.xml><?xml version="1.0" encoding="utf-8"?>
-<p:sld xmlns:a="http://schemas.openxmlformats.org/drawingml/2006/main" xmlns:r="http://schemas.openxmlformats.org/officeDocument/2006/relationships" xmlns:mc="http://schemas.openxmlformats.org/markup-compatibility/2006" xmlns:mv="urn:schemas-microsoft-com:mac:vml" xmlns:p="http://schemas.openxmlformats.org/presentationml/2006/main" xmlns:c="http://schemas.openxmlformats.org/drawingml/2006/chart" xmlns:dgm="http://schemas.openxmlformats.org/drawingml/2006/diagram" xmlns:o="urn:schemas-microsoft-com:office:office" xmlns:v="urn:schemas-microsoft-com:vml" xmlns:pvml="urn:schemas-microsoft-com:office:powerpoint" xmlns:com="http://schemas.openxmlformats.org/drawingml/2006/compatibility" xmlns:p14="http://schemas.microsoft.com/office/powerpoint/2010/main">
+<p:sld xmlns:a="http://schemas.openxmlformats.org/drawingml/2006/main" xmlns:r="http://schemas.openxmlformats.org/officeDocument/2006/relationships" xmlns:p="http://schemas.openxmlformats.org/presentationml/2006/main">
   <p:cSld>
     <p:spTree>
       <p:nvGrpSpPr>
-        <p:cNvPr id="82" name="Shape 82"/>
+        <p:cNvPr id="1" name="Shape 82"/>
         <p:cNvGrpSpPr/>
         <p:nvPr/>
       </p:nvGrpSpPr>
@@ -5691,7 +6054,9 @@
       <p:sp>
         <p:nvSpPr>
           <p:cNvPr id="83" name="Shape 83"/>
-          <p:cNvSpPr txBox="1"/>
+          <p:cNvSpPr txBox="1">
+            <a:spLocks noGrp="1"/>
+          </p:cNvSpPr>
           <p:nvPr>
             <p:ph type="title"/>
           </p:nvPr>
@@ -5706,7 +6071,7 @@
           </a:prstGeom>
         </p:spPr>
         <p:txBody>
-          <a:bodyPr anchorCtr="0" anchor="b" bIns="91425" lIns="91425" rIns="91425" tIns="91425">
+          <a:bodyPr lIns="91425" tIns="91425" rIns="91425" bIns="91425" anchor="b" anchorCtr="0">
             <a:noAutofit/>
           </a:bodyPr>
           <a:lstStyle/>
@@ -5727,9 +6092,11 @@
       <p:sp>
         <p:nvSpPr>
           <p:cNvPr id="84" name="Shape 84"/>
-          <p:cNvSpPr txBox="1"/>
+          <p:cNvSpPr txBox="1">
+            <a:spLocks noGrp="1"/>
+          </p:cNvSpPr>
           <p:nvPr>
-            <p:ph idx="1" type="body"/>
+            <p:ph type="body" idx="1"/>
           </p:nvPr>
         </p:nvSpPr>
         <p:spPr>
@@ -5742,127 +6109,187 @@
           </a:prstGeom>
         </p:spPr>
         <p:txBody>
-          <a:bodyPr anchorCtr="0" anchor="t" bIns="91425" lIns="91425" rIns="91425" tIns="91425">
+          <a:bodyPr lIns="91425" tIns="91425" rIns="91425" bIns="91425" anchor="t" anchorCtr="0">
             <a:noAutofit/>
           </a:bodyPr>
           <a:lstStyle/>
           <a:p>
-            <a:pPr indent="-228600" lvl="0" marL="457200" rtl="0">
-              <a:spcBef>
-                <a:spcPts val="0"/>
-              </a:spcBef>
+            <a:pPr marL="457200" lvl="0" indent="-228600" rtl="0">
+              <a:lnSpc>
+                <a:spcPct val="100000"/>
+              </a:lnSpc>
+              <a:spcBef>
+                <a:spcPts val="0"/>
+              </a:spcBef>
+              <a:spcAft>
+                <a:spcPts val="0"/>
+              </a:spcAft>
               <a:buChar char="●"/>
             </a:pPr>
             <a:r>
-              <a:rPr lang="bg"/>
+              <a:rPr lang="bg" sz="2000" dirty="0"/>
               <a:t>Обучение</a:t>
             </a:r>
           </a:p>
           <a:p>
-            <a:pPr indent="-228600" lvl="1" marL="914400" rtl="0">
-              <a:spcBef>
-                <a:spcPts val="0"/>
-              </a:spcBef>
+            <a:pPr marL="914400" lvl="1" indent="-228600" rtl="0">
+              <a:lnSpc>
+                <a:spcPct val="100000"/>
+              </a:lnSpc>
+              <a:spcBef>
+                <a:spcPts val="0"/>
+              </a:spcBef>
+              <a:spcAft>
+                <a:spcPts val="0"/>
+              </a:spcAft>
               <a:buChar char="○"/>
             </a:pPr>
             <a:r>
-              <a:rPr lang="bg"/>
+              <a:rPr lang="bg" sz="1600" dirty="0"/>
               <a:t>Формиране на речник - всички различни думи, срещани в множеството от обучаващите примери</a:t>
             </a:r>
           </a:p>
           <a:p>
-            <a:pPr indent="-228600" lvl="1" marL="914400" rtl="0">
-              <a:spcBef>
-                <a:spcPts val="0"/>
-              </a:spcBef>
+            <a:pPr marL="914400" lvl="1" indent="-228600" rtl="0">
+              <a:lnSpc>
+                <a:spcPct val="100000"/>
+              </a:lnSpc>
+              <a:spcBef>
+                <a:spcPts val="0"/>
+              </a:spcBef>
+              <a:spcAft>
+                <a:spcPts val="0"/>
+              </a:spcAft>
               <a:buChar char="○"/>
             </a:pPr>
             <a:r>
-              <a:rPr lang="bg"/>
+              <a:rPr lang="bg" sz="1600" dirty="0"/>
               <a:t>Изчисляване на вероятностите за:</a:t>
             </a:r>
           </a:p>
           <a:p>
-            <a:pPr indent="-228600" lvl="2" marL="1371600" rtl="0">
-              <a:spcBef>
-                <a:spcPts val="0"/>
-              </a:spcBef>
+            <a:pPr marL="1371600" lvl="2" indent="-228600" rtl="0">
+              <a:lnSpc>
+                <a:spcPct val="100000"/>
+              </a:lnSpc>
+              <a:spcBef>
+                <a:spcPts val="0"/>
+              </a:spcBef>
+              <a:spcAft>
+                <a:spcPts val="0"/>
+              </a:spcAft>
               <a:buChar char="■"/>
             </a:pPr>
             <a:r>
-              <a:rPr lang="bg"/>
+              <a:rPr lang="bg" sz="1600" dirty="0"/>
               <a:t>Положителен коментар</a:t>
             </a:r>
           </a:p>
           <a:p>
-            <a:pPr indent="-228600" lvl="2" marL="1371600" rtl="0">
-              <a:spcBef>
-                <a:spcPts val="0"/>
-              </a:spcBef>
+            <a:pPr marL="1371600" lvl="2" indent="-228600" rtl="0">
+              <a:lnSpc>
+                <a:spcPct val="100000"/>
+              </a:lnSpc>
+              <a:spcBef>
+                <a:spcPts val="0"/>
+              </a:spcBef>
+              <a:spcAft>
+                <a:spcPts val="0"/>
+              </a:spcAft>
               <a:buChar char="■"/>
             </a:pPr>
             <a:r>
-              <a:rPr lang="bg"/>
+              <a:rPr lang="bg" sz="1600" dirty="0"/>
               <a:t>Отрицателен коментар</a:t>
             </a:r>
           </a:p>
           <a:p>
-            <a:pPr indent="-228600" lvl="2" marL="1371600" rtl="0">
-              <a:spcBef>
-                <a:spcPts val="0"/>
-              </a:spcBef>
+            <a:pPr marL="1371600" lvl="2" indent="-228600" rtl="0">
+              <a:lnSpc>
+                <a:spcPct val="100000"/>
+              </a:lnSpc>
+              <a:spcBef>
+                <a:spcPts val="0"/>
+              </a:spcBef>
+              <a:spcAft>
+                <a:spcPts val="0"/>
+              </a:spcAft>
               <a:buChar char="■"/>
             </a:pPr>
             <a:r>
-              <a:rPr lang="bg"/>
+              <a:rPr lang="bg" sz="1600" dirty="0"/>
               <a:t>Вероятността за поредната думи, при условие че класът е положителен</a:t>
             </a:r>
           </a:p>
           <a:p>
-            <a:pPr indent="-228600" lvl="2" marL="1371600" rtl="0">
-              <a:spcBef>
-                <a:spcPts val="0"/>
-              </a:spcBef>
+            <a:pPr marL="1371600" lvl="2" indent="-228600" rtl="0">
+              <a:lnSpc>
+                <a:spcPct val="100000"/>
+              </a:lnSpc>
+              <a:spcBef>
+                <a:spcPts val="0"/>
+              </a:spcBef>
+              <a:spcAft>
+                <a:spcPts val="0"/>
+              </a:spcAft>
               <a:buChar char="■"/>
             </a:pPr>
             <a:r>
-              <a:rPr lang="bg"/>
+              <a:rPr lang="bg" sz="1600" dirty="0"/>
               <a:t>Вероятността за поредната дума, при условие че класът е отрицателен</a:t>
             </a:r>
           </a:p>
           <a:p>
-            <a:pPr indent="-228600" lvl="0" marL="457200" rtl="0">
-              <a:spcBef>
-                <a:spcPts val="0"/>
-              </a:spcBef>
+            <a:pPr marL="457200" lvl="0" indent="-228600" rtl="0">
+              <a:lnSpc>
+                <a:spcPct val="100000"/>
+              </a:lnSpc>
+              <a:spcBef>
+                <a:spcPts val="0"/>
+              </a:spcBef>
+              <a:spcAft>
+                <a:spcPts val="0"/>
+              </a:spcAft>
               <a:buChar char="●"/>
             </a:pPr>
             <a:r>
-              <a:rPr lang="bg"/>
+              <a:rPr lang="bg" sz="2000" dirty="0"/>
               <a:t>Класификация</a:t>
             </a:r>
           </a:p>
           <a:p>
-            <a:pPr indent="-228600" lvl="1" marL="914400" rtl="0">
-              <a:spcBef>
-                <a:spcPts val="0"/>
-              </a:spcBef>
+            <a:pPr marL="914400" lvl="1" indent="-228600" rtl="0">
+              <a:lnSpc>
+                <a:spcPct val="100000"/>
+              </a:lnSpc>
+              <a:spcBef>
+                <a:spcPts val="0"/>
+              </a:spcBef>
+              <a:spcAft>
+                <a:spcPts val="0"/>
+              </a:spcAft>
               <a:buChar char="○"/>
             </a:pPr>
             <a:r>
-              <a:rPr lang="bg"/>
+              <a:rPr lang="bg" sz="1600" dirty="0"/>
               <a:t>Формиране на сет с позиции на всички думи от коментара за класифициране, които се срещат в речника.</a:t>
             </a:r>
           </a:p>
           <a:p>
-            <a:pPr indent="-228600" lvl="1" marL="914400">
-              <a:spcBef>
-                <a:spcPts val="0"/>
-              </a:spcBef>
+            <a:pPr marL="914400" lvl="1" indent="-228600">
+              <a:lnSpc>
+                <a:spcPct val="100000"/>
+              </a:lnSpc>
+              <a:spcBef>
+                <a:spcPts val="0"/>
+              </a:spcBef>
+              <a:spcAft>
+                <a:spcPts val="0"/>
+              </a:spcAft>
               <a:buChar char="○"/>
             </a:pPr>
             <a:r>
-              <a:rPr lang="bg"/>
+              <a:rPr lang="bg" sz="1600" dirty="0"/>
               <a:t>Връщане на максимално възможната хипотеза</a:t>
             </a:r>
           </a:p>
@@ -5876,15 +6303,22 @@
   <p:transition spd="slow">
     <p:cut/>
   </p:transition>
+  <p:timing>
+    <p:tnLst>
+      <p:par>
+        <p:cTn id="1" dur="indefinite" restart="never" nodeType="tmRoot"/>
+      </p:par>
+    </p:tnLst>
+  </p:timing>
 </p:sld>
 </file>
 
 <file path=ppt/slides/slide5.xml><?xml version="1.0" encoding="utf-8"?>
-<p:sld xmlns:a="http://schemas.openxmlformats.org/drawingml/2006/main" xmlns:r="http://schemas.openxmlformats.org/officeDocument/2006/relationships" xmlns:mc="http://schemas.openxmlformats.org/markup-compatibility/2006" xmlns:mv="urn:schemas-microsoft-com:mac:vml" xmlns:p="http://schemas.openxmlformats.org/presentationml/2006/main" xmlns:c="http://schemas.openxmlformats.org/drawingml/2006/chart" xmlns:dgm="http://schemas.openxmlformats.org/drawingml/2006/diagram" xmlns:o="urn:schemas-microsoft-com:office:office" xmlns:v="urn:schemas-microsoft-com:vml" xmlns:pvml="urn:schemas-microsoft-com:office:powerpoint" xmlns:com="http://schemas.openxmlformats.org/drawingml/2006/compatibility" xmlns:p14="http://schemas.microsoft.com/office/powerpoint/2010/main">
+<p:sld xmlns:a="http://schemas.openxmlformats.org/drawingml/2006/main" xmlns:r="http://schemas.openxmlformats.org/officeDocument/2006/relationships" xmlns:p="http://schemas.openxmlformats.org/presentationml/2006/main">
   <p:cSld>
     <p:spTree>
       <p:nvGrpSpPr>
-        <p:cNvPr id="88" name="Shape 88"/>
+        <p:cNvPr id="1" name="Shape 88"/>
         <p:cNvGrpSpPr/>
         <p:nvPr/>
       </p:nvGrpSpPr>
@@ -5899,7 +6333,9 @@
       <p:sp>
         <p:nvSpPr>
           <p:cNvPr id="89" name="Shape 89"/>
-          <p:cNvSpPr txBox="1"/>
+          <p:cNvSpPr txBox="1">
+            <a:spLocks noGrp="1"/>
+          </p:cNvSpPr>
           <p:nvPr>
             <p:ph type="title"/>
           </p:nvPr>
@@ -5914,12 +6350,12 @@
           </a:prstGeom>
         </p:spPr>
         <p:txBody>
-          <a:bodyPr anchorCtr="0" anchor="b" bIns="91425" lIns="91425" rIns="91425" tIns="91425">
+          <a:bodyPr lIns="91425" tIns="91425" rIns="91425" bIns="91425" anchor="b" anchorCtr="0">
             <a:noAutofit/>
           </a:bodyPr>
           <a:lstStyle/>
           <a:p>
-            <a:pPr indent="0" lvl="0" marL="0" rtl="0">
+            <a:pPr marL="0" lvl="0" indent="0" rtl="0">
               <a:spcBef>
                 <a:spcPts val="0"/>
               </a:spcBef>
@@ -5935,9 +6371,11 @@
       <p:sp>
         <p:nvSpPr>
           <p:cNvPr id="90" name="Shape 90"/>
-          <p:cNvSpPr txBox="1"/>
+          <p:cNvSpPr txBox="1">
+            <a:spLocks noGrp="1"/>
+          </p:cNvSpPr>
           <p:nvPr>
-            <p:ph idx="1" type="body"/>
+            <p:ph type="body" idx="1"/>
           </p:nvPr>
         </p:nvSpPr>
         <p:spPr>
@@ -5954,12 +6392,12 @@
           </a:ln>
         </p:spPr>
         <p:txBody>
-          <a:bodyPr anchorCtr="0" anchor="t" bIns="91425" lIns="91425" rIns="91425" tIns="91425">
+          <a:bodyPr lIns="91425" tIns="91425" rIns="91425" bIns="91425" anchor="t" anchorCtr="0">
             <a:noAutofit/>
           </a:bodyPr>
           <a:lstStyle/>
           <a:p>
-            <a:pPr indent="-228600" lvl="0" marL="457200" marR="0" rtl="0">
+            <a:pPr marL="457200" marR="0" lvl="0" indent="-228600" rtl="0">
               <a:lnSpc>
                 <a:spcPct val="100000"/>
               </a:lnSpc>
@@ -5976,7 +6414,7 @@
               <a:buChar char="●"/>
             </a:pPr>
             <a:r>
-              <a:rPr lang="bg">
+              <a:rPr lang="bg" dirty="0">
                 <a:solidFill>
                   <a:srgbClr val="434343"/>
                 </a:solidFill>
@@ -5989,7 +6427,7 @@
             </a:r>
           </a:p>
           <a:p>
-            <a:pPr indent="-228600" lvl="0" marL="457200" marR="0" rtl="0">
+            <a:pPr marL="457200" marR="0" lvl="0" indent="-228600" rtl="0">
               <a:lnSpc>
                 <a:spcPct val="100000"/>
               </a:lnSpc>
@@ -6006,7 +6444,7 @@
               <a:buChar char="●"/>
             </a:pPr>
             <a:r>
-              <a:rPr lang="bg">
+              <a:rPr lang="bg" dirty="0">
                 <a:solidFill>
                   <a:srgbClr val="434343"/>
                 </a:solidFill>
@@ -6019,7 +6457,7 @@
             </a:r>
           </a:p>
           <a:p>
-            <a:pPr indent="-228600" lvl="0" marL="457200" marR="0" rtl="0">
+            <a:pPr marL="457200" marR="0" lvl="0" indent="-228600" rtl="0">
               <a:lnSpc>
                 <a:spcPct val="100000"/>
               </a:lnSpc>
@@ -6036,7 +6474,7 @@
               <a:buChar char="●"/>
             </a:pPr>
             <a:r>
-              <a:rPr lang="bg">
+              <a:rPr lang="bg" dirty="0">
                 <a:solidFill>
                   <a:srgbClr val="434343"/>
                 </a:solidFill>
@@ -6049,7 +6487,7 @@
             </a:r>
           </a:p>
           <a:p>
-            <a:pPr lvl="0" marR="0" rtl="0">
+            <a:pPr marR="0" lvl="0" rtl="0">
               <a:lnSpc>
                 <a:spcPct val="100000"/>
               </a:lnSpc>
@@ -6061,10 +6499,7 @@
               </a:spcAft>
               <a:buNone/>
             </a:pPr>
-            <a:r>
-              <a:t/>
-            </a:r>
-            <a:endParaRPr>
+            <a:endParaRPr dirty="0">
               <a:solidFill>
                 <a:srgbClr val="434343"/>
               </a:solidFill>
@@ -6075,7 +6510,7 @@
             </a:endParaRPr>
           </a:p>
           <a:p>
-            <a:pPr lvl="0" marR="0" rtl="0">
+            <a:pPr marR="0" lvl="0" rtl="0">
               <a:lnSpc>
                 <a:spcPct val="100000"/>
               </a:lnSpc>
@@ -6087,10 +6522,7 @@
               </a:spcAft>
               <a:buNone/>
             </a:pPr>
-            <a:r>
-              <a:t/>
-            </a:r>
-            <a:endParaRPr>
+            <a:endParaRPr dirty="0">
               <a:solidFill>
                 <a:srgbClr val="434343"/>
               </a:solidFill>
@@ -6101,7 +6533,7 @@
             </a:endParaRPr>
           </a:p>
           <a:p>
-            <a:pPr lvl="0" marR="0" rtl="0">
+            <a:pPr marR="0" lvl="0" rtl="0">
               <a:lnSpc>
                 <a:spcPct val="100000"/>
               </a:lnSpc>
@@ -6113,10 +6545,7 @@
               </a:spcAft>
               <a:buNone/>
             </a:pPr>
-            <a:r>
-              <a:t/>
-            </a:r>
-            <a:endParaRPr>
+            <a:endParaRPr dirty="0">
               <a:solidFill>
                 <a:srgbClr val="434343"/>
               </a:solidFill>
@@ -6127,7 +6556,7 @@
             </a:endParaRPr>
           </a:p>
           <a:p>
-            <a:pPr lvl="0" marR="0" rtl="0">
+            <a:pPr marR="0" lvl="0" rtl="0">
               <a:lnSpc>
                 <a:spcPct val="100000"/>
               </a:lnSpc>
@@ -6139,10 +6568,7 @@
               </a:spcAft>
               <a:buNone/>
             </a:pPr>
-            <a:r>
-              <a:t/>
-            </a:r>
-            <a:endParaRPr>
+            <a:endParaRPr dirty="0">
               <a:solidFill>
                 <a:srgbClr val="434343"/>
               </a:solidFill>
@@ -6153,7 +6579,7 @@
             </a:endParaRPr>
           </a:p>
           <a:p>
-            <a:pPr lvl="0" marR="0" rtl="0" algn="r">
+            <a:pPr marR="0" lvl="0" algn="r" rtl="0">
               <a:lnSpc>
                 <a:spcPct val="100000"/>
               </a:lnSpc>
@@ -6165,10 +6591,7 @@
               </a:spcAft>
               <a:buNone/>
             </a:pPr>
-            <a:r>
-              <a:t/>
-            </a:r>
-            <a:endParaRPr i="1">
+            <a:endParaRPr i="1" dirty="0">
               <a:solidFill>
                 <a:srgbClr val="434343"/>
               </a:solidFill>
@@ -6179,7 +6602,7 @@
             </a:endParaRPr>
           </a:p>
           <a:p>
-            <a:pPr lvl="0" rtl="0" algn="r">
+            <a:pPr lvl="0" algn="r" rtl="0">
               <a:spcBef>
                 <a:spcPts val="0"/>
               </a:spcBef>
@@ -6188,10 +6611,7 @@
               </a:spcAft>
               <a:buNone/>
             </a:pPr>
-            <a:r>
-              <a:t/>
-            </a:r>
-            <a:endParaRPr i="1" sz="1050">
+            <a:endParaRPr sz="1050" i="1" dirty="0">
               <a:solidFill>
                 <a:srgbClr val="000000"/>
               </a:solidFill>
@@ -6205,7 +6625,7 @@
             </a:endParaRPr>
           </a:p>
           <a:p>
-            <a:pPr lvl="0" rtl="0" algn="r">
+            <a:pPr lvl="0" algn="r" rtl="0">
               <a:spcBef>
                 <a:spcPts val="0"/>
               </a:spcBef>
@@ -6214,10 +6634,7 @@
               </a:spcAft>
               <a:buNone/>
             </a:pPr>
-            <a:r>
-              <a:t/>
-            </a:r>
-            <a:endParaRPr i="1" sz="1050">
+            <a:endParaRPr sz="1050" i="1" dirty="0">
               <a:solidFill>
                 <a:srgbClr val="000000"/>
               </a:solidFill>
@@ -6231,7 +6648,7 @@
             </a:endParaRPr>
           </a:p>
           <a:p>
-            <a:pPr lvl="0" rtl="0" algn="r">
+            <a:pPr lvl="0" algn="r" rtl="0">
               <a:spcBef>
                 <a:spcPts val="0"/>
               </a:spcBef>
@@ -6240,10 +6657,7 @@
               </a:spcAft>
               <a:buNone/>
             </a:pPr>
-            <a:r>
-              <a:t/>
-            </a:r>
-            <a:endParaRPr i="1" sz="1050">
+            <a:endParaRPr sz="1050" i="1" dirty="0">
               <a:solidFill>
                 <a:srgbClr val="000000"/>
               </a:solidFill>
@@ -6257,7 +6671,7 @@
             </a:endParaRPr>
           </a:p>
           <a:p>
-            <a:pPr lvl="0" rtl="0" algn="r">
+            <a:pPr lvl="0" algn="r" rtl="0">
               <a:spcBef>
                 <a:spcPts val="0"/>
               </a:spcBef>
@@ -6267,7 +6681,7 @@
               <a:buNone/>
             </a:pPr>
             <a:r>
-              <a:rPr i="1" lang="bg" sz="1050">
+              <a:rPr lang="bg" sz="1050" i="1" dirty="0">
                 <a:solidFill>
                   <a:srgbClr val="000000"/>
                 </a:solidFill>
@@ -6283,7 +6697,7 @@
             </a:r>
           </a:p>
           <a:p>
-            <a:pPr indent="-298450" lvl="0" marL="1371600" rtl="0" algn="r">
+            <a:pPr marL="1371600" lvl="0" indent="-298450" algn="r" rtl="0">
               <a:spcBef>
                 <a:spcPts val="0"/>
               </a:spcBef>
@@ -6298,7 +6712,7 @@
               <a:buChar char="o"/>
             </a:pPr>
             <a:r>
-              <a:rPr i="1" lang="bg" sz="1100">
+              <a:rPr lang="bg" sz="1100" i="1" dirty="0">
                 <a:solidFill>
                   <a:srgbClr val="000000"/>
                 </a:solidFill>
@@ -6314,7 +6728,7 @@
             </a:r>
           </a:p>
           <a:p>
-            <a:pPr indent="-298450" lvl="0" marL="1371600" rtl="0" algn="r">
+            <a:pPr marL="1371600" lvl="0" indent="-298450" algn="r" rtl="0">
               <a:spcBef>
                 <a:spcPts val="0"/>
               </a:spcBef>
@@ -6329,7 +6743,7 @@
               <a:buChar char="o"/>
             </a:pPr>
             <a:r>
-              <a:rPr i="1" lang="bg" sz="1100" u="sng">
+              <a:rPr lang="bg" sz="1100" i="1" u="sng" dirty="0">
                 <a:solidFill>
                   <a:srgbClr val="000000"/>
                 </a:solidFill>
@@ -6345,7 +6759,7 @@
               <a:t>http://www.zahotelite.com/</a:t>
             </a:r>
             <a:r>
-              <a:rPr i="1" lang="bg" sz="1050">
+              <a:rPr lang="bg" sz="1050" i="1" dirty="0">
                 <a:solidFill>
                   <a:srgbClr val="000000"/>
                 </a:solidFill>
@@ -6361,7 +6775,7 @@
             </a:r>
           </a:p>
           <a:p>
-            <a:pPr lvl="0" marR="0" rtl="0">
+            <a:pPr marR="0" lvl="0" rtl="0">
               <a:lnSpc>
                 <a:spcPct val="100000"/>
               </a:lnSpc>
@@ -6373,10 +6787,7 @@
               </a:spcAft>
               <a:buNone/>
             </a:pPr>
-            <a:r>
-              <a:t/>
-            </a:r>
-            <a:endParaRPr>
+            <a:endParaRPr dirty="0">
               <a:solidFill>
                 <a:srgbClr val="434343"/>
               </a:solidFill>
@@ -6387,7 +6798,7 @@
             </a:endParaRPr>
           </a:p>
           <a:p>
-            <a:pPr lvl="0" marR="0" rtl="0">
+            <a:pPr marR="0" lvl="0" rtl="0">
               <a:lnSpc>
                 <a:spcPct val="100000"/>
               </a:lnSpc>
@@ -6399,10 +6810,7 @@
               </a:spcAft>
               <a:buNone/>
             </a:pPr>
-            <a:r>
-              <a:t/>
-            </a:r>
-            <a:endParaRPr sz="1400">
+            <a:endParaRPr sz="1400" dirty="0">
               <a:solidFill>
                 <a:srgbClr val="434343"/>
               </a:solidFill>
@@ -6422,15 +6830,22 @@
   <p:transition spd="slow">
     <p:cut/>
   </p:transition>
+  <p:timing>
+    <p:tnLst>
+      <p:par>
+        <p:cTn id="1" dur="indefinite" restart="never" nodeType="tmRoot"/>
+      </p:par>
+    </p:tnLst>
+  </p:timing>
 </p:sld>
 </file>
 
 <file path=ppt/slides/slide6.xml><?xml version="1.0" encoding="utf-8"?>
-<p:sld xmlns:a="http://schemas.openxmlformats.org/drawingml/2006/main" xmlns:r="http://schemas.openxmlformats.org/officeDocument/2006/relationships" xmlns:mc="http://schemas.openxmlformats.org/markup-compatibility/2006" xmlns:mv="urn:schemas-microsoft-com:mac:vml" xmlns:p="http://schemas.openxmlformats.org/presentationml/2006/main" xmlns:c="http://schemas.openxmlformats.org/drawingml/2006/chart" xmlns:dgm="http://schemas.openxmlformats.org/drawingml/2006/diagram" xmlns:o="urn:schemas-microsoft-com:office:office" xmlns:v="urn:schemas-microsoft-com:vml" xmlns:pvml="urn:schemas-microsoft-com:office:powerpoint" xmlns:com="http://schemas.openxmlformats.org/drawingml/2006/compatibility" xmlns:p14="http://schemas.microsoft.com/office/powerpoint/2010/main">
+<p:sld xmlns:a="http://schemas.openxmlformats.org/drawingml/2006/main" xmlns:r="http://schemas.openxmlformats.org/officeDocument/2006/relationships" xmlns:p="http://schemas.openxmlformats.org/presentationml/2006/main">
   <p:cSld>
     <p:spTree>
       <p:nvGrpSpPr>
-        <p:cNvPr id="94" name="Shape 94"/>
+        <p:cNvPr id="1" name="Shape 94"/>
         <p:cNvGrpSpPr/>
         <p:nvPr/>
       </p:nvGrpSpPr>
@@ -6451,7 +6866,7 @@
         <p:spPr>
           <a:xfrm>
             <a:off x="433125" y="393025"/>
-            <a:ext cx="8277899" cy="609599"/>
+            <a:ext cx="8277899" cy="1805889"/>
           </a:xfrm>
           <a:prstGeom prst="rect">
             <a:avLst/>
@@ -6462,7 +6877,7 @@
           </a:ln>
         </p:spPr>
         <p:txBody>
-          <a:bodyPr anchorCtr="0" anchor="t" bIns="91425" lIns="91425" rIns="91425" tIns="91425">
+          <a:bodyPr lIns="91425" tIns="91425" rIns="91425" bIns="91425" anchor="t" anchorCtr="0">
             <a:noAutofit/>
           </a:bodyPr>
           <a:lstStyle/>
@@ -6474,7 +6889,7 @@
               <a:buNone/>
             </a:pPr>
             <a:r>
-              <a:rPr b="1" lang="bg" sz="1800">
+              <a:rPr lang="bg" sz="1800" b="1" dirty="0">
                 <a:solidFill>
                   <a:schemeClr val="dk1"/>
                 </a:solidFill>
@@ -6483,7 +6898,7 @@
             </a:r>
           </a:p>
           <a:p>
-            <a:pPr indent="-330200" lvl="0" marL="457200" rtl="0">
+            <a:pPr marL="457200" lvl="0" indent="-330200" rtl="0">
               <a:spcBef>
                 <a:spcPts val="0"/>
               </a:spcBef>
@@ -6491,40 +6906,295 @@
               <a:buChar char="●"/>
             </a:pPr>
             <a:r>
-              <a:rPr lang="bg" sz="1600"/>
-              <a:t>Позитивен</a:t>
-            </a:r>
+              <a:rPr lang="bg" sz="1600" dirty="0" smtClean="0"/>
+              <a:t>Позитивен:</a:t>
+            </a:r>
+          </a:p>
+          <a:p>
+            <a:r>
+              <a:rPr lang="en-US" sz="1600" dirty="0">
+                <a:solidFill>
+                  <a:srgbClr val="008080"/>
+                </a:solidFill>
+                <a:latin typeface="Courier New" panose="02070309020205020404" pitchFamily="49" charset="0"/>
+              </a:rPr>
+              <a:t>&lt;</a:t>
+            </a:r>
+            <a:r>
+              <a:rPr lang="en-US" sz="1600" dirty="0">
+                <a:solidFill>
+                  <a:srgbClr val="3F7F7F"/>
+                </a:solidFill>
+                <a:highlight>
+                  <a:srgbClr val="D4D4D4"/>
+                </a:highlight>
+                <a:latin typeface="Courier New" panose="02070309020205020404" pitchFamily="49" charset="0"/>
+              </a:rPr>
+              <a:t>comment </a:t>
+            </a:r>
+            <a:r>
+              <a:rPr lang="en-US" sz="1600" dirty="0">
+                <a:solidFill>
+                  <a:srgbClr val="7F007F"/>
+                </a:solidFill>
+                <a:highlight>
+                  <a:srgbClr val="D4D4D4"/>
+                </a:highlight>
+                <a:latin typeface="Courier New" panose="02070309020205020404" pitchFamily="49" charset="0"/>
+              </a:rPr>
+              <a:t>id </a:t>
+            </a:r>
+            <a:r>
+              <a:rPr lang="en-US" sz="1600" dirty="0">
+                <a:highlight>
+                  <a:srgbClr val="D4D4D4"/>
+                </a:highlight>
+                <a:latin typeface="Courier New" panose="02070309020205020404" pitchFamily="49" charset="0"/>
+              </a:rPr>
+              <a:t>= </a:t>
+            </a:r>
+            <a:r>
+              <a:rPr lang="en-US" sz="1600" i="1" dirty="0">
+                <a:solidFill>
+                  <a:srgbClr val="2A00FF"/>
+                </a:solidFill>
+                <a:highlight>
+                  <a:srgbClr val="D4D4D4"/>
+                </a:highlight>
+                <a:latin typeface="Courier New" panose="02070309020205020404" pitchFamily="49" charset="0"/>
+              </a:rPr>
+              <a:t>'1' </a:t>
+            </a:r>
+            <a:r>
+              <a:rPr lang="en-US" sz="1600" i="1" dirty="0">
+                <a:solidFill>
+                  <a:srgbClr val="7F007F"/>
+                </a:solidFill>
+                <a:highlight>
+                  <a:srgbClr val="D4D4D4"/>
+                </a:highlight>
+                <a:latin typeface="Courier New" panose="02070309020205020404" pitchFamily="49" charset="0"/>
+              </a:rPr>
+              <a:t>category </a:t>
+            </a:r>
+            <a:r>
+              <a:rPr lang="en-US" sz="1600" i="1" dirty="0">
+                <a:highlight>
+                  <a:srgbClr val="D4D4D4"/>
+                </a:highlight>
+                <a:latin typeface="Courier New" panose="02070309020205020404" pitchFamily="49" charset="0"/>
+              </a:rPr>
+              <a:t>= </a:t>
+            </a:r>
+            <a:r>
+              <a:rPr lang="en-US" sz="1600" i="1" dirty="0">
+                <a:solidFill>
+                  <a:srgbClr val="2A00FF"/>
+                </a:solidFill>
+                <a:highlight>
+                  <a:srgbClr val="D4D4D4"/>
+                </a:highlight>
+                <a:latin typeface="Courier New" panose="02070309020205020404" pitchFamily="49" charset="0"/>
+              </a:rPr>
+              <a:t>'positive'</a:t>
+            </a:r>
+            <a:r>
+              <a:rPr lang="en-US" sz="1600" i="1" dirty="0">
+                <a:solidFill>
+                  <a:srgbClr val="008080"/>
+                </a:solidFill>
+                <a:highlight>
+                  <a:srgbClr val="D4D4D4"/>
+                </a:highlight>
+                <a:latin typeface="Courier New" panose="02070309020205020404" pitchFamily="49" charset="0"/>
+              </a:rPr>
+              <a:t>&gt;</a:t>
+            </a:r>
+          </a:p>
+          <a:p>
+            <a:r>
+              <a:rPr lang="ru-RU" sz="1600" dirty="0">
+                <a:latin typeface="Courier New" panose="02070309020205020404" pitchFamily="49" charset="0"/>
+              </a:rPr>
+              <a:t>       </a:t>
+            </a:r>
+            <a:r>
+              <a:rPr lang="ru-RU" sz="1600" dirty="0" smtClean="0">
+                <a:latin typeface="Courier New" panose="02070309020205020404" pitchFamily="49" charset="0"/>
+              </a:rPr>
+              <a:t> Много </a:t>
+            </a:r>
+            <a:r>
+              <a:rPr lang="ru-RU" sz="1600" dirty="0" err="1">
+                <a:latin typeface="Courier New" panose="02070309020205020404" pitchFamily="49" charset="0"/>
+              </a:rPr>
+              <a:t>отзивчив</a:t>
+            </a:r>
+            <a:r>
+              <a:rPr lang="ru-RU" sz="1600" dirty="0">
+                <a:latin typeface="Courier New" panose="02070309020205020404" pitchFamily="49" charset="0"/>
+              </a:rPr>
+              <a:t> и внимателен </a:t>
+            </a:r>
+            <a:r>
+              <a:rPr lang="ru-RU" sz="1600" dirty="0" err="1">
+                <a:latin typeface="Courier New" panose="02070309020205020404" pitchFamily="49" charset="0"/>
+              </a:rPr>
+              <a:t>персонал,чудесно</a:t>
+            </a:r>
+            <a:r>
+              <a:rPr lang="ru-RU" sz="1600" dirty="0">
+                <a:latin typeface="Courier New" panose="02070309020205020404" pitchFamily="49" charset="0"/>
+              </a:rPr>
+              <a:t> </a:t>
+            </a:r>
+            <a:r>
+              <a:rPr lang="ru-RU" sz="1600" dirty="0" err="1">
+                <a:latin typeface="Courier New" panose="02070309020205020404" pitchFamily="49" charset="0"/>
+              </a:rPr>
+              <a:t>разположение</a:t>
+            </a:r>
+            <a:r>
+              <a:rPr lang="ru-RU" sz="1600" dirty="0">
+                <a:latin typeface="Courier New" panose="02070309020205020404" pitchFamily="49" charset="0"/>
+              </a:rPr>
+              <a:t> </a:t>
+            </a:r>
+            <a:r>
+              <a:rPr lang="ru-RU" sz="1600" dirty="0" smtClean="0">
+                <a:latin typeface="Courier New" panose="02070309020205020404" pitchFamily="49" charset="0"/>
+              </a:rPr>
+              <a:t>	до </a:t>
+            </a:r>
+            <a:r>
+              <a:rPr lang="ru-RU" sz="1600" dirty="0">
+                <a:latin typeface="Courier New" panose="02070309020205020404" pitchFamily="49" charset="0"/>
+              </a:rPr>
+              <a:t>метро </a:t>
+            </a:r>
+            <a:r>
+              <a:rPr lang="ru-RU" sz="1600" dirty="0" err="1">
+                <a:latin typeface="Courier New" panose="02070309020205020404" pitchFamily="49" charset="0"/>
+              </a:rPr>
+              <a:t>станцията</a:t>
+            </a:r>
+            <a:r>
+              <a:rPr lang="ru-RU" sz="1600" dirty="0">
+                <a:latin typeface="Courier New" panose="02070309020205020404" pitchFamily="49" charset="0"/>
+              </a:rPr>
+              <a:t> и </a:t>
+            </a:r>
+            <a:r>
+              <a:rPr lang="ru-RU" sz="1600" dirty="0" err="1">
+                <a:latin typeface="Courier New" panose="02070309020205020404" pitchFamily="49" charset="0"/>
+              </a:rPr>
+              <a:t>НДК.Приятна</a:t>
+            </a:r>
+            <a:r>
+              <a:rPr lang="ru-RU" sz="1600" dirty="0">
+                <a:latin typeface="Courier New" panose="02070309020205020404" pitchFamily="49" charset="0"/>
+              </a:rPr>
+              <a:t> </a:t>
+            </a:r>
+            <a:r>
+              <a:rPr lang="ru-RU" sz="1600" dirty="0" err="1">
+                <a:latin typeface="Courier New" panose="02070309020205020404" pitchFamily="49" charset="0"/>
+              </a:rPr>
+              <a:t>гледка</a:t>
+            </a:r>
+            <a:r>
+              <a:rPr lang="ru-RU" sz="1600" dirty="0">
+                <a:latin typeface="Courier New" panose="02070309020205020404" pitchFamily="49" charset="0"/>
+              </a:rPr>
+              <a:t> от </a:t>
+            </a:r>
+            <a:r>
+              <a:rPr lang="ru-RU" sz="1600" dirty="0" err="1">
+                <a:latin typeface="Courier New" panose="02070309020205020404" pitchFamily="49" charset="0"/>
+              </a:rPr>
+              <a:t>просторния</a:t>
+            </a:r>
+            <a:r>
+              <a:rPr lang="ru-RU" sz="1600" dirty="0">
+                <a:latin typeface="Courier New" panose="02070309020205020404" pitchFamily="49" charset="0"/>
+              </a:rPr>
+              <a:t> </a:t>
+            </a:r>
+            <a:r>
+              <a:rPr lang="ru-RU" sz="1600" dirty="0" smtClean="0">
+                <a:latin typeface="Courier New" panose="02070309020205020404" pitchFamily="49" charset="0"/>
+              </a:rPr>
+              <a:t>	апартамент </a:t>
+            </a:r>
+            <a:r>
+              <a:rPr lang="ru-RU" sz="1600" dirty="0" err="1">
+                <a:latin typeface="Courier New" panose="02070309020205020404" pitchFamily="49" charset="0"/>
+              </a:rPr>
+              <a:t>към</a:t>
+            </a:r>
+            <a:r>
+              <a:rPr lang="ru-RU" sz="1600" dirty="0">
+                <a:latin typeface="Courier New" panose="02070309020205020404" pitchFamily="49" charset="0"/>
+              </a:rPr>
+              <a:t> </a:t>
+            </a:r>
+            <a:r>
+              <a:rPr lang="ru-RU" sz="1600" dirty="0" err="1">
+                <a:latin typeface="Courier New" panose="02070309020205020404" pitchFamily="49" charset="0"/>
+              </a:rPr>
+              <a:t>нощна</a:t>
+            </a:r>
+            <a:r>
+              <a:rPr lang="ru-RU" sz="1600" dirty="0">
+                <a:latin typeface="Courier New" panose="02070309020205020404" pitchFamily="49" charset="0"/>
+              </a:rPr>
+              <a:t> София</a:t>
+            </a:r>
+            <a:r>
+              <a:rPr lang="ru-RU" sz="1600" dirty="0" smtClean="0">
+                <a:latin typeface="Courier New" panose="02070309020205020404" pitchFamily="49" charset="0"/>
+              </a:rPr>
+              <a:t>!</a:t>
+            </a:r>
+          </a:p>
+          <a:p>
+            <a:r>
+              <a:rPr lang="en-US" sz="1600" dirty="0" smtClean="0">
+                <a:solidFill>
+                  <a:srgbClr val="008080"/>
+                </a:solidFill>
+                <a:latin typeface="Courier New" panose="02070309020205020404" pitchFamily="49" charset="0"/>
+              </a:rPr>
+              <a:t>&lt;/</a:t>
+            </a:r>
+            <a:r>
+              <a:rPr lang="en-US" sz="1600" dirty="0" smtClean="0">
+                <a:solidFill>
+                  <a:srgbClr val="3F7F7F"/>
+                </a:solidFill>
+                <a:highlight>
+                  <a:srgbClr val="D4D4D4"/>
+                </a:highlight>
+                <a:latin typeface="Courier New" panose="02070309020205020404" pitchFamily="49" charset="0"/>
+              </a:rPr>
+              <a:t>comment</a:t>
+            </a:r>
+            <a:r>
+              <a:rPr lang="en-US" sz="1600" dirty="0" smtClean="0">
+                <a:solidFill>
+                  <a:srgbClr val="008080"/>
+                </a:solidFill>
+                <a:highlight>
+                  <a:srgbClr val="D4D4D4"/>
+                </a:highlight>
+                <a:latin typeface="Courier New" panose="02070309020205020404" pitchFamily="49" charset="0"/>
+              </a:rPr>
+              <a:t>&gt;</a:t>
+            </a:r>
+            <a:endParaRPr lang="bg" sz="1600" dirty="0"/>
           </a:p>
         </p:txBody>
       </p:sp>
-      <p:pic>
-        <p:nvPicPr>
-          <p:cNvPr id="96" name="Shape 96"/>
-          <p:cNvPicPr preferRelativeResize="0"/>
-          <p:nvPr/>
-        </p:nvPicPr>
-        <p:blipFill>
-          <a:blip r:embed="rId3">
-            <a:alphaModFix/>
-          </a:blip>
-          <a:stretch>
-            <a:fillRect/>
-          </a:stretch>
-        </p:blipFill>
-        <p:spPr>
-          <a:xfrm>
-            <a:off x="9048" y="1155025"/>
-            <a:ext cx="8957451" cy="831274"/>
-          </a:xfrm>
-          <a:prstGeom prst="rect">
-            <a:avLst/>
-          </a:prstGeom>
-          <a:noFill/>
-          <a:ln>
-            <a:noFill/>
-          </a:ln>
-        </p:spPr>
-      </p:pic>
       <p:sp>
         <p:nvSpPr>
           <p:cNvPr id="97" name="Shape 97"/>
@@ -6533,8 +7203,8 @@
         </p:nvSpPr>
         <p:spPr>
           <a:xfrm>
-            <a:off x="433125" y="2064275"/>
-            <a:ext cx="8710799" cy="366000"/>
+            <a:off x="433125" y="2198913"/>
+            <a:ext cx="8710799" cy="1513115"/>
           </a:xfrm>
           <a:prstGeom prst="rect">
             <a:avLst/>
@@ -6545,12 +7215,12 @@
           </a:ln>
         </p:spPr>
         <p:txBody>
-          <a:bodyPr anchorCtr="0" anchor="ctr" bIns="91425" lIns="91425" rIns="91425" tIns="91425">
+          <a:bodyPr lIns="91425" tIns="91425" rIns="91425" bIns="91425" anchor="ctr" anchorCtr="0">
             <a:noAutofit/>
           </a:bodyPr>
           <a:lstStyle/>
           <a:p>
-            <a:pPr indent="-330200" lvl="0" marL="457200" rtl="0">
+            <a:pPr marL="457200" lvl="0" indent="-330200" rtl="0">
               <a:spcBef>
                 <a:spcPts val="0"/>
               </a:spcBef>
@@ -6558,40 +7228,373 @@
               <a:buChar char="●"/>
             </a:pPr>
             <a:r>
-              <a:rPr lang="bg" sz="1600"/>
-              <a:t>Негативен</a:t>
-            </a:r>
+              <a:rPr lang="bg" sz="1600" dirty="0" smtClean="0"/>
+              <a:t>Негативен:</a:t>
+            </a:r>
+          </a:p>
+          <a:p>
+            <a:r>
+              <a:rPr lang="en-US" sz="1600" dirty="0">
+                <a:solidFill>
+                  <a:srgbClr val="008080"/>
+                </a:solidFill>
+                <a:latin typeface="Courier New" panose="02070309020205020404" pitchFamily="49" charset="0"/>
+              </a:rPr>
+              <a:t>&lt;</a:t>
+            </a:r>
+            <a:r>
+              <a:rPr lang="en-US" sz="1600" dirty="0">
+                <a:solidFill>
+                  <a:srgbClr val="3F7F7F"/>
+                </a:solidFill>
+                <a:highlight>
+                  <a:srgbClr val="D4D4D4"/>
+                </a:highlight>
+                <a:latin typeface="Courier New" panose="02070309020205020404" pitchFamily="49" charset="0"/>
+              </a:rPr>
+              <a:t>comment </a:t>
+            </a:r>
+            <a:r>
+              <a:rPr lang="en-US" sz="1600" dirty="0">
+                <a:solidFill>
+                  <a:srgbClr val="7F007F"/>
+                </a:solidFill>
+                <a:highlight>
+                  <a:srgbClr val="D4D4D4"/>
+                </a:highlight>
+                <a:latin typeface="Courier New" panose="02070309020205020404" pitchFamily="49" charset="0"/>
+              </a:rPr>
+              <a:t>id </a:t>
+            </a:r>
+            <a:r>
+              <a:rPr lang="en-US" sz="1600" dirty="0">
+                <a:highlight>
+                  <a:srgbClr val="D4D4D4"/>
+                </a:highlight>
+                <a:latin typeface="Courier New" panose="02070309020205020404" pitchFamily="49" charset="0"/>
+              </a:rPr>
+              <a:t>= </a:t>
+            </a:r>
+            <a:r>
+              <a:rPr lang="en-US" sz="1600" i="1" dirty="0">
+                <a:solidFill>
+                  <a:srgbClr val="2A00FF"/>
+                </a:solidFill>
+                <a:highlight>
+                  <a:srgbClr val="D4D4D4"/>
+                </a:highlight>
+                <a:latin typeface="Courier New" panose="02070309020205020404" pitchFamily="49" charset="0"/>
+              </a:rPr>
+              <a:t>'2' </a:t>
+            </a:r>
+            <a:r>
+              <a:rPr lang="en-US" sz="1600" i="1" dirty="0">
+                <a:solidFill>
+                  <a:srgbClr val="7F007F"/>
+                </a:solidFill>
+                <a:highlight>
+                  <a:srgbClr val="D4D4D4"/>
+                </a:highlight>
+                <a:latin typeface="Courier New" panose="02070309020205020404" pitchFamily="49" charset="0"/>
+              </a:rPr>
+              <a:t>category </a:t>
+            </a:r>
+            <a:r>
+              <a:rPr lang="en-US" sz="1600" i="1" dirty="0">
+                <a:highlight>
+                  <a:srgbClr val="D4D4D4"/>
+                </a:highlight>
+                <a:latin typeface="Courier New" panose="02070309020205020404" pitchFamily="49" charset="0"/>
+              </a:rPr>
+              <a:t>= </a:t>
+            </a:r>
+            <a:r>
+              <a:rPr lang="en-US" sz="1600" i="1" dirty="0">
+                <a:solidFill>
+                  <a:srgbClr val="2A00FF"/>
+                </a:solidFill>
+                <a:highlight>
+                  <a:srgbClr val="D4D4D4"/>
+                </a:highlight>
+                <a:latin typeface="Courier New" panose="02070309020205020404" pitchFamily="49" charset="0"/>
+              </a:rPr>
+              <a:t>'negative'</a:t>
+            </a:r>
+            <a:r>
+              <a:rPr lang="en-US" sz="1600" i="1" dirty="0">
+                <a:solidFill>
+                  <a:srgbClr val="008080"/>
+                </a:solidFill>
+                <a:highlight>
+                  <a:srgbClr val="D4D4D4"/>
+                </a:highlight>
+                <a:latin typeface="Courier New" panose="02070309020205020404" pitchFamily="49" charset="0"/>
+              </a:rPr>
+              <a:t>&gt;</a:t>
+            </a:r>
+          </a:p>
+          <a:p>
+            <a:r>
+              <a:rPr lang="ru-RU" sz="1600" dirty="0">
+                <a:latin typeface="Courier New" panose="02070309020205020404" pitchFamily="49" charset="0"/>
+              </a:rPr>
+              <a:t>        </a:t>
+            </a:r>
+            <a:r>
+              <a:rPr lang="ru-RU" sz="1600" dirty="0" err="1">
+                <a:latin typeface="Courier New" panose="02070309020205020404" pitchFamily="49" charset="0"/>
+              </a:rPr>
+              <a:t>Дори</a:t>
+            </a:r>
+            <a:r>
+              <a:rPr lang="ru-RU" sz="1600" dirty="0">
+                <a:latin typeface="Courier New" panose="02070309020205020404" pitchFamily="49" charset="0"/>
+              </a:rPr>
+              <a:t> и в </a:t>
+            </a:r>
+            <a:r>
+              <a:rPr lang="ru-RU" sz="1600" dirty="0" err="1">
+                <a:latin typeface="Courier New" panose="02070309020205020404" pitchFamily="49" charset="0"/>
+              </a:rPr>
+              <a:t>новото</a:t>
+            </a:r>
+            <a:r>
+              <a:rPr lang="ru-RU" sz="1600" dirty="0">
+                <a:latin typeface="Courier New" panose="02070309020205020404" pitchFamily="49" charset="0"/>
+              </a:rPr>
+              <a:t> </a:t>
+            </a:r>
+            <a:r>
+              <a:rPr lang="ru-RU" sz="1600" dirty="0" err="1">
+                <a:latin typeface="Courier New" panose="02070309020205020404" pitchFamily="49" charset="0"/>
+              </a:rPr>
+              <a:t>крило</a:t>
+            </a:r>
+            <a:r>
+              <a:rPr lang="ru-RU" sz="1600" dirty="0">
+                <a:latin typeface="Courier New" panose="02070309020205020404" pitchFamily="49" charset="0"/>
+              </a:rPr>
+              <a:t> </a:t>
+            </a:r>
+            <a:r>
+              <a:rPr lang="ru-RU" sz="1600" dirty="0" err="1">
+                <a:latin typeface="Courier New" panose="02070309020205020404" pitchFamily="49" charset="0"/>
+              </a:rPr>
+              <a:t>матраците</a:t>
+            </a:r>
+            <a:r>
+              <a:rPr lang="ru-RU" sz="1600" dirty="0">
+                <a:latin typeface="Courier New" panose="02070309020205020404" pitchFamily="49" charset="0"/>
+              </a:rPr>
+              <a:t> </a:t>
+            </a:r>
+            <a:r>
+              <a:rPr lang="ru-RU" sz="1600" dirty="0" err="1">
+                <a:latin typeface="Courier New" panose="02070309020205020404" pitchFamily="49" charset="0"/>
+              </a:rPr>
+              <a:t>са</a:t>
+            </a:r>
+            <a:r>
+              <a:rPr lang="ru-RU" sz="1600" dirty="0">
+                <a:latin typeface="Courier New" panose="02070309020205020404" pitchFamily="49" charset="0"/>
+              </a:rPr>
+              <a:t> от </a:t>
+            </a:r>
+            <a:r>
+              <a:rPr lang="ru-RU" sz="1600" dirty="0" err="1">
+                <a:latin typeface="Courier New" panose="02070309020205020404" pitchFamily="49" charset="0"/>
+              </a:rPr>
+              <a:t>стария</a:t>
+            </a:r>
+            <a:r>
+              <a:rPr lang="ru-RU" sz="1600" dirty="0">
+                <a:latin typeface="Courier New" panose="02070309020205020404" pitchFamily="49" charset="0"/>
+              </a:rPr>
+              <a:t> тип с </a:t>
+            </a:r>
+            <a:r>
+              <a:rPr lang="ru-RU" sz="1600" dirty="0" err="1">
+                <a:latin typeface="Courier New" panose="02070309020205020404" pitchFamily="49" charset="0"/>
+              </a:rPr>
+              <a:t>пружини</a:t>
+            </a:r>
+            <a:r>
+              <a:rPr lang="ru-RU" sz="1600" dirty="0">
+                <a:latin typeface="Courier New" panose="02070309020205020404" pitchFamily="49" charset="0"/>
+              </a:rPr>
+              <a:t> и </a:t>
+            </a:r>
+            <a:r>
+              <a:rPr lang="ru-RU" sz="1600" dirty="0" smtClean="0">
+                <a:latin typeface="Courier New" panose="02070309020205020404" pitchFamily="49" charset="0"/>
+              </a:rPr>
+              <a:t>	</a:t>
+            </a:r>
+            <a:r>
+              <a:rPr lang="ru-RU" sz="1600" dirty="0" err="1" smtClean="0">
+                <a:latin typeface="Courier New" panose="02070309020205020404" pitchFamily="49" charset="0"/>
+              </a:rPr>
+              <a:t>са</a:t>
+            </a:r>
+            <a:r>
+              <a:rPr lang="ru-RU" sz="1600" dirty="0" smtClean="0">
+                <a:latin typeface="Courier New" panose="02070309020205020404" pitchFamily="49" charset="0"/>
+              </a:rPr>
+              <a:t> </a:t>
+            </a:r>
+            <a:r>
+              <a:rPr lang="ru-RU" sz="1600" dirty="0" err="1">
+                <a:latin typeface="Courier New" panose="02070309020205020404" pitchFamily="49" charset="0"/>
+              </a:rPr>
+              <a:t>доста</a:t>
+            </a:r>
+            <a:r>
+              <a:rPr lang="ru-RU" sz="1600" dirty="0">
+                <a:latin typeface="Courier New" panose="02070309020205020404" pitchFamily="49" charset="0"/>
+              </a:rPr>
+              <a:t> </a:t>
+            </a:r>
+            <a:r>
+              <a:rPr lang="ru-RU" sz="1600" dirty="0" err="1">
+                <a:latin typeface="Courier New" panose="02070309020205020404" pitchFamily="49" charset="0"/>
+              </a:rPr>
+              <a:t>неудобни!Малко</a:t>
+            </a:r>
+            <a:r>
+              <a:rPr lang="ru-RU" sz="1600" dirty="0">
+                <a:latin typeface="Courier New" panose="02070309020205020404" pitchFamily="49" charset="0"/>
+              </a:rPr>
+              <a:t> е шумно </a:t>
+            </a:r>
+            <a:r>
+              <a:rPr lang="ru-RU" sz="1600" dirty="0" err="1">
+                <a:latin typeface="Courier New" panose="02070309020205020404" pitchFamily="49" charset="0"/>
+              </a:rPr>
+              <a:t>през</a:t>
+            </a:r>
+            <a:r>
+              <a:rPr lang="ru-RU" sz="1600" dirty="0">
+                <a:latin typeface="Courier New" panose="02070309020205020404" pitchFamily="49" charset="0"/>
+              </a:rPr>
+              <a:t> </a:t>
+            </a:r>
+            <a:r>
+              <a:rPr lang="ru-RU" sz="1600" dirty="0" err="1">
+                <a:latin typeface="Courier New" panose="02070309020205020404" pitchFamily="49" charset="0"/>
+              </a:rPr>
+              <a:t>нощта</a:t>
+            </a:r>
+            <a:r>
+              <a:rPr lang="ru-RU" sz="1600" dirty="0">
+                <a:latin typeface="Courier New" panose="02070309020205020404" pitchFamily="49" charset="0"/>
+              </a:rPr>
+              <a:t> ,</a:t>
+            </a:r>
+            <a:r>
+              <a:rPr lang="ru-RU" sz="1600" dirty="0" err="1">
+                <a:latin typeface="Courier New" panose="02070309020205020404" pitchFamily="49" charset="0"/>
+              </a:rPr>
+              <a:t>когато</a:t>
+            </a:r>
+            <a:r>
+              <a:rPr lang="ru-RU" sz="1600" dirty="0">
+                <a:latin typeface="Courier New" panose="02070309020205020404" pitchFamily="49" charset="0"/>
+              </a:rPr>
+              <a:t> </a:t>
+            </a:r>
+            <a:r>
+              <a:rPr lang="ru-RU" sz="1600" dirty="0" err="1">
+                <a:latin typeface="Courier New" panose="02070309020205020404" pitchFamily="49" charset="0"/>
+              </a:rPr>
+              <a:t>започнат</a:t>
+            </a:r>
+            <a:r>
+              <a:rPr lang="ru-RU" sz="1600" dirty="0">
+                <a:latin typeface="Courier New" panose="02070309020205020404" pitchFamily="49" charset="0"/>
+              </a:rPr>
+              <a:t> да </a:t>
+            </a:r>
+            <a:r>
+              <a:rPr lang="ru-RU" sz="1600" dirty="0" smtClean="0">
+                <a:latin typeface="Courier New" panose="02070309020205020404" pitchFamily="49" charset="0"/>
+              </a:rPr>
+              <a:t>	си </a:t>
+            </a:r>
+            <a:r>
+              <a:rPr lang="ru-RU" sz="1600" dirty="0" err="1">
+                <a:latin typeface="Courier New" panose="02070309020205020404" pitchFamily="49" charset="0"/>
+              </a:rPr>
+              <a:t>форсирват</a:t>
+            </a:r>
+            <a:r>
+              <a:rPr lang="ru-RU" sz="1600" dirty="0">
+                <a:latin typeface="Courier New" panose="02070309020205020404" pitchFamily="49" charset="0"/>
+              </a:rPr>
+              <a:t> колите </a:t>
+            </a:r>
+            <a:r>
+              <a:rPr lang="ru-RU" sz="1600" dirty="0" err="1">
+                <a:latin typeface="Courier New" panose="02070309020205020404" pitchFamily="49" charset="0"/>
+              </a:rPr>
+              <a:t>нагоре</a:t>
+            </a:r>
+            <a:r>
+              <a:rPr lang="ru-RU" sz="1600" dirty="0">
+                <a:latin typeface="Courier New" panose="02070309020205020404" pitchFamily="49" charset="0"/>
+              </a:rPr>
+              <a:t> по "Черни </a:t>
+            </a:r>
+            <a:r>
+              <a:rPr lang="ru-RU" sz="1600" dirty="0" err="1">
+                <a:latin typeface="Courier New" panose="02070309020205020404" pitchFamily="49" charset="0"/>
+              </a:rPr>
+              <a:t>връх</a:t>
+            </a:r>
+            <a:r>
+              <a:rPr lang="ru-RU" sz="1600" dirty="0">
+                <a:latin typeface="Courier New" panose="02070309020205020404" pitchFamily="49" charset="0"/>
+              </a:rPr>
+              <a:t>".</a:t>
+            </a:r>
+          </a:p>
+          <a:p>
+            <a:r>
+              <a:rPr lang="en-US" sz="1600" dirty="0" smtClean="0">
+                <a:solidFill>
+                  <a:srgbClr val="008080"/>
+                </a:solidFill>
+                <a:latin typeface="Courier New" panose="02070309020205020404" pitchFamily="49" charset="0"/>
+              </a:rPr>
+              <a:t>&lt;/</a:t>
+            </a:r>
+            <a:r>
+              <a:rPr lang="en-US" sz="1600" dirty="0">
+                <a:solidFill>
+                  <a:srgbClr val="3F7F7F"/>
+                </a:solidFill>
+                <a:highlight>
+                  <a:srgbClr val="D4D4D4"/>
+                </a:highlight>
+                <a:latin typeface="Courier New" panose="02070309020205020404" pitchFamily="49" charset="0"/>
+              </a:rPr>
+              <a:t>comment</a:t>
+            </a:r>
+            <a:r>
+              <a:rPr lang="en-US" sz="1600" dirty="0">
+                <a:solidFill>
+                  <a:srgbClr val="008080"/>
+                </a:solidFill>
+                <a:highlight>
+                  <a:srgbClr val="D4D4D4"/>
+                </a:highlight>
+                <a:latin typeface="Courier New" panose="02070309020205020404" pitchFamily="49" charset="0"/>
+              </a:rPr>
+              <a:t>&gt;</a:t>
+            </a:r>
+            <a:endParaRPr lang="bg" sz="1600" dirty="0"/>
           </a:p>
         </p:txBody>
       </p:sp>
-      <p:pic>
-        <p:nvPicPr>
-          <p:cNvPr id="98" name="Shape 98"/>
-          <p:cNvPicPr preferRelativeResize="0"/>
-          <p:nvPr/>
-        </p:nvPicPr>
-        <p:blipFill>
-          <a:blip r:embed="rId4">
-            <a:alphaModFix/>
-          </a:blip>
-          <a:stretch>
-            <a:fillRect/>
-          </a:stretch>
-        </p:blipFill>
-        <p:spPr>
-          <a:xfrm>
-            <a:off x="74" y="2505587"/>
-            <a:ext cx="9144000" cy="831290"/>
-          </a:xfrm>
-          <a:prstGeom prst="rect">
-            <a:avLst/>
-          </a:prstGeom>
-          <a:noFill/>
-          <a:ln>
-            <a:noFill/>
-          </a:ln>
-        </p:spPr>
-      </p:pic>
       <p:sp>
         <p:nvSpPr>
           <p:cNvPr id="99" name="Shape 99"/>
@@ -6600,8 +7603,8 @@
         </p:nvSpPr>
         <p:spPr>
           <a:xfrm>
-            <a:off x="433125" y="3561350"/>
-            <a:ext cx="8277899" cy="441300"/>
+            <a:off x="433125" y="3624942"/>
+            <a:ext cx="8277899" cy="1404257"/>
           </a:xfrm>
           <a:prstGeom prst="rect">
             <a:avLst/>
@@ -6612,7 +7615,7 @@
           </a:ln>
         </p:spPr>
         <p:txBody>
-          <a:bodyPr anchorCtr="0" anchor="t" bIns="91425" lIns="91425" rIns="91425" tIns="91425">
+          <a:bodyPr lIns="91425" tIns="91425" rIns="91425" bIns="91425" anchor="t" anchorCtr="0">
             <a:noAutofit/>
           </a:bodyPr>
           <a:lstStyle/>
@@ -6624,44 +7627,215 @@
               <a:buNone/>
             </a:pPr>
             <a:r>
-              <a:rPr b="1" lang="bg" sz="1800">
+              <a:rPr lang="bg" sz="1800" b="1" dirty="0">
                 <a:solidFill>
                   <a:schemeClr val="dk1"/>
                 </a:solidFill>
               </a:rPr>
-              <a:t>Примерен тестов коментар:</a:t>
-            </a:r>
+              <a:t>Примерен тестов </a:t>
+            </a:r>
+            <a:r>
+              <a:rPr lang="bg" sz="1800" b="1" dirty="0" smtClean="0">
+                <a:solidFill>
+                  <a:schemeClr val="dk1"/>
+                </a:solidFill>
+              </a:rPr>
+              <a:t>коментар:</a:t>
+            </a:r>
+            <a:endParaRPr lang="bg-BG" sz="1800" b="1" dirty="0">
+              <a:solidFill>
+                <a:schemeClr val="dk1"/>
+              </a:solidFill>
+            </a:endParaRPr>
+          </a:p>
+          <a:p>
+            <a:r>
+              <a:rPr lang="en-US" sz="1800" dirty="0">
+                <a:solidFill>
+                  <a:srgbClr val="008080"/>
+                </a:solidFill>
+                <a:latin typeface="Courier New" panose="02070309020205020404" pitchFamily="49" charset="0"/>
+              </a:rPr>
+              <a:t>&lt;</a:t>
+            </a:r>
+            <a:r>
+              <a:rPr lang="en-US" sz="1800" dirty="0">
+                <a:solidFill>
+                  <a:srgbClr val="3F7F7F"/>
+                </a:solidFill>
+                <a:highlight>
+                  <a:srgbClr val="D4D4D4"/>
+                </a:highlight>
+                <a:latin typeface="Courier New" panose="02070309020205020404" pitchFamily="49" charset="0"/>
+              </a:rPr>
+              <a:t>comment </a:t>
+            </a:r>
+            <a:r>
+              <a:rPr lang="en-US" sz="1800" dirty="0">
+                <a:solidFill>
+                  <a:srgbClr val="7F007F"/>
+                </a:solidFill>
+                <a:highlight>
+                  <a:srgbClr val="D4D4D4"/>
+                </a:highlight>
+                <a:latin typeface="Courier New" panose="02070309020205020404" pitchFamily="49" charset="0"/>
+              </a:rPr>
+              <a:t>id </a:t>
+            </a:r>
+            <a:r>
+              <a:rPr lang="en-US" sz="1800" dirty="0">
+                <a:highlight>
+                  <a:srgbClr val="D4D4D4"/>
+                </a:highlight>
+                <a:latin typeface="Courier New" panose="02070309020205020404" pitchFamily="49" charset="0"/>
+              </a:rPr>
+              <a:t>= </a:t>
+            </a:r>
+            <a:r>
+              <a:rPr lang="en-US" sz="1800" i="1" dirty="0">
+                <a:solidFill>
+                  <a:srgbClr val="2A00FF"/>
+                </a:solidFill>
+                <a:highlight>
+                  <a:srgbClr val="D4D4D4"/>
+                </a:highlight>
+                <a:latin typeface="Courier New" panose="02070309020205020404" pitchFamily="49" charset="0"/>
+              </a:rPr>
+              <a:t>'8' </a:t>
+            </a:r>
+            <a:r>
+              <a:rPr lang="en-US" sz="1800" i="1" dirty="0">
+                <a:solidFill>
+                  <a:srgbClr val="7F007F"/>
+                </a:solidFill>
+                <a:highlight>
+                  <a:srgbClr val="D4D4D4"/>
+                </a:highlight>
+                <a:latin typeface="Courier New" panose="02070309020205020404" pitchFamily="49" charset="0"/>
+              </a:rPr>
+              <a:t>category </a:t>
+            </a:r>
+            <a:r>
+              <a:rPr lang="en-US" sz="1800" i="1" dirty="0">
+                <a:highlight>
+                  <a:srgbClr val="D4D4D4"/>
+                </a:highlight>
+                <a:latin typeface="Courier New" panose="02070309020205020404" pitchFamily="49" charset="0"/>
+              </a:rPr>
+              <a:t>= </a:t>
+            </a:r>
+            <a:r>
+              <a:rPr lang="en-US" sz="1800" i="1" dirty="0">
+                <a:solidFill>
+                  <a:srgbClr val="2A00FF"/>
+                </a:solidFill>
+                <a:highlight>
+                  <a:srgbClr val="D4D4D4"/>
+                </a:highlight>
+                <a:latin typeface="Courier New" panose="02070309020205020404" pitchFamily="49" charset="0"/>
+              </a:rPr>
+              <a:t>'positive'</a:t>
+            </a:r>
+            <a:r>
+              <a:rPr lang="en-US" sz="1800" i="1" dirty="0">
+                <a:solidFill>
+                  <a:srgbClr val="008080"/>
+                </a:solidFill>
+                <a:highlight>
+                  <a:srgbClr val="D4D4D4"/>
+                </a:highlight>
+                <a:latin typeface="Courier New" panose="02070309020205020404" pitchFamily="49" charset="0"/>
+              </a:rPr>
+              <a:t>&gt;</a:t>
+            </a:r>
+          </a:p>
+          <a:p>
+            <a:pPr lvl="2"/>
+            <a:r>
+              <a:rPr lang="bg-BG" sz="1800" dirty="0" smtClean="0">
+                <a:latin typeface="Courier New" panose="02070309020205020404" pitchFamily="49" charset="0"/>
+              </a:rPr>
+              <a:t>	Невероятен </a:t>
+            </a:r>
+            <a:r>
+              <a:rPr lang="bg-BG" sz="1800" dirty="0" err="1">
+                <a:latin typeface="Courier New" panose="02070309020205020404" pitchFamily="49" charset="0"/>
+              </a:rPr>
+              <a:t>хотел!Дизайнерско</a:t>
+            </a:r>
+            <a:r>
+              <a:rPr lang="bg-BG" sz="1800" dirty="0">
+                <a:latin typeface="Courier New" panose="02070309020205020404" pitchFamily="49" charset="0"/>
+              </a:rPr>
+              <a:t> </a:t>
+            </a:r>
+            <a:r>
+              <a:rPr lang="bg-BG" sz="1800" dirty="0" err="1">
+                <a:latin typeface="Courier New" panose="02070309020205020404" pitchFamily="49" charset="0"/>
+              </a:rPr>
+              <a:t>обзавеждане,перфектно</a:t>
+            </a:r>
+            <a:r>
+              <a:rPr lang="bg-BG" sz="1800" dirty="0">
+                <a:latin typeface="Courier New" panose="02070309020205020404" pitchFamily="49" charset="0"/>
+              </a:rPr>
+              <a:t> </a:t>
+            </a:r>
+            <a:r>
+              <a:rPr lang="bg-BG" sz="1800" dirty="0" smtClean="0">
+                <a:latin typeface="Courier New" panose="02070309020205020404" pitchFamily="49" charset="0"/>
+              </a:rPr>
+              <a:t>	обслужване</a:t>
+            </a:r>
+            <a:r>
+              <a:rPr lang="bg-BG" sz="1800" dirty="0">
+                <a:latin typeface="Courier New" panose="02070309020205020404" pitchFamily="49" charset="0"/>
+              </a:rPr>
+              <a:t>!</a:t>
+            </a:r>
+          </a:p>
+          <a:p>
+            <a:r>
+              <a:rPr lang="en-US" sz="1800" dirty="0">
+                <a:solidFill>
+                  <a:srgbClr val="008080"/>
+                </a:solidFill>
+                <a:latin typeface="Courier New" panose="02070309020205020404" pitchFamily="49" charset="0"/>
+              </a:rPr>
+              <a:t>&lt;/</a:t>
+            </a:r>
+            <a:r>
+              <a:rPr lang="en-US" sz="1800" dirty="0">
+                <a:solidFill>
+                  <a:srgbClr val="3F7F7F"/>
+                </a:solidFill>
+                <a:highlight>
+                  <a:srgbClr val="D4D4D4"/>
+                </a:highlight>
+                <a:latin typeface="Courier New" panose="02070309020205020404" pitchFamily="49" charset="0"/>
+              </a:rPr>
+              <a:t>comment</a:t>
+            </a:r>
+            <a:r>
+              <a:rPr lang="en-US" sz="1800" dirty="0">
+                <a:solidFill>
+                  <a:srgbClr val="008080"/>
+                </a:solidFill>
+                <a:highlight>
+                  <a:srgbClr val="D4D4D4"/>
+                </a:highlight>
+                <a:latin typeface="Courier New" panose="02070309020205020404" pitchFamily="49" charset="0"/>
+              </a:rPr>
+              <a:t>&gt;</a:t>
+            </a:r>
+            <a:endParaRPr lang="bg" sz="1800" b="1" dirty="0">
+              <a:solidFill>
+                <a:schemeClr val="dk1"/>
+              </a:solidFill>
+            </a:endParaRPr>
           </a:p>
         </p:txBody>
       </p:sp>
-      <p:pic>
-        <p:nvPicPr>
-          <p:cNvPr id="100" name="Shape 100"/>
-          <p:cNvPicPr preferRelativeResize="0"/>
-          <p:nvPr/>
-        </p:nvPicPr>
-        <p:blipFill>
-          <a:blip r:embed="rId5">
-            <a:alphaModFix/>
-          </a:blip>
-          <a:stretch>
-            <a:fillRect/>
-          </a:stretch>
-        </p:blipFill>
-        <p:spPr>
-          <a:xfrm>
-            <a:off x="22200" y="4006800"/>
-            <a:ext cx="8173979" cy="756850"/>
-          </a:xfrm>
-          <a:prstGeom prst="rect">
-            <a:avLst/>
-          </a:prstGeom>
-          <a:noFill/>
-          <a:ln>
-            <a:noFill/>
-          </a:ln>
-        </p:spPr>
-      </p:pic>
     </p:spTree>
   </p:cSld>
   <p:clrMapOvr>
@@ -6670,15 +7844,22 @@
   <p:transition spd="slow">
     <p:cut/>
   </p:transition>
+  <p:timing>
+    <p:tnLst>
+      <p:par>
+        <p:cTn id="1" dur="indefinite" restart="never" nodeType="tmRoot"/>
+      </p:par>
+    </p:tnLst>
+  </p:timing>
 </p:sld>
 </file>
 
 <file path=ppt/slides/slide7.xml><?xml version="1.0" encoding="utf-8"?>
-<p:sld xmlns:a="http://schemas.openxmlformats.org/drawingml/2006/main" xmlns:r="http://schemas.openxmlformats.org/officeDocument/2006/relationships" xmlns:mc="http://schemas.openxmlformats.org/markup-compatibility/2006" xmlns:mv="urn:schemas-microsoft-com:mac:vml" xmlns:p="http://schemas.openxmlformats.org/presentationml/2006/main" xmlns:c="http://schemas.openxmlformats.org/drawingml/2006/chart" xmlns:dgm="http://schemas.openxmlformats.org/drawingml/2006/diagram" xmlns:o="urn:schemas-microsoft-com:office:office" xmlns:v="urn:schemas-microsoft-com:vml" xmlns:pvml="urn:schemas-microsoft-com:office:powerpoint" xmlns:com="http://schemas.openxmlformats.org/drawingml/2006/compatibility" xmlns:p14="http://schemas.microsoft.com/office/powerpoint/2010/main">
+<p:sld xmlns:a="http://schemas.openxmlformats.org/drawingml/2006/main" xmlns:r="http://schemas.openxmlformats.org/officeDocument/2006/relationships" xmlns:p="http://schemas.openxmlformats.org/presentationml/2006/main">
   <p:cSld>
     <p:spTree>
       <p:nvGrpSpPr>
-        <p:cNvPr id="104" name="Shape 104"/>
+        <p:cNvPr id="1" name="Shape 104"/>
         <p:cNvGrpSpPr/>
         <p:nvPr/>
       </p:nvGrpSpPr>
@@ -6693,7 +7874,9 @@
       <p:sp>
         <p:nvSpPr>
           <p:cNvPr id="105" name="Shape 105"/>
-          <p:cNvSpPr txBox="1"/>
+          <p:cNvSpPr txBox="1">
+            <a:spLocks noGrp="1"/>
+          </p:cNvSpPr>
           <p:nvPr>
             <p:ph type="title"/>
           </p:nvPr>
@@ -6708,7 +7891,7 @@
           </a:prstGeom>
         </p:spPr>
         <p:txBody>
-          <a:bodyPr anchorCtr="0" anchor="b" bIns="91425" lIns="91425" rIns="91425" tIns="91425">
+          <a:bodyPr lIns="91425" tIns="91425" rIns="91425" bIns="91425" anchor="b" anchorCtr="0">
             <a:noAutofit/>
           </a:bodyPr>
           <a:lstStyle/>
@@ -6729,9 +7912,11 @@
       <p:sp>
         <p:nvSpPr>
           <p:cNvPr id="106" name="Shape 106"/>
-          <p:cNvSpPr txBox="1"/>
+          <p:cNvSpPr txBox="1">
+            <a:spLocks noGrp="1"/>
+          </p:cNvSpPr>
           <p:nvPr>
-            <p:ph idx="1" type="body"/>
+            <p:ph type="body" idx="1"/>
           </p:nvPr>
         </p:nvSpPr>
         <p:spPr>
@@ -6745,23 +7930,23 @@
           <a:solidFill>
             <a:srgbClr val="F3F3F3"/>
           </a:solidFill>
-          <a:ln cap="flat" cmpd="sng" w="9525">
+          <a:ln w="9525" cap="flat" cmpd="sng">
             <a:solidFill>
               <a:srgbClr val="B7B7B7"/>
             </a:solidFill>
             <a:prstDash val="solid"/>
             <a:round/>
-            <a:headEnd len="med" w="med" type="none"/>
-            <a:tailEnd len="med" w="med" type="none"/>
+            <a:headEnd type="none" w="med" len="med"/>
+            <a:tailEnd type="none" w="med" len="med"/>
           </a:ln>
         </p:spPr>
         <p:txBody>
-          <a:bodyPr anchorCtr="0" anchor="t" bIns="91425" lIns="91425" rIns="91425" tIns="91425">
+          <a:bodyPr lIns="91425" tIns="91425" rIns="91425" bIns="91425" anchor="t" anchorCtr="0">
             <a:noAutofit/>
           </a:bodyPr>
           <a:lstStyle/>
           <a:p>
-            <a:pPr indent="0" lvl="0" marL="0" marR="0" rtl="0" algn="ctr">
+            <a:pPr marL="0" marR="0" lvl="0" indent="0" algn="ctr" rtl="0">
               <a:lnSpc>
                 <a:spcPct val="100000"/>
               </a:lnSpc>
@@ -6774,7 +7959,7 @@
               <a:buNone/>
             </a:pPr>
             <a:r>
-              <a:rPr b="1" lang="bg">
+              <a:rPr lang="bg" b="1">
                 <a:solidFill>
                   <a:srgbClr val="434343"/>
                 </a:solidFill>
@@ -6787,7 +7972,7 @@
             </a:r>
           </a:p>
           <a:p>
-            <a:pPr indent="0" lvl="0" marL="0" marR="0" rtl="0">
+            <a:pPr marL="0" marR="0" lvl="0" indent="0" rtl="0">
               <a:lnSpc>
                 <a:spcPct val="100000"/>
               </a:lnSpc>
@@ -6813,7 +7998,7 @@
             </a:r>
           </a:p>
           <a:p>
-            <a:pPr indent="0" lvl="0" marL="0" marR="0" rtl="0">
+            <a:pPr marL="0" marR="0" lvl="0" indent="0" rtl="0">
               <a:lnSpc>
                 <a:spcPct val="100000"/>
               </a:lnSpc>
@@ -6839,7 +8024,7 @@
             </a:r>
           </a:p>
           <a:p>
-            <a:pPr indent="0" lvl="0" marL="0" marR="0" rtl="0">
+            <a:pPr marL="0" marR="0" lvl="0" indent="0" rtl="0">
               <a:lnSpc>
                 <a:spcPct val="100000"/>
               </a:lnSpc>
@@ -6865,7 +8050,7 @@
             </a:r>
           </a:p>
           <a:p>
-            <a:pPr indent="0" lvl="0" marL="0" marR="0" rtl="0">
+            <a:pPr marL="0" marR="0" lvl="0" indent="0" rtl="0">
               <a:lnSpc>
                 <a:spcPct val="100000"/>
               </a:lnSpc>
@@ -6891,7 +8076,7 @@
             </a:r>
           </a:p>
           <a:p>
-            <a:pPr indent="0" lvl="0" marL="0" marR="0" rtl="0">
+            <a:pPr marL="0" marR="0" lvl="0" indent="0" rtl="0">
               <a:lnSpc>
                 <a:spcPct val="100000"/>
               </a:lnSpc>
@@ -6917,7 +8102,7 @@
             </a:r>
           </a:p>
           <a:p>
-            <a:pPr indent="0" lvl="0" marL="0" marR="0" rtl="0" algn="ctr">
+            <a:pPr marL="0" marR="0" lvl="0" indent="0" algn="ctr" rtl="0">
               <a:lnSpc>
                 <a:spcPct val="100000"/>
               </a:lnSpc>
@@ -6929,9 +8114,6 @@
               </a:spcAft>
               <a:buNone/>
             </a:pPr>
-            <a:r>
-              <a:t/>
-            </a:r>
             <a:endParaRPr b="1">
               <a:solidFill>
                 <a:srgbClr val="434343"/>
@@ -6947,9 +8129,11 @@
       <p:sp>
         <p:nvSpPr>
           <p:cNvPr id="107" name="Shape 107"/>
-          <p:cNvSpPr txBox="1"/>
+          <p:cNvSpPr txBox="1">
+            <a:spLocks noGrp="1"/>
+          </p:cNvSpPr>
           <p:nvPr>
-            <p:ph idx="1" type="body"/>
+            <p:ph type="body" idx="1"/>
           </p:nvPr>
         </p:nvSpPr>
         <p:spPr>
@@ -6963,23 +8147,23 @@
           <a:solidFill>
             <a:srgbClr val="F3F3F3"/>
           </a:solidFill>
-          <a:ln cap="flat" cmpd="sng" w="9525">
+          <a:ln w="9525" cap="flat" cmpd="sng">
             <a:solidFill>
               <a:srgbClr val="B7B7B7"/>
             </a:solidFill>
             <a:prstDash val="solid"/>
             <a:round/>
-            <a:headEnd len="med" w="med" type="none"/>
-            <a:tailEnd len="med" w="med" type="none"/>
+            <a:headEnd type="none" w="med" len="med"/>
+            <a:tailEnd type="none" w="med" len="med"/>
           </a:ln>
         </p:spPr>
         <p:txBody>
-          <a:bodyPr anchorCtr="0" anchor="t" bIns="91425" lIns="91425" rIns="91425" tIns="91425">
+          <a:bodyPr lIns="91425" tIns="91425" rIns="91425" bIns="91425" anchor="t" anchorCtr="0">
             <a:noAutofit/>
           </a:bodyPr>
           <a:lstStyle/>
           <a:p>
-            <a:pPr indent="0" lvl="0" marL="0" marR="0" rtl="0" algn="ctr">
+            <a:pPr marL="0" marR="0" lvl="0" indent="0" algn="ctr" rtl="0">
               <a:lnSpc>
                 <a:spcPct val="100000"/>
               </a:lnSpc>
@@ -6992,7 +8176,7 @@
               <a:buNone/>
             </a:pPr>
             <a:r>
-              <a:rPr b="1" lang="bg">
+              <a:rPr lang="bg" b="1">
                 <a:solidFill>
                   <a:srgbClr val="434343"/>
                 </a:solidFill>
@@ -7005,7 +8189,7 @@
             </a:r>
           </a:p>
           <a:p>
-            <a:pPr indent="0" lvl="0" marL="0" marR="0" rtl="0" algn="ctr">
+            <a:pPr marL="0" marR="0" lvl="0" indent="0" algn="ctr" rtl="0">
               <a:lnSpc>
                 <a:spcPct val="100000"/>
               </a:lnSpc>
@@ -7018,7 +8202,7 @@
               <a:buNone/>
             </a:pPr>
             <a:r>
-              <a:rPr b="1" lang="bg">
+              <a:rPr lang="bg" b="1">
                 <a:solidFill>
                   <a:srgbClr val="434343"/>
                 </a:solidFill>
@@ -7031,7 +8215,7 @@
             </a:r>
           </a:p>
           <a:p>
-            <a:pPr indent="0" lvl="0" marL="0" marR="0" rtl="0" algn="l">
+            <a:pPr marL="0" marR="0" lvl="0" indent="0" algn="l" rtl="0">
               <a:lnSpc>
                 <a:spcPct val="100000"/>
               </a:lnSpc>
@@ -7057,7 +8241,7 @@
             </a:r>
           </a:p>
           <a:p>
-            <a:pPr indent="0" lvl="0" marL="0" marR="0" rtl="0" algn="l">
+            <a:pPr marL="0" marR="0" lvl="0" indent="0" algn="l" rtl="0">
               <a:lnSpc>
                 <a:spcPct val="100000"/>
               </a:lnSpc>
@@ -7083,7 +8267,7 @@
             </a:r>
           </a:p>
           <a:p>
-            <a:pPr indent="0" lvl="0" marL="0" marR="0" rtl="0" algn="l">
+            <a:pPr marL="0" marR="0" lvl="0" indent="0" algn="l" rtl="0">
               <a:lnSpc>
                 <a:spcPct val="100000"/>
               </a:lnSpc>
@@ -7109,7 +8293,7 @@
             </a:r>
           </a:p>
           <a:p>
-            <a:pPr indent="0" lvl="0" marL="0" marR="0" rtl="0" algn="l">
+            <a:pPr marL="0" marR="0" lvl="0" indent="0" algn="l" rtl="0">
               <a:lnSpc>
                 <a:spcPct val="100000"/>
               </a:lnSpc>
@@ -7135,7 +8319,7 @@
             </a:r>
           </a:p>
           <a:p>
-            <a:pPr indent="0" lvl="0" marL="0" marR="0" rtl="0" algn="l">
+            <a:pPr marL="0" marR="0" lvl="0" indent="0" algn="l" rtl="0">
               <a:lnSpc>
                 <a:spcPct val="100000"/>
               </a:lnSpc>
@@ -7161,7 +8345,7 @@
             </a:r>
           </a:p>
           <a:p>
-            <a:pPr indent="0" lvl="0" marL="0" marR="0" rtl="0" algn="ctr">
+            <a:pPr marL="0" marR="0" lvl="0" indent="0" algn="ctr" rtl="0">
               <a:lnSpc>
                 <a:spcPct val="100000"/>
               </a:lnSpc>
@@ -7173,9 +8357,6 @@
               </a:spcAft>
               <a:buNone/>
             </a:pPr>
-            <a:r>
-              <a:t/>
-            </a:r>
             <a:endParaRPr b="1">
               <a:solidFill>
                 <a:srgbClr val="434343"/>
@@ -7191,9 +8372,11 @@
       <p:sp>
         <p:nvSpPr>
           <p:cNvPr id="108" name="Shape 108"/>
-          <p:cNvSpPr txBox="1"/>
+          <p:cNvSpPr txBox="1">
+            <a:spLocks noGrp="1"/>
+          </p:cNvSpPr>
           <p:nvPr>
-            <p:ph idx="1" type="body"/>
+            <p:ph type="body" idx="1"/>
           </p:nvPr>
         </p:nvSpPr>
         <p:spPr>
@@ -7207,23 +8390,23 @@
           <a:solidFill>
             <a:srgbClr val="F3F3F3"/>
           </a:solidFill>
-          <a:ln cap="flat" cmpd="sng" w="9525">
+          <a:ln w="9525" cap="flat" cmpd="sng">
             <a:solidFill>
               <a:srgbClr val="B7B7B7"/>
             </a:solidFill>
             <a:prstDash val="solid"/>
             <a:round/>
-            <a:headEnd len="med" w="med" type="none"/>
-            <a:tailEnd len="med" w="med" type="none"/>
+            <a:headEnd type="none" w="med" len="med"/>
+            <a:tailEnd type="none" w="med" len="med"/>
           </a:ln>
         </p:spPr>
         <p:txBody>
-          <a:bodyPr anchorCtr="0" anchor="t" bIns="91425" lIns="91425" rIns="91425" tIns="91425">
+          <a:bodyPr lIns="91425" tIns="91425" rIns="91425" bIns="91425" anchor="t" anchorCtr="0">
             <a:noAutofit/>
           </a:bodyPr>
           <a:lstStyle/>
           <a:p>
-            <a:pPr indent="0" lvl="0" marL="0" marR="0" rtl="0" algn="ctr">
+            <a:pPr marL="0" marR="0" lvl="0" indent="0" algn="ctr" rtl="0">
               <a:lnSpc>
                 <a:spcPct val="100000"/>
               </a:lnSpc>
@@ -7236,7 +8419,7 @@
               <a:buNone/>
             </a:pPr>
             <a:r>
-              <a:rPr b="1" lang="bg">
+              <a:rPr lang="bg" b="1">
                 <a:solidFill>
                   <a:srgbClr val="434343"/>
                 </a:solidFill>
@@ -7249,7 +8432,7 @@
             </a:r>
           </a:p>
           <a:p>
-            <a:pPr indent="0" lvl="0" marL="0" marR="0" rtl="0" algn="ctr">
+            <a:pPr marL="0" marR="0" lvl="0" indent="0" algn="ctr" rtl="0">
               <a:lnSpc>
                 <a:spcPct val="100000"/>
               </a:lnSpc>
@@ -7262,7 +8445,7 @@
               <a:buNone/>
             </a:pPr>
             <a:r>
-              <a:rPr b="1" lang="bg">
+              <a:rPr lang="bg" b="1">
                 <a:solidFill>
                   <a:srgbClr val="434343"/>
                 </a:solidFill>
@@ -7275,7 +8458,7 @@
             </a:r>
           </a:p>
           <a:p>
-            <a:pPr indent="0" lvl="0" marL="0" marR="0" rtl="0" algn="l">
+            <a:pPr marL="0" marR="0" lvl="0" indent="0" algn="l" rtl="0">
               <a:lnSpc>
                 <a:spcPct val="100000"/>
               </a:lnSpc>
@@ -7301,7 +8484,7 @@
             </a:r>
           </a:p>
           <a:p>
-            <a:pPr indent="0" lvl="0" marL="0" marR="0" rtl="0" algn="l">
+            <a:pPr marL="0" marR="0" lvl="0" indent="0" algn="l" rtl="0">
               <a:lnSpc>
                 <a:spcPct val="100000"/>
               </a:lnSpc>
@@ -7327,7 +8510,7 @@
             </a:r>
           </a:p>
           <a:p>
-            <a:pPr indent="0" lvl="0" marL="0" marR="0" rtl="0" algn="l">
+            <a:pPr marL="0" marR="0" lvl="0" indent="0" algn="l" rtl="0">
               <a:lnSpc>
                 <a:spcPct val="100000"/>
               </a:lnSpc>
@@ -7353,7 +8536,7 @@
             </a:r>
           </a:p>
           <a:p>
-            <a:pPr indent="0" lvl="0" marL="0" marR="0" rtl="0" algn="l">
+            <a:pPr marL="0" marR="0" lvl="0" indent="0" algn="l" rtl="0">
               <a:lnSpc>
                 <a:spcPct val="100000"/>
               </a:lnSpc>
@@ -7379,7 +8562,7 @@
             </a:r>
           </a:p>
           <a:p>
-            <a:pPr indent="0" lvl="0" marL="0" marR="0" rtl="0" algn="l">
+            <a:pPr marL="0" marR="0" lvl="0" indent="0" algn="l" rtl="0">
               <a:lnSpc>
                 <a:spcPct val="100000"/>
               </a:lnSpc>
@@ -7405,7 +8588,7 @@
             </a:r>
           </a:p>
           <a:p>
-            <a:pPr indent="0" lvl="0" marL="0" marR="0" rtl="0" algn="ctr">
+            <a:pPr marL="0" marR="0" lvl="0" indent="0" algn="ctr" rtl="0">
               <a:lnSpc>
                 <a:spcPct val="100000"/>
               </a:lnSpc>
@@ -7417,9 +8600,6 @@
               </a:spcAft>
               <a:buNone/>
             </a:pPr>
-            <a:r>
-              <a:t/>
-            </a:r>
             <a:endParaRPr b="1">
               <a:solidFill>
                 <a:srgbClr val="434343"/>
@@ -7440,15 +8620,22 @@
   <p:transition spd="slow">
     <p:cut/>
   </p:transition>
+  <p:timing>
+    <p:tnLst>
+      <p:par>
+        <p:cTn id="1" dur="indefinite" restart="never" nodeType="tmRoot"/>
+      </p:par>
+    </p:tnLst>
+  </p:timing>
 </p:sld>
 </file>
 
 <file path=ppt/slides/slide8.xml><?xml version="1.0" encoding="utf-8"?>
-<p:sld xmlns:a="http://schemas.openxmlformats.org/drawingml/2006/main" xmlns:r="http://schemas.openxmlformats.org/officeDocument/2006/relationships" xmlns:mc="http://schemas.openxmlformats.org/markup-compatibility/2006" xmlns:mv="urn:schemas-microsoft-com:mac:vml" xmlns:p="http://schemas.openxmlformats.org/presentationml/2006/main" xmlns:c="http://schemas.openxmlformats.org/drawingml/2006/chart" xmlns:dgm="http://schemas.openxmlformats.org/drawingml/2006/diagram" xmlns:o="urn:schemas-microsoft-com:office:office" xmlns:v="urn:schemas-microsoft-com:vml" xmlns:pvml="urn:schemas-microsoft-com:office:powerpoint" xmlns:com="http://schemas.openxmlformats.org/drawingml/2006/compatibility" xmlns:p14="http://schemas.microsoft.com/office/powerpoint/2010/main">
+<p:sld xmlns:a="http://schemas.openxmlformats.org/drawingml/2006/main" xmlns:r="http://schemas.openxmlformats.org/officeDocument/2006/relationships" xmlns:p="http://schemas.openxmlformats.org/presentationml/2006/main">
   <p:cSld>
     <p:spTree>
       <p:nvGrpSpPr>
-        <p:cNvPr id="112" name="Shape 112"/>
+        <p:cNvPr id="1" name="Shape 112"/>
         <p:cNvGrpSpPr/>
         <p:nvPr/>
       </p:nvGrpSpPr>
@@ -7463,7 +8650,9 @@
       <p:sp>
         <p:nvSpPr>
           <p:cNvPr id="113" name="Shape 113"/>
-          <p:cNvSpPr txBox="1"/>
+          <p:cNvSpPr txBox="1">
+            <a:spLocks noGrp="1"/>
+          </p:cNvSpPr>
           <p:nvPr>
             <p:ph type="title"/>
           </p:nvPr>
@@ -7478,7 +8667,7 @@
           </a:prstGeom>
         </p:spPr>
         <p:txBody>
-          <a:bodyPr anchorCtr="0" anchor="b" bIns="91425" lIns="91425" rIns="91425" tIns="91425">
+          <a:bodyPr lIns="91425" tIns="91425" rIns="91425" bIns="91425" anchor="b" anchorCtr="0">
             <a:noAutofit/>
           </a:bodyPr>
           <a:lstStyle/>
@@ -7499,9 +8688,11 @@
       <p:sp>
         <p:nvSpPr>
           <p:cNvPr id="114" name="Shape 114"/>
-          <p:cNvSpPr txBox="1"/>
+          <p:cNvSpPr txBox="1">
+            <a:spLocks noGrp="1"/>
+          </p:cNvSpPr>
           <p:nvPr>
-            <p:ph idx="1" type="body"/>
+            <p:ph type="body" idx="1"/>
           </p:nvPr>
         </p:nvSpPr>
         <p:spPr>
@@ -7514,12 +8705,12 @@
           </a:prstGeom>
         </p:spPr>
         <p:txBody>
-          <a:bodyPr anchorCtr="0" anchor="t" bIns="91425" lIns="91425" rIns="91425" tIns="91425">
+          <a:bodyPr lIns="91425" tIns="91425" rIns="91425" bIns="91425" anchor="t" anchorCtr="0">
             <a:noAutofit/>
           </a:bodyPr>
           <a:lstStyle/>
           <a:p>
-            <a:pPr indent="-228600" lvl="0" marL="457200" marR="0" rtl="0" algn="l">
+            <a:pPr marL="457200" marR="0" lvl="0" indent="-228600" algn="l" rtl="0">
               <a:lnSpc>
                 <a:spcPct val="100000"/>
               </a:lnSpc>
@@ -7536,7 +8727,7 @@
               <a:buChar char="●"/>
             </a:pPr>
             <a:r>
-              <a:rPr lang="bg">
+              <a:rPr lang="bg" sz="2000" dirty="0">
                 <a:solidFill>
                   <a:srgbClr val="434343"/>
                 </a:solidFill>
@@ -7549,7 +8740,7 @@
             </a:r>
           </a:p>
           <a:p>
-            <a:pPr indent="-228600" lvl="0" marL="457200" marR="0" rtl="0" algn="l">
+            <a:pPr marL="457200" marR="0" lvl="0" indent="-228600" algn="l" rtl="0">
               <a:lnSpc>
                 <a:spcPct val="100000"/>
               </a:lnSpc>
@@ -7566,7 +8757,7 @@
               <a:buChar char="●"/>
             </a:pPr>
             <a:r>
-              <a:rPr lang="bg">
+              <a:rPr lang="bg" sz="2000" dirty="0">
                 <a:solidFill>
                   <a:srgbClr val="434343"/>
                 </a:solidFill>
@@ -7588,11 +8779,299 @@
   <p:transition spd="slow">
     <p:cut/>
   </p:transition>
+  <p:timing>
+    <p:tnLst>
+      <p:par>
+        <p:cTn id="1" dur="indefinite" restart="never" nodeType="tmRoot"/>
+      </p:par>
+    </p:tnLst>
+  </p:timing>
 </p:sld>
 </file>
 
 <file path=ppt/theme/theme1.xml><?xml version="1.0" encoding="utf-8"?>
-<a:theme xmlns:a="http://schemas.openxmlformats.org/drawingml/2006/main" xmlns:r="http://schemas.openxmlformats.org/officeDocument/2006/relationships" name="Custom Theme">
+<a:theme xmlns:a="http://schemas.openxmlformats.org/drawingml/2006/main" name="modern-writer">
+  <a:themeElements>
+    <a:clrScheme name="Жълто">
+      <a:dk1>
+        <a:sysClr val="windowText" lastClr="000000"/>
+      </a:dk1>
+      <a:lt1>
+        <a:sysClr val="window" lastClr="FFFFFF"/>
+      </a:lt1>
+      <a:dk2>
+        <a:srgbClr val="39302A"/>
+      </a:dk2>
+      <a:lt2>
+        <a:srgbClr val="E5DEDB"/>
+      </a:lt2>
+      <a:accent1>
+        <a:srgbClr val="FFCA08"/>
+      </a:accent1>
+      <a:accent2>
+        <a:srgbClr val="F8931D"/>
+      </a:accent2>
+      <a:accent3>
+        <a:srgbClr val="CE8D3E"/>
+      </a:accent3>
+      <a:accent4>
+        <a:srgbClr val="EC7016"/>
+      </a:accent4>
+      <a:accent5>
+        <a:srgbClr val="E64823"/>
+      </a:accent5>
+      <a:accent6>
+        <a:srgbClr val="9C6A6A"/>
+      </a:accent6>
+      <a:hlink>
+        <a:srgbClr val="2998E3"/>
+      </a:hlink>
+      <a:folHlink>
+        <a:srgbClr val="7F723D"/>
+      </a:folHlink>
+    </a:clrScheme>
+    <a:fontScheme name="Office">
+      <a:majorFont>
+        <a:latin typeface="Arial"/>
+        <a:ea typeface=""/>
+        <a:cs typeface=""/>
+        <a:font script="Jpan" typeface="ＭＳ Ｐゴシック"/>
+        <a:font script="Hang" typeface="맑은 고딕"/>
+        <a:font script="Hans" typeface="宋体"/>
+        <a:font script="Hant" typeface="新細明體"/>
+        <a:font script="Arab" typeface="Times New Roman"/>
+        <a:font script="Hebr" typeface="Times New Roman"/>
+        <a:font script="Thai" typeface="Angsana New"/>
+        <a:font script="Ethi" typeface="Nyala"/>
+        <a:font script="Beng" typeface="Vrinda"/>
+        <a:font script="Gujr" typeface="Shruti"/>
+        <a:font script="Khmr" typeface="MoolBoran"/>
+        <a:font script="Knda" typeface="Tunga"/>
+        <a:font script="Guru" typeface="Raavi"/>
+        <a:font script="Cans" typeface="Euphemia"/>
+        <a:font script="Cher" typeface="Plantagenet Cherokee"/>
+        <a:font script="Yiii" typeface="Microsoft Yi Baiti"/>
+        <a:font script="Tibt" typeface="Microsoft Himalaya"/>
+        <a:font script="Thaa" typeface="MV Boli"/>
+        <a:font script="Deva" typeface="Mangal"/>
+        <a:font script="Telu" typeface="Gautami"/>
+        <a:font script="Taml" typeface="Latha"/>
+        <a:font script="Syrc" typeface="Estrangelo Edessa"/>
+        <a:font script="Orya" typeface="Kalinga"/>
+        <a:font script="Mlym" typeface="Kartika"/>
+        <a:font script="Laoo" typeface="DokChampa"/>
+        <a:font script="Sinh" typeface="Iskoola Pota"/>
+        <a:font script="Mong" typeface="Mongolian Baiti"/>
+        <a:font script="Viet" typeface="Times New Roman"/>
+        <a:font script="Uigh" typeface="Microsoft Uighur"/>
+        <a:font script="Geor" typeface="Sylfaen"/>
+      </a:majorFont>
+      <a:minorFont>
+        <a:latin typeface="Arial"/>
+        <a:ea typeface=""/>
+        <a:cs typeface=""/>
+        <a:font script="Jpan" typeface="ＭＳ Ｐゴシック"/>
+        <a:font script="Hang" typeface="맑은 고딕"/>
+        <a:font script="Hans" typeface="宋体"/>
+        <a:font script="Hant" typeface="新細明體"/>
+        <a:font script="Arab" typeface="Arial"/>
+        <a:font script="Hebr" typeface="Arial"/>
+        <a:font script="Thai" typeface="Cordia New"/>
+        <a:font script="Ethi" typeface="Nyala"/>
+        <a:font script="Beng" typeface="Vrinda"/>
+        <a:font script="Gujr" typeface="Shruti"/>
+        <a:font script="Khmr" typeface="DaunPenh"/>
+        <a:font script="Knda" typeface="Tunga"/>
+        <a:font script="Guru" typeface="Raavi"/>
+        <a:font script="Cans" typeface="Euphemia"/>
+        <a:font script="Cher" typeface="Plantagenet Cherokee"/>
+        <a:font script="Yiii" typeface="Microsoft Yi Baiti"/>
+        <a:font script="Tibt" typeface="Microsoft Himalaya"/>
+        <a:font script="Thaa" typeface="MV Boli"/>
+        <a:font script="Deva" typeface="Mangal"/>
+        <a:font script="Telu" typeface="Gautami"/>
+        <a:font script="Taml" typeface="Latha"/>
+        <a:font script="Syrc" typeface="Estrangelo Edessa"/>
+        <a:font script="Orya" typeface="Kalinga"/>
+        <a:font script="Mlym" typeface="Kartika"/>
+        <a:font script="Laoo" typeface="DokChampa"/>
+        <a:font script="Sinh" typeface="Iskoola Pota"/>
+        <a:font script="Mong" typeface="Mongolian Baiti"/>
+        <a:font script="Viet" typeface="Arial"/>
+        <a:font script="Uigh" typeface="Microsoft Uighur"/>
+        <a:font script="Geor" typeface="Sylfaen"/>
+      </a:minorFont>
+    </a:fontScheme>
+    <a:fmtScheme name="Office">
+      <a:fillStyleLst>
+        <a:solidFill>
+          <a:schemeClr val="phClr"/>
+        </a:solidFill>
+        <a:gradFill rotWithShape="1">
+          <a:gsLst>
+            <a:gs pos="0">
+              <a:schemeClr val="phClr">
+                <a:tint val="50000"/>
+                <a:satMod val="300000"/>
+              </a:schemeClr>
+            </a:gs>
+            <a:gs pos="35000">
+              <a:schemeClr val="phClr">
+                <a:tint val="37000"/>
+                <a:satMod val="300000"/>
+              </a:schemeClr>
+            </a:gs>
+            <a:gs pos="100000">
+              <a:schemeClr val="phClr">
+                <a:tint val="15000"/>
+                <a:satMod val="350000"/>
+              </a:schemeClr>
+            </a:gs>
+          </a:gsLst>
+          <a:lin ang="16200000" scaled="1"/>
+        </a:gradFill>
+        <a:gradFill rotWithShape="1">
+          <a:gsLst>
+            <a:gs pos="0">
+              <a:schemeClr val="phClr">
+                <a:tint val="100000"/>
+                <a:shade val="100000"/>
+                <a:satMod val="130000"/>
+              </a:schemeClr>
+            </a:gs>
+            <a:gs pos="100000">
+              <a:schemeClr val="phClr">
+                <a:tint val="50000"/>
+                <a:shade val="100000"/>
+                <a:satMod val="350000"/>
+              </a:schemeClr>
+            </a:gs>
+          </a:gsLst>
+          <a:lin ang="16200000" scaled="0"/>
+        </a:gradFill>
+      </a:fillStyleLst>
+      <a:lnStyleLst>
+        <a:ln w="9525" cap="flat" cmpd="sng" algn="ctr">
+          <a:solidFill>
+            <a:schemeClr val="phClr">
+              <a:shade val="95000"/>
+              <a:satMod val="105000"/>
+            </a:schemeClr>
+          </a:solidFill>
+          <a:prstDash val="solid"/>
+        </a:ln>
+        <a:ln w="25400" cap="flat" cmpd="sng" algn="ctr">
+          <a:solidFill>
+            <a:schemeClr val="phClr"/>
+          </a:solidFill>
+          <a:prstDash val="solid"/>
+        </a:ln>
+        <a:ln w="38100" cap="flat" cmpd="sng" algn="ctr">
+          <a:solidFill>
+            <a:schemeClr val="phClr"/>
+          </a:solidFill>
+          <a:prstDash val="solid"/>
+        </a:ln>
+      </a:lnStyleLst>
+      <a:effectStyleLst>
+        <a:effectStyle>
+          <a:effectLst>
+            <a:outerShdw blurRad="40000" dist="20000" dir="5400000" rotWithShape="0">
+              <a:srgbClr val="000000">
+                <a:alpha val="38000"/>
+              </a:srgbClr>
+            </a:outerShdw>
+          </a:effectLst>
+        </a:effectStyle>
+        <a:effectStyle>
+          <a:effectLst>
+            <a:outerShdw blurRad="40000" dist="23000" dir="5400000" rotWithShape="0">
+              <a:srgbClr val="000000">
+                <a:alpha val="35000"/>
+              </a:srgbClr>
+            </a:outerShdw>
+          </a:effectLst>
+        </a:effectStyle>
+        <a:effectStyle>
+          <a:effectLst>
+            <a:outerShdw blurRad="40000" dist="23000" dir="5400000" rotWithShape="0">
+              <a:srgbClr val="000000">
+                <a:alpha val="35000"/>
+              </a:srgbClr>
+            </a:outerShdw>
+          </a:effectLst>
+          <a:scene3d>
+            <a:camera prst="orthographicFront">
+              <a:rot lat="0" lon="0" rev="0"/>
+            </a:camera>
+            <a:lightRig rig="threePt" dir="t">
+              <a:rot lat="0" lon="0" rev="1200000"/>
+            </a:lightRig>
+          </a:scene3d>
+          <a:sp3d>
+            <a:bevelT w="63500" h="25400"/>
+          </a:sp3d>
+        </a:effectStyle>
+      </a:effectStyleLst>
+      <a:bgFillStyleLst>
+        <a:solidFill>
+          <a:schemeClr val="phClr"/>
+        </a:solidFill>
+        <a:gradFill rotWithShape="1">
+          <a:gsLst>
+            <a:gs pos="0">
+              <a:schemeClr val="phClr">
+                <a:tint val="40000"/>
+                <a:satMod val="350000"/>
+              </a:schemeClr>
+            </a:gs>
+            <a:gs pos="40000">
+              <a:schemeClr val="phClr">
+                <a:tint val="45000"/>
+                <a:shade val="99000"/>
+                <a:satMod val="350000"/>
+              </a:schemeClr>
+            </a:gs>
+            <a:gs pos="100000">
+              <a:schemeClr val="phClr">
+                <a:shade val="20000"/>
+                <a:satMod val="255000"/>
+              </a:schemeClr>
+            </a:gs>
+          </a:gsLst>
+          <a:path path="circle">
+            <a:fillToRect l="50000" t="-80000" r="50000" b="180000"/>
+          </a:path>
+        </a:gradFill>
+        <a:gradFill rotWithShape="1">
+          <a:gsLst>
+            <a:gs pos="0">
+              <a:schemeClr val="phClr">
+                <a:tint val="80000"/>
+                <a:satMod val="300000"/>
+              </a:schemeClr>
+            </a:gs>
+            <a:gs pos="100000">
+              <a:schemeClr val="phClr">
+                <a:shade val="30000"/>
+                <a:satMod val="200000"/>
+              </a:schemeClr>
+            </a:gs>
+          </a:gsLst>
+          <a:path path="circle">
+            <a:fillToRect l="50000" t="50000" r="50000" b="50000"/>
+          </a:path>
+        </a:gradFill>
+      </a:bgFillStyleLst>
+    </a:fmtScheme>
+  </a:themeElements>
+  <a:objectDefaults/>
+  <a:extraClrSchemeLst/>
+</a:theme>
+</file>
+
+<file path=ppt/theme/theme2.xml><?xml version="1.0" encoding="utf-8"?>
+<a:theme xmlns:a="http://schemas.openxmlformats.org/drawingml/2006/main" name="Custom Theme">
   <a:themeElements>
     <a:clrScheme name="Default">
       <a:dk1>
@@ -7867,284 +9346,7 @@
       </a:bgFillStyleLst>
     </a:fmtScheme>
   </a:themeElements>
-</a:theme>
-</file>
-
-<file path=ppt/theme/theme2.xml><?xml version="1.0" encoding="utf-8"?>
-<a:theme xmlns:a="http://schemas.openxmlformats.org/drawingml/2006/main" xmlns:r="http://schemas.openxmlformats.org/officeDocument/2006/relationships" name="modern-writer">
-  <a:themeElements>
-    <a:clrScheme name="Modern Writer">
-      <a:dk1>
-        <a:srgbClr val="E91D63"/>
-      </a:dk1>
-      <a:lt1>
-        <a:srgbClr val="FFFFFF"/>
-      </a:lt1>
-      <a:dk2>
-        <a:srgbClr val="424242"/>
-      </a:dk2>
-      <a:lt2>
-        <a:srgbClr val="999999"/>
-      </a:lt2>
-      <a:accent1>
-        <a:srgbClr val="607D8B"/>
-      </a:accent1>
-      <a:accent2>
-        <a:srgbClr val="673AB7"/>
-      </a:accent2>
-      <a:accent3>
-        <a:srgbClr val="9C26B0"/>
-      </a:accent3>
-      <a:accent4>
-        <a:srgbClr val="0090AC"/>
-      </a:accent4>
-      <a:accent5>
-        <a:srgbClr val="01AFD1"/>
-      </a:accent5>
-      <a:accent6>
-        <a:srgbClr val="F8E71C"/>
-      </a:accent6>
-      <a:hlink>
-        <a:srgbClr val="01AFD1"/>
-      </a:hlink>
-      <a:folHlink>
-        <a:srgbClr val="01AFD1"/>
-      </a:folHlink>
-    </a:clrScheme>
-    <a:fontScheme name="Office">
-      <a:majorFont>
-        <a:latin typeface="Arial"/>
-        <a:ea typeface=""/>
-        <a:cs typeface=""/>
-        <a:font script="Jpan" typeface="ＭＳ Ｐゴシック"/>
-        <a:font script="Hang" typeface="맑은 고딕"/>
-        <a:font script="Hans" typeface="宋体"/>
-        <a:font script="Hant" typeface="新細明體"/>
-        <a:font script="Arab" typeface="Times New Roman"/>
-        <a:font script="Hebr" typeface="Times New Roman"/>
-        <a:font script="Thai" typeface="Angsana New"/>
-        <a:font script="Ethi" typeface="Nyala"/>
-        <a:font script="Beng" typeface="Vrinda"/>
-        <a:font script="Gujr" typeface="Shruti"/>
-        <a:font script="Khmr" typeface="MoolBoran"/>
-        <a:font script="Knda" typeface="Tunga"/>
-        <a:font script="Guru" typeface="Raavi"/>
-        <a:font script="Cans" typeface="Euphemia"/>
-        <a:font script="Cher" typeface="Plantagenet Cherokee"/>
-        <a:font script="Yiii" typeface="Microsoft Yi Baiti"/>
-        <a:font script="Tibt" typeface="Microsoft Himalaya"/>
-        <a:font script="Thaa" typeface="MV Boli"/>
-        <a:font script="Deva" typeface="Mangal"/>
-        <a:font script="Telu" typeface="Gautami"/>
-        <a:font script="Taml" typeface="Latha"/>
-        <a:font script="Syrc" typeface="Estrangelo Edessa"/>
-        <a:font script="Orya" typeface="Kalinga"/>
-        <a:font script="Mlym" typeface="Kartika"/>
-        <a:font script="Laoo" typeface="DokChampa"/>
-        <a:font script="Sinh" typeface="Iskoola Pota"/>
-        <a:font script="Mong" typeface="Mongolian Baiti"/>
-        <a:font script="Viet" typeface="Times New Roman"/>
-        <a:font script="Uigh" typeface="Microsoft Uighur"/>
-        <a:font script="Geor" typeface="Sylfaen"/>
-      </a:majorFont>
-      <a:minorFont>
-        <a:latin typeface="Arial"/>
-        <a:ea typeface=""/>
-        <a:cs typeface=""/>
-        <a:font script="Jpan" typeface="ＭＳ Ｐゴシック"/>
-        <a:font script="Hang" typeface="맑은 고딕"/>
-        <a:font script="Hans" typeface="宋体"/>
-        <a:font script="Hant" typeface="新細明體"/>
-        <a:font script="Arab" typeface="Arial"/>
-        <a:font script="Hebr" typeface="Arial"/>
-        <a:font script="Thai" typeface="Cordia New"/>
-        <a:font script="Ethi" typeface="Nyala"/>
-        <a:font script="Beng" typeface="Vrinda"/>
-        <a:font script="Gujr" typeface="Shruti"/>
-        <a:font script="Khmr" typeface="DaunPenh"/>
-        <a:font script="Knda" typeface="Tunga"/>
-        <a:font script="Guru" typeface="Raavi"/>
-        <a:font script="Cans" typeface="Euphemia"/>
-        <a:font script="Cher" typeface="Plantagenet Cherokee"/>
-        <a:font script="Yiii" typeface="Microsoft Yi Baiti"/>
-        <a:font script="Tibt" typeface="Microsoft Himalaya"/>
-        <a:font script="Thaa" typeface="MV Boli"/>
-        <a:font script="Deva" typeface="Mangal"/>
-        <a:font script="Telu" typeface="Gautami"/>
-        <a:font script="Taml" typeface="Latha"/>
-        <a:font script="Syrc" typeface="Estrangelo Edessa"/>
-        <a:font script="Orya" typeface="Kalinga"/>
-        <a:font script="Mlym" typeface="Kartika"/>
-        <a:font script="Laoo" typeface="DokChampa"/>
-        <a:font script="Sinh" typeface="Iskoola Pota"/>
-        <a:font script="Mong" typeface="Mongolian Baiti"/>
-        <a:font script="Viet" typeface="Arial"/>
-        <a:font script="Uigh" typeface="Microsoft Uighur"/>
-        <a:font script="Geor" typeface="Sylfaen"/>
-      </a:minorFont>
-    </a:fontScheme>
-    <a:fmtScheme name="Office">
-      <a:fillStyleLst>
-        <a:solidFill>
-          <a:schemeClr val="phClr"/>
-        </a:solidFill>
-        <a:gradFill rotWithShape="1">
-          <a:gsLst>
-            <a:gs pos="0">
-              <a:schemeClr val="phClr">
-                <a:tint val="50000"/>
-                <a:satMod val="300000"/>
-              </a:schemeClr>
-            </a:gs>
-            <a:gs pos="35000">
-              <a:schemeClr val="phClr">
-                <a:tint val="37000"/>
-                <a:satMod val="300000"/>
-              </a:schemeClr>
-            </a:gs>
-            <a:gs pos="100000">
-              <a:schemeClr val="phClr">
-                <a:tint val="15000"/>
-                <a:satMod val="350000"/>
-              </a:schemeClr>
-            </a:gs>
-          </a:gsLst>
-          <a:lin ang="16200000" scaled="1"/>
-        </a:gradFill>
-        <a:gradFill rotWithShape="1">
-          <a:gsLst>
-            <a:gs pos="0">
-              <a:schemeClr val="phClr">
-                <a:tint val="100000"/>
-                <a:shade val="100000"/>
-                <a:satMod val="130000"/>
-              </a:schemeClr>
-            </a:gs>
-            <a:gs pos="100000">
-              <a:schemeClr val="phClr">
-                <a:tint val="50000"/>
-                <a:shade val="100000"/>
-                <a:satMod val="350000"/>
-              </a:schemeClr>
-            </a:gs>
-          </a:gsLst>
-          <a:lin ang="16200000" scaled="0"/>
-        </a:gradFill>
-      </a:fillStyleLst>
-      <a:lnStyleLst>
-        <a:ln w="9525" cap="flat" cmpd="sng" algn="ctr">
-          <a:solidFill>
-            <a:schemeClr val="phClr">
-              <a:shade val="95000"/>
-              <a:satMod val="105000"/>
-            </a:schemeClr>
-          </a:solidFill>
-          <a:prstDash val="solid"/>
-        </a:ln>
-        <a:ln w="25400" cap="flat" cmpd="sng" algn="ctr">
-          <a:solidFill>
-            <a:schemeClr val="phClr"/>
-          </a:solidFill>
-          <a:prstDash val="solid"/>
-        </a:ln>
-        <a:ln w="38100" cap="flat" cmpd="sng" algn="ctr">
-          <a:solidFill>
-            <a:schemeClr val="phClr"/>
-          </a:solidFill>
-          <a:prstDash val="solid"/>
-        </a:ln>
-      </a:lnStyleLst>
-      <a:effectStyleLst>
-        <a:effectStyle>
-          <a:effectLst>
-            <a:outerShdw blurRad="40000" dist="20000" dir="5400000" rotWithShape="0">
-              <a:srgbClr val="000000">
-                <a:alpha val="38000"/>
-              </a:srgbClr>
-            </a:outerShdw>
-          </a:effectLst>
-        </a:effectStyle>
-        <a:effectStyle>
-          <a:effectLst>
-            <a:outerShdw blurRad="40000" dist="23000" dir="5400000" rotWithShape="0">
-              <a:srgbClr val="000000">
-                <a:alpha val="35000"/>
-              </a:srgbClr>
-            </a:outerShdw>
-          </a:effectLst>
-        </a:effectStyle>
-        <a:effectStyle>
-          <a:effectLst>
-            <a:outerShdw blurRad="40000" dist="23000" dir="5400000" rotWithShape="0">
-              <a:srgbClr val="000000">
-                <a:alpha val="35000"/>
-              </a:srgbClr>
-            </a:outerShdw>
-          </a:effectLst>
-          <a:scene3d>
-            <a:camera prst="orthographicFront">
-              <a:rot lat="0" lon="0" rev="0"/>
-            </a:camera>
-            <a:lightRig rig="threePt" dir="t">
-              <a:rot lat="0" lon="0" rev="1200000"/>
-            </a:lightRig>
-          </a:scene3d>
-          <a:sp3d>
-            <a:bevelT w="63500" h="25400"/>
-          </a:sp3d>
-        </a:effectStyle>
-      </a:effectStyleLst>
-      <a:bgFillStyleLst>
-        <a:solidFill>
-          <a:schemeClr val="phClr"/>
-        </a:solidFill>
-        <a:gradFill rotWithShape="1">
-          <a:gsLst>
-            <a:gs pos="0">
-              <a:schemeClr val="phClr">
-                <a:tint val="40000"/>
-                <a:satMod val="350000"/>
-              </a:schemeClr>
-            </a:gs>
-            <a:gs pos="40000">
-              <a:schemeClr val="phClr">
-                <a:tint val="45000"/>
-                <a:shade val="99000"/>
-                <a:satMod val="350000"/>
-              </a:schemeClr>
-            </a:gs>
-            <a:gs pos="100000">
-              <a:schemeClr val="phClr">
-                <a:shade val="20000"/>
-                <a:satMod val="255000"/>
-              </a:schemeClr>
-            </a:gs>
-          </a:gsLst>
-          <a:path path="circle">
-            <a:fillToRect l="50000" t="-80000" r="50000" b="180000"/>
-          </a:path>
-        </a:gradFill>
-        <a:gradFill rotWithShape="1">
-          <a:gsLst>
-            <a:gs pos="0">
-              <a:schemeClr val="phClr">
-                <a:tint val="80000"/>
-                <a:satMod val="300000"/>
-              </a:schemeClr>
-            </a:gs>
-            <a:gs pos="100000">
-              <a:schemeClr val="phClr">
-                <a:shade val="30000"/>
-                <a:satMod val="200000"/>
-              </a:schemeClr>
-            </a:gs>
-          </a:gsLst>
-          <a:path path="circle">
-            <a:fillToRect l="50000" t="50000" r="50000" b="50000"/>
-          </a:path>
-        </a:gradFill>
-      </a:bgFillStyleLst>
-    </a:fmtScheme>
-  </a:themeElements>
+  <a:objectDefaults/>
+  <a:extraClrSchemeLst/>
 </a:theme>
 </file>